--- a/lectures/lec6/Lec6-Modulation.pptx
+++ b/lectures/lec6/Lec6-Modulation.pptx
@@ -324,7 +324,7 @@
             <a:fld id="{F33530C9-BF13-40EE-A1EC-EBBB0134EBBA}" type="datetime1">
               <a:rPr lang="en-US"/>
               <a:pPr/>
-              <a:t>9/22/2015</a:t>
+              <a:t>10/29/2015</a:t>
             </a:fld>
             <a:endParaRPr lang="en-US"/>
           </a:p>
@@ -542,7 +542,7 @@
             <a:fld id="{7DD20F8F-B3A0-465C-A2C5-4272F8BE0711}" type="datetime1">
               <a:rPr lang="en-US"/>
               <a:pPr/>
-              <a:t>9/22/2015</a:t>
+              <a:t>10/29/2015</a:t>
             </a:fld>
             <a:endParaRPr lang="en-US"/>
           </a:p>
@@ -941,7 +941,7 @@
             <a:fld id="{7DD20F8F-B3A0-465C-A2C5-4272F8BE0711}" type="datetime1">
               <a:rPr lang="en-US" smtClean="0"/>
               <a:pPr/>
-              <a:t>9/22/2015</a:t>
+              <a:t>10/29/2015</a:t>
             </a:fld>
             <a:endParaRPr lang="en-US"/>
           </a:p>
@@ -1054,7 +1054,7 @@
             <a:fld id="{7DD20F8F-B3A0-465C-A2C5-4272F8BE0711}" type="datetime1">
               <a:rPr lang="en-US" smtClean="0"/>
               <a:pPr/>
-              <a:t>9/22/2015</a:t>
+              <a:t>10/29/2015</a:t>
             </a:fld>
             <a:endParaRPr lang="en-US"/>
           </a:p>
@@ -1171,7 +1171,7 @@
             <a:fld id="{7DD20F8F-B3A0-465C-A2C5-4272F8BE0711}" type="datetime1">
               <a:rPr lang="en-US" smtClean="0"/>
               <a:pPr/>
-              <a:t>9/22/2015</a:t>
+              <a:t>10/29/2015</a:t>
             </a:fld>
             <a:endParaRPr lang="en-US"/>
           </a:p>
@@ -3956,7 +3956,7 @@
           <a:graphicData uri="http://schemas.openxmlformats.org/presentationml/2006/ole">
             <mc:AlternateContent xmlns:mc="http://schemas.openxmlformats.org/markup-compatibility/2006">
               <mc:Choice xmlns:v="urn:schemas-microsoft-com:vml" Requires="v">
-                <p:oleObj spid="_x0000_s15374" name="Equation" r:id="rId3" imgW="457200" imgH="228600" progId="">
+                <p:oleObj spid="_x0000_s15376" name="Equation" r:id="rId3" imgW="457200" imgH="228600" progId="">
                   <p:embed/>
                 </p:oleObj>
               </mc:Choice>
@@ -4689,7 +4689,7 @@
           <a:graphicData uri="http://schemas.openxmlformats.org/presentationml/2006/ole">
             <mc:AlternateContent xmlns:mc="http://schemas.openxmlformats.org/markup-compatibility/2006">
               <mc:Choice xmlns:v="urn:schemas-microsoft-com:vml" Requires="v">
-                <p:oleObj spid="_x0000_s15375" name="Equation" r:id="rId5" imgW="545760" imgH="228600" progId="">
+                <p:oleObj spid="_x0000_s15377" name="Equation" r:id="rId5" imgW="545760" imgH="228600" progId="">
                   <p:embed/>
                 </p:oleObj>
               </mc:Choice>
@@ -4901,7 +4901,7 @@
           <a:graphicData uri="http://schemas.openxmlformats.org/presentationml/2006/ole">
             <mc:AlternateContent xmlns:mc="http://schemas.openxmlformats.org/markup-compatibility/2006">
               <mc:Choice xmlns:v="urn:schemas-microsoft-com:vml" Requires="v">
-                <p:oleObj spid="_x0000_s6190" name="Equation" r:id="rId4" imgW="3377880" imgH="939600" progId="">
+                <p:oleObj spid="_x0000_s6192" name="Equation" r:id="rId4" imgW="3377880" imgH="939600" progId="">
                   <p:embed/>
                 </p:oleObj>
               </mc:Choice>
@@ -4977,7 +4977,7 @@
           <a:graphicData uri="http://schemas.openxmlformats.org/presentationml/2006/ole">
             <mc:AlternateContent xmlns:mc="http://schemas.openxmlformats.org/markup-compatibility/2006">
               <mc:Choice xmlns:v="urn:schemas-microsoft-com:vml" Requires="v">
-                <p:oleObj spid="_x0000_s6191" name="Equation" r:id="rId6" imgW="3390840" imgH="939600" progId="">
+                <p:oleObj spid="_x0000_s6193" name="Equation" r:id="rId6" imgW="3390840" imgH="939600" progId="">
                   <p:embed/>
                 </p:oleObj>
               </mc:Choice>
@@ -5404,7 +5404,7 @@
                             </p:stCondLst>
                             <p:childTnLst>
                               <p:par>
-                                <p:cTn id="9" presetID="1" presetClass="entr" presetSubtype="0" fill="hold" grpId="0" nodeType="clickEffect">
+                                <p:cTn id="9" presetID="1" presetClass="entr" presetSubtype="0" fill="hold" nodeType="clickEffect">
                                   <p:stCondLst>
                                     <p:cond delay="0"/>
                                   </p:stCondLst>
@@ -5417,7 +5417,7 @@
                                           </p:stCondLst>
                                         </p:cTn>
                                         <p:tgtEl>
-                                          <p:spTgt spid="9"/>
+                                          <p:spTgt spid="4"/>
                                         </p:tgtEl>
                                         <p:attrNameLst>
                                           <p:attrName>style.visibility</p:attrName>
@@ -5462,7 +5462,7 @@
                                           </p:stCondLst>
                                         </p:cTn>
                                         <p:tgtEl>
-                                          <p:spTgt spid="7"/>
+                                          <p:spTgt spid="9"/>
                                         </p:tgtEl>
                                         <p:attrNameLst>
                                           <p:attrName>style.visibility</p:attrName>
@@ -5494,7 +5494,7 @@
                             </p:stCondLst>
                             <p:childTnLst>
                               <p:par>
-                                <p:cTn id="17" presetID="1" presetClass="entr" presetSubtype="0" fill="hold" nodeType="clickEffect">
+                                <p:cTn id="17" presetID="1" presetClass="entr" presetSubtype="0" fill="hold" grpId="0" nodeType="clickEffect">
                                   <p:stCondLst>
                                     <p:cond delay="0"/>
                                   </p:stCondLst>
@@ -5507,7 +5507,7 @@
                                           </p:stCondLst>
                                         </p:cTn>
                                         <p:tgtEl>
-                                          <p:spTgt spid="51204"/>
+                                          <p:spTgt spid="7"/>
                                         </p:tgtEl>
                                         <p:attrNameLst>
                                           <p:attrName>style.visibility</p:attrName>
@@ -5539,7 +5539,7 @@
                             </p:stCondLst>
                             <p:childTnLst>
                               <p:par>
-                                <p:cTn id="21" presetID="1" presetClass="entr" presetSubtype="0" fill="hold" grpId="0" nodeType="clickEffect">
+                                <p:cTn id="21" presetID="1" presetClass="entr" presetSubtype="0" fill="hold" nodeType="clickEffect">
                                   <p:stCondLst>
                                     <p:cond delay="0"/>
                                   </p:stCondLst>
@@ -5547,6 +5547,78 @@
                                     <p:set>
                                       <p:cBhvr>
                                         <p:cTn id="22" dur="1" fill="hold">
+                                          <p:stCondLst>
+                                            <p:cond delay="0"/>
+                                          </p:stCondLst>
+                                        </p:cTn>
+                                        <p:tgtEl>
+                                          <p:spTgt spid="51204"/>
+                                        </p:tgtEl>
+                                        <p:attrNameLst>
+                                          <p:attrName>style.visibility</p:attrName>
+                                        </p:attrNameLst>
+                                      </p:cBhvr>
+                                      <p:to>
+                                        <p:strVal val="visible"/>
+                                      </p:to>
+                                    </p:set>
+                                  </p:childTnLst>
+                                </p:cTn>
+                              </p:par>
+                              <p:par>
+                                <p:cTn id="23" presetID="1" presetClass="entr" presetSubtype="0" fill="hold" nodeType="withEffect">
+                                  <p:stCondLst>
+                                    <p:cond delay="0"/>
+                                  </p:stCondLst>
+                                  <p:childTnLst>
+                                    <p:set>
+                                      <p:cBhvr>
+                                        <p:cTn id="24" dur="1" fill="hold">
+                                          <p:stCondLst>
+                                            <p:cond delay="0"/>
+                                          </p:stCondLst>
+                                        </p:cTn>
+                                        <p:tgtEl>
+                                          <p:spTgt spid="12"/>
+                                        </p:tgtEl>
+                                        <p:attrNameLst>
+                                          <p:attrName>style.visibility</p:attrName>
+                                        </p:attrNameLst>
+                                      </p:cBhvr>
+                                      <p:to>
+                                        <p:strVal val="visible"/>
+                                      </p:to>
+                                    </p:set>
+                                  </p:childTnLst>
+                                </p:cTn>
+                              </p:par>
+                            </p:childTnLst>
+                          </p:cTn>
+                        </p:par>
+                      </p:childTnLst>
+                    </p:cTn>
+                  </p:par>
+                  <p:par>
+                    <p:cTn id="25" fill="hold">
+                      <p:stCondLst>
+                        <p:cond delay="indefinite"/>
+                      </p:stCondLst>
+                      <p:childTnLst>
+                        <p:par>
+                          <p:cTn id="26" fill="hold">
+                            <p:stCondLst>
+                              <p:cond delay="0"/>
+                            </p:stCondLst>
+                            <p:childTnLst>
+                              <p:par>
+                                <p:cTn id="27" presetID="1" presetClass="entr" presetSubtype="0" fill="hold" grpId="0" nodeType="clickEffect">
+                                  <p:stCondLst>
+                                    <p:cond delay="0"/>
+                                  </p:stCondLst>
+                                  <p:childTnLst>
+                                    <p:set>
+                                      <p:cBhvr>
+                                        <p:cTn id="28" dur="1" fill="hold">
                                           <p:stCondLst>
                                             <p:cond delay="0"/>
                                           </p:stCondLst>
@@ -6899,7 +6971,7 @@
           <a:graphicData uri="http://schemas.openxmlformats.org/presentationml/2006/ole">
             <mc:AlternateContent xmlns:mc="http://schemas.openxmlformats.org/markup-compatibility/2006">
               <mc:Choice xmlns:v="urn:schemas-microsoft-com:vml" Requires="v">
-                <p:oleObj spid="_x0000_s7196" name="Equation" r:id="rId3" imgW="457200" imgH="228600" progId="">
+                <p:oleObj spid="_x0000_s7198" name="Equation" r:id="rId3" imgW="457200" imgH="228600" progId="">
                   <p:embed/>
                 </p:oleObj>
               </mc:Choice>
@@ -7418,7 +7490,7 @@
           <a:graphicData uri="http://schemas.openxmlformats.org/presentationml/2006/ole">
             <mc:AlternateContent xmlns:mc="http://schemas.openxmlformats.org/markup-compatibility/2006">
               <mc:Choice xmlns:v="urn:schemas-microsoft-com:vml" Requires="v">
-                <p:oleObj spid="_x0000_s7197" name="Equation" r:id="rId5" imgW="545760" imgH="228600" progId="">
+                <p:oleObj spid="_x0000_s7199" name="Equation" r:id="rId5" imgW="545760" imgH="228600" progId="">
                   <p:embed/>
                 </p:oleObj>
               </mc:Choice>
@@ -8794,7 +8866,7 @@
           <a:graphicData uri="http://schemas.openxmlformats.org/presentationml/2006/ole">
             <mc:AlternateContent xmlns:mc="http://schemas.openxmlformats.org/markup-compatibility/2006">
               <mc:Choice xmlns:v="urn:schemas-microsoft-com:vml" Requires="v">
-                <p:oleObj spid="_x0000_s23562" name="Equation" r:id="rId4" imgW="457200" imgH="228600" progId="">
+                <p:oleObj spid="_x0000_s23563" name="Equation" r:id="rId4" imgW="457200" imgH="228600" progId="">
                   <p:embed/>
                 </p:oleObj>
               </mc:Choice>
@@ -9588,11 +9660,11 @@
   <p:clrMapOvr>
     <a:masterClrMapping/>
   </p:clrMapOvr>
-  <mc:AlternateContent xmlns:mc="http://schemas.openxmlformats.org/markup-compatibility/2006">
-    <mc:Choice xmlns:p14="http://schemas.microsoft.com/office/powerpoint/2010/main" Requires="p14">
+  <mc:AlternateContent xmlns:mc="http://schemas.openxmlformats.org/markup-compatibility/2006" xmlns:p14="http://schemas.microsoft.com/office/powerpoint/2010/main">
+    <mc:Choice Requires="p14">
       <p:transition spd="slow" p14:dur="2000"/>
     </mc:Choice>
-    <mc:Fallback>
+    <mc:Fallback xmlns="">
       <p:transition spd="slow"/>
     </mc:Fallback>
   </mc:AlternateContent>
@@ -10450,7 +10522,7 @@
           <a:graphicData uri="http://schemas.openxmlformats.org/presentationml/2006/ole">
             <mc:AlternateContent xmlns:mc="http://schemas.openxmlformats.org/markup-compatibility/2006">
               <mc:Choice xmlns:v="urn:schemas-microsoft-com:vml" Requires="v">
-                <p:oleObj spid="_x0000_s24608" name="Equation" r:id="rId3" imgW="457200" imgH="228600" progId="">
+                <p:oleObj spid="_x0000_s24612" name="Equation" r:id="rId3" imgW="457200" imgH="228600" progId="">
                   <p:embed/>
                 </p:oleObj>
               </mc:Choice>
@@ -10969,7 +11041,7 @@
           <a:graphicData uri="http://schemas.openxmlformats.org/presentationml/2006/ole">
             <mc:AlternateContent xmlns:mc="http://schemas.openxmlformats.org/markup-compatibility/2006">
               <mc:Choice xmlns:v="urn:schemas-microsoft-com:vml" Requires="v">
-                <p:oleObj spid="_x0000_s24609" name="Equation" r:id="rId5" imgW="545760" imgH="228600" progId="">
+                <p:oleObj spid="_x0000_s24613" name="Equation" r:id="rId5" imgW="545760" imgH="228600" progId="">
                   <p:embed/>
                 </p:oleObj>
               </mc:Choice>
@@ -12987,7 +13059,7 @@
           <a:graphicData uri="http://schemas.openxmlformats.org/presentationml/2006/ole">
             <mc:AlternateContent xmlns:mc="http://schemas.openxmlformats.org/markup-compatibility/2006">
               <mc:Choice xmlns:v="urn:schemas-microsoft-com:vml" Requires="v">
-                <p:oleObj spid="_x0000_s24610" name="Equation" r:id="rId10" imgW="457200" imgH="228600" progId="">
+                <p:oleObj spid="_x0000_s24614" name="Equation" r:id="rId10" imgW="457200" imgH="228600" progId="">
                   <p:embed/>
                 </p:oleObj>
               </mc:Choice>
@@ -13506,7 +13578,7 @@
           <a:graphicData uri="http://schemas.openxmlformats.org/presentationml/2006/ole">
             <mc:AlternateContent xmlns:mc="http://schemas.openxmlformats.org/markup-compatibility/2006">
               <mc:Choice xmlns:v="urn:schemas-microsoft-com:vml" Requires="v">
-                <p:oleObj spid="_x0000_s24611" name="Equation" r:id="rId11" imgW="545760" imgH="228600" progId="">
+                <p:oleObj spid="_x0000_s24615" name="Equation" r:id="rId11" imgW="545760" imgH="228600" progId="">
                   <p:embed/>
                 </p:oleObj>
               </mc:Choice>
@@ -15153,11 +15225,11 @@
   <p:clrMapOvr>
     <a:masterClrMapping/>
   </p:clrMapOvr>
-  <mc:AlternateContent xmlns:mc="http://schemas.openxmlformats.org/markup-compatibility/2006">
-    <mc:Choice xmlns:p14="http://schemas.microsoft.com/office/powerpoint/2010/main" Requires="p14">
+  <mc:AlternateContent xmlns:mc="http://schemas.openxmlformats.org/markup-compatibility/2006" xmlns:p14="http://schemas.microsoft.com/office/powerpoint/2010/main">
+    <mc:Choice Requires="p14">
       <p:transition spd="slow" p14:dur="2000"/>
     </mc:Choice>
-    <mc:Fallback>
+    <mc:Fallback xmlns="">
       <p:transition spd="slow"/>
     </mc:Fallback>
   </mc:AlternateContent>
@@ -16144,7 +16216,7 @@
           <a:graphicData uri="http://schemas.openxmlformats.org/presentationml/2006/ole">
             <mc:AlternateContent xmlns:mc="http://schemas.openxmlformats.org/markup-compatibility/2006">
               <mc:Choice xmlns:v="urn:schemas-microsoft-com:vml" Requires="v">
-                <p:oleObj spid="_x0000_s9235" name="Equation" r:id="rId3" imgW="1968480" imgH="253800" progId="">
+                <p:oleObj spid="_x0000_s9237" name="Equation" r:id="rId3" imgW="1968480" imgH="253800" progId="">
                   <p:embed/>
                 </p:oleObj>
               </mc:Choice>
@@ -16212,7 +16284,7 @@
           <a:graphicData uri="http://schemas.openxmlformats.org/presentationml/2006/ole">
             <mc:AlternateContent xmlns:mc="http://schemas.openxmlformats.org/markup-compatibility/2006">
               <mc:Choice xmlns:v="urn:schemas-microsoft-com:vml" Requires="v">
-                <p:oleObj spid="_x0000_s9236" name="Equation" r:id="rId5" imgW="9270720" imgH="1930320" progId="Equation.DSMT4">
+                <p:oleObj spid="_x0000_s9238" name="Equation" r:id="rId5" imgW="9270720" imgH="1930320" progId="Equation.DSMT4">
                   <p:embed/>
                 </p:oleObj>
               </mc:Choice>
@@ -20712,7 +20784,7 @@
           <a:graphicData uri="http://schemas.openxmlformats.org/presentationml/2006/ole">
             <mc:AlternateContent xmlns:mc="http://schemas.openxmlformats.org/markup-compatibility/2006">
               <mc:Choice xmlns:v="urn:schemas-microsoft-com:vml" Requires="v">
-                <p:oleObj spid="_x0000_s12306" name="Equation" r:id="rId4" imgW="457200" imgH="228600" progId="">
+                <p:oleObj spid="_x0000_s12308" name="Equation" r:id="rId4" imgW="457200" imgH="228600" progId="">
                   <p:embed/>
                 </p:oleObj>
               </mc:Choice>
@@ -21519,7 +21591,7 @@
           <a:graphicData uri="http://schemas.openxmlformats.org/presentationml/2006/ole">
             <mc:AlternateContent xmlns:mc="http://schemas.openxmlformats.org/markup-compatibility/2006">
               <mc:Choice xmlns:v="urn:schemas-microsoft-com:vml" Requires="v">
-                <p:oleObj spid="_x0000_s12307" name="Equation" r:id="rId6" imgW="545760" imgH="228600" progId="">
+                <p:oleObj spid="_x0000_s12309" name="Equation" r:id="rId6" imgW="545760" imgH="228600" progId="">
                   <p:embed/>
                 </p:oleObj>
               </mc:Choice>
@@ -23261,7 +23333,7 @@
           <a:graphicData uri="http://schemas.openxmlformats.org/presentationml/2006/ole">
             <mc:AlternateContent xmlns:mc="http://schemas.openxmlformats.org/markup-compatibility/2006">
               <mc:Choice xmlns:v="urn:schemas-microsoft-com:vml" Requires="v">
-                <p:oleObj spid="_x0000_s14350" name="Equation" r:id="rId5" imgW="457200" imgH="228600" progId="">
+                <p:oleObj spid="_x0000_s14352" name="Equation" r:id="rId5" imgW="457200" imgH="228600" progId="">
                   <p:embed/>
                 </p:oleObj>
               </mc:Choice>
@@ -24068,7 +24140,7 @@
           <a:graphicData uri="http://schemas.openxmlformats.org/presentationml/2006/ole">
             <mc:AlternateContent xmlns:mc="http://schemas.openxmlformats.org/markup-compatibility/2006">
               <mc:Choice xmlns:v="urn:schemas-microsoft-com:vml" Requires="v">
-                <p:oleObj spid="_x0000_s14351" name="Equation" r:id="rId7" imgW="444240" imgH="228600" progId="Equation.DSMT4">
+                <p:oleObj spid="_x0000_s14353" name="Equation" r:id="rId7" imgW="444240" imgH="228600" progId="Equation.DSMT4">
                   <p:embed/>
                 </p:oleObj>
               </mc:Choice>
@@ -26046,7 +26118,7 @@
                 <a:graphicData uri="http://schemas.openxmlformats.org/presentationml/2006/ole">
                   <mc:AlternateContent>
                     <mc:Choice xmlns:v="urn:schemas-microsoft-com:vml" Requires="v">
-                      <p:oleObj spid="_x0000_s16404" name="Equation" r:id="rId5" imgW="457200" imgH="228600" progId="">
+                      <p:oleObj spid="_x0000_s16406" name="Equation" r:id="rId5" imgW="457200" imgH="228600" progId="">
                         <p:embed/>
                       </p:oleObj>
                     </mc:Choice>
@@ -26905,7 +26977,7 @@
                 <a:graphicData uri="http://schemas.openxmlformats.org/presentationml/2006/ole">
                   <mc:AlternateContent>
                     <mc:Choice xmlns:v="urn:schemas-microsoft-com:vml" Requires="v">
-                      <p:oleObj spid="_x0000_s16405" name="Equation" r:id="rId9" imgW="444240" imgH="228600" progId="Equation.DSMT4">
+                      <p:oleObj spid="_x0000_s16407" name="Equation" r:id="rId9" imgW="444240" imgH="228600" progId="Equation.DSMT4">
                         <p:embed/>
                       </p:oleObj>
                     </mc:Choice>
@@ -33888,7 +33960,7 @@
           <a:graphicData uri="http://schemas.openxmlformats.org/presentationml/2006/ole">
             <mc:AlternateContent xmlns:mc="http://schemas.openxmlformats.org/markup-compatibility/2006">
               <mc:Choice xmlns:v="urn:schemas-microsoft-com:vml" Requires="v">
-                <p:oleObj spid="_x0000_s2082" name="Equation" r:id="rId4" imgW="4267080" imgH="939600" progId="Equation.DSMT4">
+                <p:oleObj spid="_x0000_s2084" name="Equation" r:id="rId4" imgW="4267080" imgH="939600" progId="Equation.DSMT4">
                   <p:embed/>
                 </p:oleObj>
               </mc:Choice>
@@ -33949,7 +34021,7 @@
           <a:graphicData uri="http://schemas.openxmlformats.org/presentationml/2006/ole">
             <mc:AlternateContent xmlns:mc="http://schemas.openxmlformats.org/markup-compatibility/2006">
               <mc:Choice xmlns:v="urn:schemas-microsoft-com:vml" Requires="v">
-                <p:oleObj spid="_x0000_s2083" name="Equation" r:id="rId6" imgW="1422360" imgH="253800" progId="Equation.DSMT4">
+                <p:oleObj spid="_x0000_s2085" name="Equation" r:id="rId6" imgW="1422360" imgH="253800" progId="Equation.DSMT4">
                   <p:embed/>
                 </p:oleObj>
               </mc:Choice>
@@ -34251,11 +34323,7 @@
           <a:p>
             <a:r>
               <a:rPr lang="en-US" dirty="0" smtClean="0"/>
-              <a:t>Phase </a:t>
-            </a:r>
-            <a:r>
-              <a:rPr lang="en-US" dirty="0" smtClean="0"/>
-              <a:t>and Frequency Modulation</a:t>
+              <a:t>Phase and Frequency Modulation</a:t>
             </a:r>
             <a:endParaRPr lang="en-US" dirty="0"/>
           </a:p>
@@ -34297,23 +34365,7 @@
           <a:p>
             <a:r>
               <a:rPr lang="en-US" dirty="0" smtClean="0"/>
-              <a:t>Since frequency is the derivative of phase, frequency modulation can be considered a special case of phase </a:t>
-            </a:r>
-            <a:r>
-              <a:rPr lang="en-US" dirty="0" smtClean="0"/>
-              <a:t>modulation. It </a:t>
-            </a:r>
-            <a:r>
-              <a:rPr lang="en-US" dirty="0" smtClean="0"/>
-              <a:t>is </a:t>
-            </a:r>
-            <a:r>
-              <a:rPr lang="en-US" dirty="0" smtClean="0"/>
-              <a:t>for </a:t>
-            </a:r>
-            <a:r>
-              <a:rPr lang="en-US" dirty="0" smtClean="0"/>
-              <a:t>this reason that frequency and phase modulation are sometimes called angle modulation altogether </a:t>
+              <a:t>Since frequency is the derivative of phase, frequency modulation can be considered a special case of phase modulation. It is for this reason that frequency and phase modulation are sometimes called angle modulation altogether </a:t>
             </a:r>
           </a:p>
         </p:txBody>
@@ -35222,15 +35274,7 @@
           <a:p>
             <a:r>
               <a:rPr lang="en-US" dirty="0" smtClean="0"/>
-              <a:t> Modulation of digital signals is </a:t>
-            </a:r>
-            <a:r>
-              <a:rPr lang="en-US" dirty="0" smtClean="0"/>
-              <a:t>also </a:t>
-            </a:r>
-            <a:r>
-              <a:rPr lang="en-US" dirty="0" smtClean="0"/>
-              <a:t>known as </a:t>
+              <a:t> Modulation of digital signals is also known as </a:t>
             </a:r>
             <a:r>
               <a:rPr lang="en-US" dirty="0" smtClean="0">
@@ -36130,7 +36174,7 @@
           <a:graphicData uri="http://schemas.openxmlformats.org/presentationml/2006/ole">
             <mc:AlternateContent xmlns:mc="http://schemas.openxmlformats.org/markup-compatibility/2006">
               <mc:Choice xmlns:v="urn:schemas-microsoft-com:vml" Requires="v">
-                <p:oleObj spid="_x0000_s3087" name="Equation" r:id="rId3" imgW="3263760" imgH="787320" progId="">
+                <p:oleObj spid="_x0000_s3088" name="Equation" r:id="rId3" imgW="3263760" imgH="787320" progId="">
                   <p:embed/>
                 </p:oleObj>
               </mc:Choice>
@@ -38485,7 +38529,7 @@
           <a:graphicData uri="http://schemas.openxmlformats.org/presentationml/2006/ole">
             <mc:AlternateContent xmlns:mc="http://schemas.openxmlformats.org/markup-compatibility/2006">
               <mc:Choice xmlns:v="urn:schemas-microsoft-com:vml" Requires="v">
-                <p:oleObj spid="_x0000_s4136" name="Equation" r:id="rId4" imgW="457200" imgH="228600" progId="">
+                <p:oleObj spid="_x0000_s4138" name="Equation" r:id="rId4" imgW="457200" imgH="228600" progId="">
                   <p:embed/>
                 </p:oleObj>
               </mc:Choice>
@@ -38561,7 +38605,7 @@
           <a:graphicData uri="http://schemas.openxmlformats.org/presentationml/2006/ole">
             <mc:AlternateContent xmlns:mc="http://schemas.openxmlformats.org/markup-compatibility/2006">
               <mc:Choice xmlns:v="urn:schemas-microsoft-com:vml" Requires="v">
-                <p:oleObj spid="_x0000_s4137" name="Equation" r:id="rId6" imgW="545760" imgH="228600" progId="">
+                <p:oleObj spid="_x0000_s4139" name="Equation" r:id="rId6" imgW="545760" imgH="228600" progId="">
                   <p:embed/>
                 </p:oleObj>
               </mc:Choice>
@@ -39675,7 +39719,7 @@
           <a:graphicData uri="http://schemas.openxmlformats.org/presentationml/2006/ole">
             <mc:AlternateContent xmlns:mc="http://schemas.openxmlformats.org/markup-compatibility/2006">
               <mc:Choice xmlns:v="urn:schemas-microsoft-com:vml" Requires="v">
-                <p:oleObj spid="_x0000_s5166" name="Equation" r:id="rId4" imgW="457200" imgH="228600" progId="">
+                <p:oleObj spid="_x0000_s5168" name="Equation" r:id="rId4" imgW="457200" imgH="228600" progId="">
                   <p:embed/>
                 </p:oleObj>
               </mc:Choice>
@@ -40476,7 +40520,7 @@
           <a:graphicData uri="http://schemas.openxmlformats.org/presentationml/2006/ole">
             <mc:AlternateContent xmlns:mc="http://schemas.openxmlformats.org/markup-compatibility/2006">
               <mc:Choice xmlns:v="urn:schemas-microsoft-com:vml" Requires="v">
-                <p:oleObj spid="_x0000_s5167" name="Equation" r:id="rId6" imgW="545760" imgH="228600" progId="">
+                <p:oleObj spid="_x0000_s5169" name="Equation" r:id="rId6" imgW="545760" imgH="228600" progId="">
                   <p:embed/>
                 </p:oleObj>
               </mc:Choice>

--- a/lectures/lec6/Lec6-Modulation.pptx
+++ b/lectures/lec6/Lec6-Modulation.pptx
@@ -324,7 +324,7 @@
             <a:fld id="{F33530C9-BF13-40EE-A1EC-EBBB0134EBBA}" type="datetime1">
               <a:rPr lang="en-US"/>
               <a:pPr/>
-              <a:t>10/29/2015</a:t>
+              <a:t>11/6/2015</a:t>
             </a:fld>
             <a:endParaRPr lang="en-US"/>
           </a:p>
@@ -542,7 +542,7 @@
             <a:fld id="{7DD20F8F-B3A0-465C-A2C5-4272F8BE0711}" type="datetime1">
               <a:rPr lang="en-US"/>
               <a:pPr/>
-              <a:t>10/29/2015</a:t>
+              <a:t>11/6/2015</a:t>
             </a:fld>
             <a:endParaRPr lang="en-US"/>
           </a:p>
@@ -941,7 +941,7 @@
             <a:fld id="{7DD20F8F-B3A0-465C-A2C5-4272F8BE0711}" type="datetime1">
               <a:rPr lang="en-US" smtClean="0"/>
               <a:pPr/>
-              <a:t>10/29/2015</a:t>
+              <a:t>11/6/2015</a:t>
             </a:fld>
             <a:endParaRPr lang="en-US"/>
           </a:p>
@@ -1054,7 +1054,7 @@
             <a:fld id="{7DD20F8F-B3A0-465C-A2C5-4272F8BE0711}" type="datetime1">
               <a:rPr lang="en-US" smtClean="0"/>
               <a:pPr/>
-              <a:t>10/29/2015</a:t>
+              <a:t>11/6/2015</a:t>
             </a:fld>
             <a:endParaRPr lang="en-US"/>
           </a:p>
@@ -1171,7 +1171,7 @@
             <a:fld id="{7DD20F8F-B3A0-465C-A2C5-4272F8BE0711}" type="datetime1">
               <a:rPr lang="en-US" smtClean="0"/>
               <a:pPr/>
-              <a:t>10/29/2015</a:t>
+              <a:t>11/6/2015</a:t>
             </a:fld>
             <a:endParaRPr lang="en-US"/>
           </a:p>
@@ -2901,13 +2901,31 @@
               <a:t>Lecture </a:t>
             </a:r>
             <a:r>
+              <a:rPr lang="en-US" sz="3200" dirty="0">
+                <a:solidFill>
+                  <a:srgbClr val="091D58"/>
+                </a:solidFill>
+                <a:latin typeface="Myriad Pro" panose="020B0503030403020204" pitchFamily="34" charset="0"/>
+              </a:rPr>
+              <a:t>6</a:t>
+            </a:r>
+            <a:r>
               <a:rPr lang="en-US" sz="3200" dirty="0" smtClean="0">
                 <a:solidFill>
                   <a:srgbClr val="091D58"/>
                 </a:solidFill>
                 <a:latin typeface="Myriad Pro" panose="020B0503030403020204" pitchFamily="34" charset="0"/>
               </a:rPr>
-              <a:t>8: 	Building </a:t>
+              <a:t>: </a:t>
+            </a:r>
+            <a:r>
+              <a:rPr lang="en-US" sz="3200" dirty="0" smtClean="0">
+                <a:solidFill>
+                  <a:srgbClr val="091D58"/>
+                </a:solidFill>
+                <a:latin typeface="Myriad Pro" panose="020B0503030403020204" pitchFamily="34" charset="0"/>
+              </a:rPr>
+              <a:t>	Building </a:t>
             </a:r>
             <a:r>
               <a:rPr lang="en-US" sz="3200" dirty="0">
@@ -3956,7 +3974,7 @@
           <a:graphicData uri="http://schemas.openxmlformats.org/presentationml/2006/ole">
             <mc:AlternateContent xmlns:mc="http://schemas.openxmlformats.org/markup-compatibility/2006">
               <mc:Choice xmlns:v="urn:schemas-microsoft-com:vml" Requires="v">
-                <p:oleObj spid="_x0000_s15376" name="Equation" r:id="rId3" imgW="457200" imgH="228600" progId="">
+                <p:oleObj spid="_x0000_s15378" name="Equation" r:id="rId3" imgW="457200" imgH="228600" progId="">
                   <p:embed/>
                 </p:oleObj>
               </mc:Choice>
@@ -4689,7 +4707,7 @@
           <a:graphicData uri="http://schemas.openxmlformats.org/presentationml/2006/ole">
             <mc:AlternateContent xmlns:mc="http://schemas.openxmlformats.org/markup-compatibility/2006">
               <mc:Choice xmlns:v="urn:schemas-microsoft-com:vml" Requires="v">
-                <p:oleObj spid="_x0000_s15377" name="Equation" r:id="rId5" imgW="545760" imgH="228600" progId="">
+                <p:oleObj spid="_x0000_s15379" name="Equation" r:id="rId5" imgW="545760" imgH="228600" progId="">
                   <p:embed/>
                 </p:oleObj>
               </mc:Choice>
@@ -4901,7 +4919,7 @@
           <a:graphicData uri="http://schemas.openxmlformats.org/presentationml/2006/ole">
             <mc:AlternateContent xmlns:mc="http://schemas.openxmlformats.org/markup-compatibility/2006">
               <mc:Choice xmlns:v="urn:schemas-microsoft-com:vml" Requires="v">
-                <p:oleObj spid="_x0000_s6192" name="Equation" r:id="rId4" imgW="3377880" imgH="939600" progId="">
+                <p:oleObj spid="_x0000_s6194" name="Equation" r:id="rId4" imgW="3377880" imgH="939600" progId="">
                   <p:embed/>
                 </p:oleObj>
               </mc:Choice>
@@ -4977,7 +4995,7 @@
           <a:graphicData uri="http://schemas.openxmlformats.org/presentationml/2006/ole">
             <mc:AlternateContent xmlns:mc="http://schemas.openxmlformats.org/markup-compatibility/2006">
               <mc:Choice xmlns:v="urn:schemas-microsoft-com:vml" Requires="v">
-                <p:oleObj spid="_x0000_s6193" name="Equation" r:id="rId6" imgW="3390840" imgH="939600" progId="">
+                <p:oleObj spid="_x0000_s6195" name="Equation" r:id="rId6" imgW="3390840" imgH="939600" progId="">
                   <p:embed/>
                 </p:oleObj>
               </mc:Choice>
@@ -6971,7 +6989,7 @@
           <a:graphicData uri="http://schemas.openxmlformats.org/presentationml/2006/ole">
             <mc:AlternateContent xmlns:mc="http://schemas.openxmlformats.org/markup-compatibility/2006">
               <mc:Choice xmlns:v="urn:schemas-microsoft-com:vml" Requires="v">
-                <p:oleObj spid="_x0000_s7198" name="Equation" r:id="rId3" imgW="457200" imgH="228600" progId="">
+                <p:oleObj spid="_x0000_s7200" name="Equation" r:id="rId3" imgW="457200" imgH="228600" progId="">
                   <p:embed/>
                 </p:oleObj>
               </mc:Choice>
@@ -7490,7 +7508,7 @@
           <a:graphicData uri="http://schemas.openxmlformats.org/presentationml/2006/ole">
             <mc:AlternateContent xmlns:mc="http://schemas.openxmlformats.org/markup-compatibility/2006">
               <mc:Choice xmlns:v="urn:schemas-microsoft-com:vml" Requires="v">
-                <p:oleObj spid="_x0000_s7199" name="Equation" r:id="rId5" imgW="545760" imgH="228600" progId="">
+                <p:oleObj spid="_x0000_s7201" name="Equation" r:id="rId5" imgW="545760" imgH="228600" progId="">
                   <p:embed/>
                 </p:oleObj>
               </mc:Choice>
@@ -8866,7 +8884,7 @@
           <a:graphicData uri="http://schemas.openxmlformats.org/presentationml/2006/ole">
             <mc:AlternateContent xmlns:mc="http://schemas.openxmlformats.org/markup-compatibility/2006">
               <mc:Choice xmlns:v="urn:schemas-microsoft-com:vml" Requires="v">
-                <p:oleObj spid="_x0000_s23563" name="Equation" r:id="rId4" imgW="457200" imgH="228600" progId="">
+                <p:oleObj spid="_x0000_s23564" name="Equation" r:id="rId4" imgW="457200" imgH="228600" progId="">
                   <p:embed/>
                 </p:oleObj>
               </mc:Choice>
@@ -10522,7 +10540,7 @@
           <a:graphicData uri="http://schemas.openxmlformats.org/presentationml/2006/ole">
             <mc:AlternateContent xmlns:mc="http://schemas.openxmlformats.org/markup-compatibility/2006">
               <mc:Choice xmlns:v="urn:schemas-microsoft-com:vml" Requires="v">
-                <p:oleObj spid="_x0000_s24612" name="Equation" r:id="rId3" imgW="457200" imgH="228600" progId="">
+                <p:oleObj spid="_x0000_s24616" name="Equation" r:id="rId3" imgW="457200" imgH="228600" progId="">
                   <p:embed/>
                 </p:oleObj>
               </mc:Choice>
@@ -11041,7 +11059,7 @@
           <a:graphicData uri="http://schemas.openxmlformats.org/presentationml/2006/ole">
             <mc:AlternateContent xmlns:mc="http://schemas.openxmlformats.org/markup-compatibility/2006">
               <mc:Choice xmlns:v="urn:schemas-microsoft-com:vml" Requires="v">
-                <p:oleObj spid="_x0000_s24613" name="Equation" r:id="rId5" imgW="545760" imgH="228600" progId="">
+                <p:oleObj spid="_x0000_s24617" name="Equation" r:id="rId5" imgW="545760" imgH="228600" progId="">
                   <p:embed/>
                 </p:oleObj>
               </mc:Choice>
@@ -13059,7 +13077,7 @@
           <a:graphicData uri="http://schemas.openxmlformats.org/presentationml/2006/ole">
             <mc:AlternateContent xmlns:mc="http://schemas.openxmlformats.org/markup-compatibility/2006">
               <mc:Choice xmlns:v="urn:schemas-microsoft-com:vml" Requires="v">
-                <p:oleObj spid="_x0000_s24614" name="Equation" r:id="rId10" imgW="457200" imgH="228600" progId="">
+                <p:oleObj spid="_x0000_s24618" name="Equation" r:id="rId10" imgW="457200" imgH="228600" progId="">
                   <p:embed/>
                 </p:oleObj>
               </mc:Choice>
@@ -13578,7 +13596,7 @@
           <a:graphicData uri="http://schemas.openxmlformats.org/presentationml/2006/ole">
             <mc:AlternateContent xmlns:mc="http://schemas.openxmlformats.org/markup-compatibility/2006">
               <mc:Choice xmlns:v="urn:schemas-microsoft-com:vml" Requires="v">
-                <p:oleObj spid="_x0000_s24615" name="Equation" r:id="rId11" imgW="545760" imgH="228600" progId="">
+                <p:oleObj spid="_x0000_s24619" name="Equation" r:id="rId11" imgW="545760" imgH="228600" progId="">
                   <p:embed/>
                 </p:oleObj>
               </mc:Choice>
@@ -16216,7 +16234,7 @@
           <a:graphicData uri="http://schemas.openxmlformats.org/presentationml/2006/ole">
             <mc:AlternateContent xmlns:mc="http://schemas.openxmlformats.org/markup-compatibility/2006">
               <mc:Choice xmlns:v="urn:schemas-microsoft-com:vml" Requires="v">
-                <p:oleObj spid="_x0000_s9237" name="Equation" r:id="rId3" imgW="1968480" imgH="253800" progId="">
+                <p:oleObj spid="_x0000_s9239" name="Equation" r:id="rId3" imgW="1968480" imgH="253800" progId="">
                   <p:embed/>
                 </p:oleObj>
               </mc:Choice>
@@ -16284,7 +16302,7 @@
           <a:graphicData uri="http://schemas.openxmlformats.org/presentationml/2006/ole">
             <mc:AlternateContent xmlns:mc="http://schemas.openxmlformats.org/markup-compatibility/2006">
               <mc:Choice xmlns:v="urn:schemas-microsoft-com:vml" Requires="v">
-                <p:oleObj spid="_x0000_s9238" name="Equation" r:id="rId5" imgW="9270720" imgH="1930320" progId="Equation.DSMT4">
+                <p:oleObj spid="_x0000_s9240" name="Equation" r:id="rId5" imgW="9270720" imgH="1930320" progId="Equation.DSMT4">
                   <p:embed/>
                 </p:oleObj>
               </mc:Choice>
@@ -20784,7 +20802,7 @@
           <a:graphicData uri="http://schemas.openxmlformats.org/presentationml/2006/ole">
             <mc:AlternateContent xmlns:mc="http://schemas.openxmlformats.org/markup-compatibility/2006">
               <mc:Choice xmlns:v="urn:schemas-microsoft-com:vml" Requires="v">
-                <p:oleObj spid="_x0000_s12308" name="Equation" r:id="rId4" imgW="457200" imgH="228600" progId="">
+                <p:oleObj spid="_x0000_s12310" name="Equation" r:id="rId4" imgW="457200" imgH="228600" progId="">
                   <p:embed/>
                 </p:oleObj>
               </mc:Choice>
@@ -21591,7 +21609,7 @@
           <a:graphicData uri="http://schemas.openxmlformats.org/presentationml/2006/ole">
             <mc:AlternateContent xmlns:mc="http://schemas.openxmlformats.org/markup-compatibility/2006">
               <mc:Choice xmlns:v="urn:schemas-microsoft-com:vml" Requires="v">
-                <p:oleObj spid="_x0000_s12309" name="Equation" r:id="rId6" imgW="545760" imgH="228600" progId="">
+                <p:oleObj spid="_x0000_s12311" name="Equation" r:id="rId6" imgW="545760" imgH="228600" progId="">
                   <p:embed/>
                 </p:oleObj>
               </mc:Choice>
@@ -23333,7 +23351,7 @@
           <a:graphicData uri="http://schemas.openxmlformats.org/presentationml/2006/ole">
             <mc:AlternateContent xmlns:mc="http://schemas.openxmlformats.org/markup-compatibility/2006">
               <mc:Choice xmlns:v="urn:schemas-microsoft-com:vml" Requires="v">
-                <p:oleObj spid="_x0000_s14352" name="Equation" r:id="rId5" imgW="457200" imgH="228600" progId="">
+                <p:oleObj spid="_x0000_s14354" name="Equation" r:id="rId5" imgW="457200" imgH="228600" progId="">
                   <p:embed/>
                 </p:oleObj>
               </mc:Choice>
@@ -24140,7 +24158,7 @@
           <a:graphicData uri="http://schemas.openxmlformats.org/presentationml/2006/ole">
             <mc:AlternateContent xmlns:mc="http://schemas.openxmlformats.org/markup-compatibility/2006">
               <mc:Choice xmlns:v="urn:schemas-microsoft-com:vml" Requires="v">
-                <p:oleObj spid="_x0000_s14353" name="Equation" r:id="rId7" imgW="444240" imgH="228600" progId="Equation.DSMT4">
+                <p:oleObj spid="_x0000_s14355" name="Equation" r:id="rId7" imgW="444240" imgH="228600" progId="Equation.DSMT4">
                   <p:embed/>
                 </p:oleObj>
               </mc:Choice>
@@ -26118,7 +26136,7 @@
                 <a:graphicData uri="http://schemas.openxmlformats.org/presentationml/2006/ole">
                   <mc:AlternateContent>
                     <mc:Choice xmlns:v="urn:schemas-microsoft-com:vml" Requires="v">
-                      <p:oleObj spid="_x0000_s16406" name="Equation" r:id="rId5" imgW="457200" imgH="228600" progId="">
+                      <p:oleObj spid="_x0000_s16408" name="Equation" r:id="rId5" imgW="457200" imgH="228600" progId="">
                         <p:embed/>
                       </p:oleObj>
                     </mc:Choice>
@@ -26977,7 +26995,7 @@
                 <a:graphicData uri="http://schemas.openxmlformats.org/presentationml/2006/ole">
                   <mc:AlternateContent>
                     <mc:Choice xmlns:v="urn:schemas-microsoft-com:vml" Requires="v">
-                      <p:oleObj spid="_x0000_s16407" name="Equation" r:id="rId9" imgW="444240" imgH="228600" progId="Equation.DSMT4">
+                      <p:oleObj spid="_x0000_s16409" name="Equation" r:id="rId9" imgW="444240" imgH="228600" progId="Equation.DSMT4">
                         <p:embed/>
                       </p:oleObj>
                     </mc:Choice>
@@ -33960,7 +33978,7 @@
           <a:graphicData uri="http://schemas.openxmlformats.org/presentationml/2006/ole">
             <mc:AlternateContent xmlns:mc="http://schemas.openxmlformats.org/markup-compatibility/2006">
               <mc:Choice xmlns:v="urn:schemas-microsoft-com:vml" Requires="v">
-                <p:oleObj spid="_x0000_s2084" name="Equation" r:id="rId4" imgW="4267080" imgH="939600" progId="Equation.DSMT4">
+                <p:oleObj spid="_x0000_s2086" name="Equation" r:id="rId4" imgW="4267080" imgH="939600" progId="Equation.DSMT4">
                   <p:embed/>
                 </p:oleObj>
               </mc:Choice>
@@ -34021,7 +34039,7 @@
           <a:graphicData uri="http://schemas.openxmlformats.org/presentationml/2006/ole">
             <mc:AlternateContent xmlns:mc="http://schemas.openxmlformats.org/markup-compatibility/2006">
               <mc:Choice xmlns:v="urn:schemas-microsoft-com:vml" Requires="v">
-                <p:oleObj spid="_x0000_s2085" name="Equation" r:id="rId6" imgW="1422360" imgH="253800" progId="Equation.DSMT4">
+                <p:oleObj spid="_x0000_s2087" name="Equation" r:id="rId6" imgW="1422360" imgH="253800" progId="Equation.DSMT4">
                   <p:embed/>
                 </p:oleObj>
               </mc:Choice>
@@ -36174,7 +36192,7 @@
           <a:graphicData uri="http://schemas.openxmlformats.org/presentationml/2006/ole">
             <mc:AlternateContent xmlns:mc="http://schemas.openxmlformats.org/markup-compatibility/2006">
               <mc:Choice xmlns:v="urn:schemas-microsoft-com:vml" Requires="v">
-                <p:oleObj spid="_x0000_s3088" name="Equation" r:id="rId3" imgW="3263760" imgH="787320" progId="">
+                <p:oleObj spid="_x0000_s3089" name="Equation" r:id="rId3" imgW="3263760" imgH="787320" progId="">
                   <p:embed/>
                 </p:oleObj>
               </mc:Choice>
@@ -38529,7 +38547,7 @@
           <a:graphicData uri="http://schemas.openxmlformats.org/presentationml/2006/ole">
             <mc:AlternateContent xmlns:mc="http://schemas.openxmlformats.org/markup-compatibility/2006">
               <mc:Choice xmlns:v="urn:schemas-microsoft-com:vml" Requires="v">
-                <p:oleObj spid="_x0000_s4138" name="Equation" r:id="rId4" imgW="457200" imgH="228600" progId="">
+                <p:oleObj spid="_x0000_s4140" name="Equation" r:id="rId4" imgW="457200" imgH="228600" progId="">
                   <p:embed/>
                 </p:oleObj>
               </mc:Choice>
@@ -38605,7 +38623,7 @@
           <a:graphicData uri="http://schemas.openxmlformats.org/presentationml/2006/ole">
             <mc:AlternateContent xmlns:mc="http://schemas.openxmlformats.org/markup-compatibility/2006">
               <mc:Choice xmlns:v="urn:schemas-microsoft-com:vml" Requires="v">
-                <p:oleObj spid="_x0000_s4139" name="Equation" r:id="rId6" imgW="545760" imgH="228600" progId="">
+                <p:oleObj spid="_x0000_s4141" name="Equation" r:id="rId6" imgW="545760" imgH="228600" progId="">
                   <p:embed/>
                 </p:oleObj>
               </mc:Choice>
@@ -39719,7 +39737,7 @@
           <a:graphicData uri="http://schemas.openxmlformats.org/presentationml/2006/ole">
             <mc:AlternateContent xmlns:mc="http://schemas.openxmlformats.org/markup-compatibility/2006">
               <mc:Choice xmlns:v="urn:schemas-microsoft-com:vml" Requires="v">
-                <p:oleObj spid="_x0000_s5168" name="Equation" r:id="rId4" imgW="457200" imgH="228600" progId="">
+                <p:oleObj spid="_x0000_s5170" name="Equation" r:id="rId4" imgW="457200" imgH="228600" progId="">
                   <p:embed/>
                 </p:oleObj>
               </mc:Choice>
@@ -40520,7 +40538,7 @@
           <a:graphicData uri="http://schemas.openxmlformats.org/presentationml/2006/ole">
             <mc:AlternateContent xmlns:mc="http://schemas.openxmlformats.org/markup-compatibility/2006">
               <mc:Choice xmlns:v="urn:schemas-microsoft-com:vml" Requires="v">
-                <p:oleObj spid="_x0000_s5169" name="Equation" r:id="rId6" imgW="545760" imgH="228600" progId="">
+                <p:oleObj spid="_x0000_s5171" name="Equation" r:id="rId6" imgW="545760" imgH="228600" progId="">
                   <p:embed/>
                 </p:oleObj>
               </mc:Choice>

--- a/lectures/lec6/Lec6-Modulation.pptx
+++ b/lectures/lec6/Lec6-Modulation.pptx
@@ -324,7 +324,7 @@
             <a:fld id="{F33530C9-BF13-40EE-A1EC-EBBB0134EBBA}" type="datetime1">
               <a:rPr lang="en-US"/>
               <a:pPr/>
-              <a:t>11/6/2015</a:t>
+              <a:t>11/13/2015</a:t>
             </a:fld>
             <a:endParaRPr lang="en-US"/>
           </a:p>
@@ -542,7 +542,7 @@
             <a:fld id="{7DD20F8F-B3A0-465C-A2C5-4272F8BE0711}" type="datetime1">
               <a:rPr lang="en-US"/>
               <a:pPr/>
-              <a:t>11/6/2015</a:t>
+              <a:t>11/13/2015</a:t>
             </a:fld>
             <a:endParaRPr lang="en-US"/>
           </a:p>
@@ -941,7 +941,7 @@
             <a:fld id="{7DD20F8F-B3A0-465C-A2C5-4272F8BE0711}" type="datetime1">
               <a:rPr lang="en-US" smtClean="0"/>
               <a:pPr/>
-              <a:t>11/6/2015</a:t>
+              <a:t>11/13/2015</a:t>
             </a:fld>
             <a:endParaRPr lang="en-US"/>
           </a:p>
@@ -1054,7 +1054,7 @@
             <a:fld id="{7DD20F8F-B3A0-465C-A2C5-4272F8BE0711}" type="datetime1">
               <a:rPr lang="en-US" smtClean="0"/>
               <a:pPr/>
-              <a:t>11/6/2015</a:t>
+              <a:t>11/13/2015</a:t>
             </a:fld>
             <a:endParaRPr lang="en-US"/>
           </a:p>
@@ -1171,7 +1171,7 @@
             <a:fld id="{7DD20F8F-B3A0-465C-A2C5-4272F8BE0711}" type="datetime1">
               <a:rPr lang="en-US" smtClean="0"/>
               <a:pPr/>
-              <a:t>11/6/2015</a:t>
+              <a:t>11/13/2015</a:t>
             </a:fld>
             <a:endParaRPr lang="en-US"/>
           </a:p>
@@ -2898,16 +2898,7 @@
                 </a:solidFill>
                 <a:latin typeface="Myriad Pro" panose="020B0503030403020204" pitchFamily="34" charset="0"/>
               </a:rPr>
-              <a:t>Lecture </a:t>
-            </a:r>
-            <a:r>
-              <a:rPr lang="en-US" sz="3200" dirty="0">
-                <a:solidFill>
-                  <a:srgbClr val="091D58"/>
-                </a:solidFill>
-                <a:latin typeface="Myriad Pro" panose="020B0503030403020204" pitchFamily="34" charset="0"/>
-              </a:rPr>
-              <a:t>6</a:t>
+              <a:t>Lecture 6</a:t>
             </a:r>
             <a:r>
               <a:rPr lang="en-US" sz="3200" dirty="0" smtClean="0">
@@ -2916,16 +2907,7 @@
                 </a:solidFill>
                 <a:latin typeface="Myriad Pro" panose="020B0503030403020204" pitchFamily="34" charset="0"/>
               </a:rPr>
-              <a:t>: </a:t>
-            </a:r>
-            <a:r>
-              <a:rPr lang="en-US" sz="3200" dirty="0" smtClean="0">
-                <a:solidFill>
-                  <a:srgbClr val="091D58"/>
-                </a:solidFill>
-                <a:latin typeface="Myriad Pro" panose="020B0503030403020204" pitchFamily="34" charset="0"/>
-              </a:rPr>
-              <a:t>	Building </a:t>
+              <a:t>: 	Building </a:t>
             </a:r>
             <a:r>
               <a:rPr lang="en-US" sz="3200" dirty="0">
@@ -3974,7 +3956,7 @@
           <a:graphicData uri="http://schemas.openxmlformats.org/presentationml/2006/ole">
             <mc:AlternateContent xmlns:mc="http://schemas.openxmlformats.org/markup-compatibility/2006">
               <mc:Choice xmlns:v="urn:schemas-microsoft-com:vml" Requires="v">
-                <p:oleObj spid="_x0000_s15378" name="Equation" r:id="rId3" imgW="457200" imgH="228600" progId="">
+                <p:oleObj spid="_x0000_s15380" name="Equation" r:id="rId3" imgW="457200" imgH="228600" progId="">
                   <p:embed/>
                 </p:oleObj>
               </mc:Choice>
@@ -4707,7 +4689,7 @@
           <a:graphicData uri="http://schemas.openxmlformats.org/presentationml/2006/ole">
             <mc:AlternateContent xmlns:mc="http://schemas.openxmlformats.org/markup-compatibility/2006">
               <mc:Choice xmlns:v="urn:schemas-microsoft-com:vml" Requires="v">
-                <p:oleObj spid="_x0000_s15379" name="Equation" r:id="rId5" imgW="545760" imgH="228600" progId="">
+                <p:oleObj spid="_x0000_s15381" name="Equation" r:id="rId5" imgW="545760" imgH="228600" progId="">
                   <p:embed/>
                 </p:oleObj>
               </mc:Choice>
@@ -4919,7 +4901,7 @@
           <a:graphicData uri="http://schemas.openxmlformats.org/presentationml/2006/ole">
             <mc:AlternateContent xmlns:mc="http://schemas.openxmlformats.org/markup-compatibility/2006">
               <mc:Choice xmlns:v="urn:schemas-microsoft-com:vml" Requires="v">
-                <p:oleObj spid="_x0000_s6194" name="Equation" r:id="rId4" imgW="3377880" imgH="939600" progId="">
+                <p:oleObj spid="_x0000_s6196" name="Equation" r:id="rId4" imgW="3377880" imgH="939600" progId="">
                   <p:embed/>
                 </p:oleObj>
               </mc:Choice>
@@ -4995,7 +4977,7 @@
           <a:graphicData uri="http://schemas.openxmlformats.org/presentationml/2006/ole">
             <mc:AlternateContent xmlns:mc="http://schemas.openxmlformats.org/markup-compatibility/2006">
               <mc:Choice xmlns:v="urn:schemas-microsoft-com:vml" Requires="v">
-                <p:oleObj spid="_x0000_s6195" name="Equation" r:id="rId6" imgW="3390840" imgH="939600" progId="">
+                <p:oleObj spid="_x0000_s6197" name="Equation" r:id="rId6" imgW="3390840" imgH="939600" progId="">
                   <p:embed/>
                 </p:oleObj>
               </mc:Choice>
@@ -6989,7 +6971,7 @@
           <a:graphicData uri="http://schemas.openxmlformats.org/presentationml/2006/ole">
             <mc:AlternateContent xmlns:mc="http://schemas.openxmlformats.org/markup-compatibility/2006">
               <mc:Choice xmlns:v="urn:schemas-microsoft-com:vml" Requires="v">
-                <p:oleObj spid="_x0000_s7200" name="Equation" r:id="rId3" imgW="457200" imgH="228600" progId="">
+                <p:oleObj spid="_x0000_s7202" name="Equation" r:id="rId3" imgW="457200" imgH="228600" progId="">
                   <p:embed/>
                 </p:oleObj>
               </mc:Choice>
@@ -7508,7 +7490,7 @@
           <a:graphicData uri="http://schemas.openxmlformats.org/presentationml/2006/ole">
             <mc:AlternateContent xmlns:mc="http://schemas.openxmlformats.org/markup-compatibility/2006">
               <mc:Choice xmlns:v="urn:schemas-microsoft-com:vml" Requires="v">
-                <p:oleObj spid="_x0000_s7201" name="Equation" r:id="rId5" imgW="545760" imgH="228600" progId="">
+                <p:oleObj spid="_x0000_s7203" name="Equation" r:id="rId5" imgW="545760" imgH="228600" progId="">
                   <p:embed/>
                 </p:oleObj>
               </mc:Choice>
@@ -8884,7 +8866,7 @@
           <a:graphicData uri="http://schemas.openxmlformats.org/presentationml/2006/ole">
             <mc:AlternateContent xmlns:mc="http://schemas.openxmlformats.org/markup-compatibility/2006">
               <mc:Choice xmlns:v="urn:schemas-microsoft-com:vml" Requires="v">
-                <p:oleObj spid="_x0000_s23564" name="Equation" r:id="rId4" imgW="457200" imgH="228600" progId="">
+                <p:oleObj spid="_x0000_s23565" name="Equation" r:id="rId4" imgW="457200" imgH="228600" progId="">
                   <p:embed/>
                 </p:oleObj>
               </mc:Choice>
@@ -10540,7 +10522,7 @@
           <a:graphicData uri="http://schemas.openxmlformats.org/presentationml/2006/ole">
             <mc:AlternateContent xmlns:mc="http://schemas.openxmlformats.org/markup-compatibility/2006">
               <mc:Choice xmlns:v="urn:schemas-microsoft-com:vml" Requires="v">
-                <p:oleObj spid="_x0000_s24616" name="Equation" r:id="rId3" imgW="457200" imgH="228600" progId="">
+                <p:oleObj spid="_x0000_s24620" name="Equation" r:id="rId3" imgW="457200" imgH="228600" progId="">
                   <p:embed/>
                 </p:oleObj>
               </mc:Choice>
@@ -11059,7 +11041,7 @@
           <a:graphicData uri="http://schemas.openxmlformats.org/presentationml/2006/ole">
             <mc:AlternateContent xmlns:mc="http://schemas.openxmlformats.org/markup-compatibility/2006">
               <mc:Choice xmlns:v="urn:schemas-microsoft-com:vml" Requires="v">
-                <p:oleObj spid="_x0000_s24617" name="Equation" r:id="rId5" imgW="545760" imgH="228600" progId="">
+                <p:oleObj spid="_x0000_s24621" name="Equation" r:id="rId5" imgW="545760" imgH="228600" progId="">
                   <p:embed/>
                 </p:oleObj>
               </mc:Choice>
@@ -13077,7 +13059,7 @@
           <a:graphicData uri="http://schemas.openxmlformats.org/presentationml/2006/ole">
             <mc:AlternateContent xmlns:mc="http://schemas.openxmlformats.org/markup-compatibility/2006">
               <mc:Choice xmlns:v="urn:schemas-microsoft-com:vml" Requires="v">
-                <p:oleObj spid="_x0000_s24618" name="Equation" r:id="rId10" imgW="457200" imgH="228600" progId="">
+                <p:oleObj spid="_x0000_s24622" name="Equation" r:id="rId10" imgW="457200" imgH="228600" progId="">
                   <p:embed/>
                 </p:oleObj>
               </mc:Choice>
@@ -13596,7 +13578,7 @@
           <a:graphicData uri="http://schemas.openxmlformats.org/presentationml/2006/ole">
             <mc:AlternateContent xmlns:mc="http://schemas.openxmlformats.org/markup-compatibility/2006">
               <mc:Choice xmlns:v="urn:schemas-microsoft-com:vml" Requires="v">
-                <p:oleObj spid="_x0000_s24619" name="Equation" r:id="rId11" imgW="545760" imgH="228600" progId="">
+                <p:oleObj spid="_x0000_s24623" name="Equation" r:id="rId11" imgW="545760" imgH="228600" progId="">
                   <p:embed/>
                 </p:oleObj>
               </mc:Choice>
@@ -16201,7 +16183,11 @@
             <a:pPr lvl="1"/>
             <a:r>
               <a:rPr lang="en-US" dirty="0" smtClean="0"/>
-              <a:t>Lead to error in the demodulation if the frequency offset is large enough</a:t>
+              <a:t>Leads </a:t>
+            </a:r>
+            <a:r>
+              <a:rPr lang="en-US" dirty="0" smtClean="0"/>
+              <a:t>to error in the demodulation if the frequency offset is large enough</a:t>
             </a:r>
           </a:p>
           <a:p>
@@ -16234,7 +16220,7 @@
           <a:graphicData uri="http://schemas.openxmlformats.org/presentationml/2006/ole">
             <mc:AlternateContent xmlns:mc="http://schemas.openxmlformats.org/markup-compatibility/2006">
               <mc:Choice xmlns:v="urn:schemas-microsoft-com:vml" Requires="v">
-                <p:oleObj spid="_x0000_s9239" name="Equation" r:id="rId3" imgW="1968480" imgH="253800" progId="">
+                <p:oleObj spid="_x0000_s9241" name="Equation" r:id="rId3" imgW="1968480" imgH="253800" progId="">
                   <p:embed/>
                 </p:oleObj>
               </mc:Choice>
@@ -16302,7 +16288,7 @@
           <a:graphicData uri="http://schemas.openxmlformats.org/presentationml/2006/ole">
             <mc:AlternateContent xmlns:mc="http://schemas.openxmlformats.org/markup-compatibility/2006">
               <mc:Choice xmlns:v="urn:schemas-microsoft-com:vml" Requires="v">
-                <p:oleObj spid="_x0000_s9240" name="Equation" r:id="rId5" imgW="9270720" imgH="1930320" progId="Equation.DSMT4">
+                <p:oleObj spid="_x0000_s9242" name="Equation" r:id="rId5" imgW="9270720" imgH="1930320" progId="Equation.DSMT4">
                   <p:embed/>
                 </p:oleObj>
               </mc:Choice>
@@ -20802,7 +20788,7 @@
           <a:graphicData uri="http://schemas.openxmlformats.org/presentationml/2006/ole">
             <mc:AlternateContent xmlns:mc="http://schemas.openxmlformats.org/markup-compatibility/2006">
               <mc:Choice xmlns:v="urn:schemas-microsoft-com:vml" Requires="v">
-                <p:oleObj spid="_x0000_s12310" name="Equation" r:id="rId4" imgW="457200" imgH="228600" progId="">
+                <p:oleObj spid="_x0000_s12312" name="Equation" r:id="rId4" imgW="457200" imgH="228600" progId="">
                   <p:embed/>
                 </p:oleObj>
               </mc:Choice>
@@ -21609,7 +21595,7 @@
           <a:graphicData uri="http://schemas.openxmlformats.org/presentationml/2006/ole">
             <mc:AlternateContent xmlns:mc="http://schemas.openxmlformats.org/markup-compatibility/2006">
               <mc:Choice xmlns:v="urn:schemas-microsoft-com:vml" Requires="v">
-                <p:oleObj spid="_x0000_s12311" name="Equation" r:id="rId6" imgW="545760" imgH="228600" progId="">
+                <p:oleObj spid="_x0000_s12313" name="Equation" r:id="rId6" imgW="545760" imgH="228600" progId="">
                   <p:embed/>
                 </p:oleObj>
               </mc:Choice>
@@ -23351,7 +23337,7 @@
           <a:graphicData uri="http://schemas.openxmlformats.org/presentationml/2006/ole">
             <mc:AlternateContent xmlns:mc="http://schemas.openxmlformats.org/markup-compatibility/2006">
               <mc:Choice xmlns:v="urn:schemas-microsoft-com:vml" Requires="v">
-                <p:oleObj spid="_x0000_s14354" name="Equation" r:id="rId5" imgW="457200" imgH="228600" progId="">
+                <p:oleObj spid="_x0000_s14356" name="Equation" r:id="rId5" imgW="457200" imgH="228600" progId="">
                   <p:embed/>
                 </p:oleObj>
               </mc:Choice>
@@ -24158,7 +24144,7 @@
           <a:graphicData uri="http://schemas.openxmlformats.org/presentationml/2006/ole">
             <mc:AlternateContent xmlns:mc="http://schemas.openxmlformats.org/markup-compatibility/2006">
               <mc:Choice xmlns:v="urn:schemas-microsoft-com:vml" Requires="v">
-                <p:oleObj spid="_x0000_s14355" name="Equation" r:id="rId7" imgW="444240" imgH="228600" progId="Equation.DSMT4">
+                <p:oleObj spid="_x0000_s14357" name="Equation" r:id="rId7" imgW="444240" imgH="228600" progId="Equation.DSMT4">
                   <p:embed/>
                 </p:oleObj>
               </mc:Choice>
@@ -26136,7 +26122,7 @@
                 <a:graphicData uri="http://schemas.openxmlformats.org/presentationml/2006/ole">
                   <mc:AlternateContent>
                     <mc:Choice xmlns:v="urn:schemas-microsoft-com:vml" Requires="v">
-                      <p:oleObj spid="_x0000_s16408" name="Equation" r:id="rId5" imgW="457200" imgH="228600" progId="">
+                      <p:oleObj spid="_x0000_s16410" name="Equation" r:id="rId5" imgW="457200" imgH="228600" progId="">
                         <p:embed/>
                       </p:oleObj>
                     </mc:Choice>
@@ -26995,7 +26981,7 @@
                 <a:graphicData uri="http://schemas.openxmlformats.org/presentationml/2006/ole">
                   <mc:AlternateContent>
                     <mc:Choice xmlns:v="urn:schemas-microsoft-com:vml" Requires="v">
-                      <p:oleObj spid="_x0000_s16409" name="Equation" r:id="rId9" imgW="444240" imgH="228600" progId="Equation.DSMT4">
+                      <p:oleObj spid="_x0000_s16411" name="Equation" r:id="rId9" imgW="444240" imgH="228600" progId="Equation.DSMT4">
                         <p:embed/>
                       </p:oleObj>
                     </mc:Choice>
@@ -33497,7 +33483,19 @@
           <a:p>
             <a:r>
               <a:rPr lang="en-US" dirty="0"/>
-              <a:t>The performance of both the Hartley and the Weaver image reject mixers reply on the accuracy of the phase quadrature and amplitude </a:t>
+              <a:t>The performance of both the Hartley and the Weaver image reject </a:t>
+            </a:r>
+            <a:r>
+              <a:rPr lang="en-US"/>
+              <a:t>mixers </a:t>
+            </a:r>
+            <a:r>
+              <a:rPr lang="en-US" smtClean="0"/>
+              <a:t>rely </a:t>
+            </a:r>
+            <a:r>
+              <a:rPr lang="en-US" dirty="0"/>
+              <a:t>on the accuracy of the phase quadrature and amplitude </a:t>
             </a:r>
             <a:r>
               <a:rPr lang="en-US" dirty="0" smtClean="0"/>
@@ -33978,7 +33976,7 @@
           <a:graphicData uri="http://schemas.openxmlformats.org/presentationml/2006/ole">
             <mc:AlternateContent xmlns:mc="http://schemas.openxmlformats.org/markup-compatibility/2006">
               <mc:Choice xmlns:v="urn:schemas-microsoft-com:vml" Requires="v">
-                <p:oleObj spid="_x0000_s2086" name="Equation" r:id="rId4" imgW="4267080" imgH="939600" progId="Equation.DSMT4">
+                <p:oleObj spid="_x0000_s2088" name="Equation" r:id="rId4" imgW="4267080" imgH="939600" progId="Equation.DSMT4">
                   <p:embed/>
                 </p:oleObj>
               </mc:Choice>
@@ -34039,7 +34037,7 @@
           <a:graphicData uri="http://schemas.openxmlformats.org/presentationml/2006/ole">
             <mc:AlternateContent xmlns:mc="http://schemas.openxmlformats.org/markup-compatibility/2006">
               <mc:Choice xmlns:v="urn:schemas-microsoft-com:vml" Requires="v">
-                <p:oleObj spid="_x0000_s2087" name="Equation" r:id="rId6" imgW="1422360" imgH="253800" progId="Equation.DSMT4">
+                <p:oleObj spid="_x0000_s2089" name="Equation" r:id="rId6" imgW="1422360" imgH="253800" progId="Equation.DSMT4">
                   <p:embed/>
                 </p:oleObj>
               </mc:Choice>
@@ -36192,7 +36190,7 @@
           <a:graphicData uri="http://schemas.openxmlformats.org/presentationml/2006/ole">
             <mc:AlternateContent xmlns:mc="http://schemas.openxmlformats.org/markup-compatibility/2006">
               <mc:Choice xmlns:v="urn:schemas-microsoft-com:vml" Requires="v">
-                <p:oleObj spid="_x0000_s3089" name="Equation" r:id="rId3" imgW="3263760" imgH="787320" progId="">
+                <p:oleObj spid="_x0000_s3090" name="Equation" r:id="rId3" imgW="3263760" imgH="787320" progId="">
                   <p:embed/>
                 </p:oleObj>
               </mc:Choice>
@@ -38547,7 +38545,7 @@
           <a:graphicData uri="http://schemas.openxmlformats.org/presentationml/2006/ole">
             <mc:AlternateContent xmlns:mc="http://schemas.openxmlformats.org/markup-compatibility/2006">
               <mc:Choice xmlns:v="urn:schemas-microsoft-com:vml" Requires="v">
-                <p:oleObj spid="_x0000_s4140" name="Equation" r:id="rId4" imgW="457200" imgH="228600" progId="">
+                <p:oleObj spid="_x0000_s4142" name="Equation" r:id="rId4" imgW="457200" imgH="228600" progId="">
                   <p:embed/>
                 </p:oleObj>
               </mc:Choice>
@@ -38623,7 +38621,7 @@
           <a:graphicData uri="http://schemas.openxmlformats.org/presentationml/2006/ole">
             <mc:AlternateContent xmlns:mc="http://schemas.openxmlformats.org/markup-compatibility/2006">
               <mc:Choice xmlns:v="urn:schemas-microsoft-com:vml" Requires="v">
-                <p:oleObj spid="_x0000_s4141" name="Equation" r:id="rId6" imgW="545760" imgH="228600" progId="">
+                <p:oleObj spid="_x0000_s4143" name="Equation" r:id="rId6" imgW="545760" imgH="228600" progId="">
                   <p:embed/>
                 </p:oleObj>
               </mc:Choice>
@@ -39737,7 +39735,7 @@
           <a:graphicData uri="http://schemas.openxmlformats.org/presentationml/2006/ole">
             <mc:AlternateContent xmlns:mc="http://schemas.openxmlformats.org/markup-compatibility/2006">
               <mc:Choice xmlns:v="urn:schemas-microsoft-com:vml" Requires="v">
-                <p:oleObj spid="_x0000_s5170" name="Equation" r:id="rId4" imgW="457200" imgH="228600" progId="">
+                <p:oleObj spid="_x0000_s5172" name="Equation" r:id="rId4" imgW="457200" imgH="228600" progId="">
                   <p:embed/>
                 </p:oleObj>
               </mc:Choice>
@@ -40538,7 +40536,7 @@
           <a:graphicData uri="http://schemas.openxmlformats.org/presentationml/2006/ole">
             <mc:AlternateContent xmlns:mc="http://schemas.openxmlformats.org/markup-compatibility/2006">
               <mc:Choice xmlns:v="urn:schemas-microsoft-com:vml" Requires="v">
-                <p:oleObj spid="_x0000_s5171" name="Equation" r:id="rId6" imgW="545760" imgH="228600" progId="">
+                <p:oleObj spid="_x0000_s5173" name="Equation" r:id="rId6" imgW="545760" imgH="228600" progId="">
                   <p:embed/>
                 </p:oleObj>
               </mc:Choice>

--- a/lectures/lec6/Lec6-Modulation.pptx
+++ b/lectures/lec6/Lec6-Modulation.pptx
@@ -324,7 +324,7 @@
             <a:fld id="{F33530C9-BF13-40EE-A1EC-EBBB0134EBBA}" type="datetime1">
               <a:rPr lang="en-US"/>
               <a:pPr/>
-              <a:t>11/13/2015</a:t>
+              <a:t>10/20/2018</a:t>
             </a:fld>
             <a:endParaRPr lang="en-US"/>
           </a:p>
@@ -542,7 +542,7 @@
             <a:fld id="{7DD20F8F-B3A0-465C-A2C5-4272F8BE0711}" type="datetime1">
               <a:rPr lang="en-US"/>
               <a:pPr/>
-              <a:t>11/13/2015</a:t>
+              <a:t>10/20/2018</a:t>
             </a:fld>
             <a:endParaRPr lang="en-US"/>
           </a:p>
@@ -941,7 +941,7 @@
             <a:fld id="{7DD20F8F-B3A0-465C-A2C5-4272F8BE0711}" type="datetime1">
               <a:rPr lang="en-US" smtClean="0"/>
               <a:pPr/>
-              <a:t>11/13/2015</a:t>
+              <a:t>10/20/2018</a:t>
             </a:fld>
             <a:endParaRPr lang="en-US"/>
           </a:p>
@@ -1029,10 +1029,9 @@
           <a:lstStyle/>
           <a:p>
             <a:r>
-              <a:rPr lang="en-US" dirty="0" smtClean="0"/>
+              <a:rPr lang="en-US" dirty="0"/>
               <a:t>Change to own graph</a:t>
             </a:r>
-            <a:endParaRPr lang="en-US" dirty="0"/>
           </a:p>
         </p:txBody>
       </p:sp>
@@ -1054,7 +1053,7 @@
             <a:fld id="{7DD20F8F-B3A0-465C-A2C5-4272F8BE0711}" type="datetime1">
               <a:rPr lang="en-US" smtClean="0"/>
               <a:pPr/>
-              <a:t>11/13/2015</a:t>
+              <a:t>10/20/2018</a:t>
             </a:fld>
             <a:endParaRPr lang="en-US"/>
           </a:p>
@@ -1142,11 +1141,11 @@
           <a:lstStyle/>
           <a:p>
             <a:r>
-              <a:rPr lang="en-US" dirty="0" smtClean="0"/>
+              <a:rPr lang="en-US" dirty="0"/>
               <a:t>Change to own</a:t>
             </a:r>
             <a:r>
-              <a:rPr lang="en-US" baseline="0" dirty="0" smtClean="0"/>
+              <a:rPr lang="en-US" baseline="0" dirty="0"/>
               <a:t> graph</a:t>
             </a:r>
             <a:endParaRPr lang="en-US" dirty="0"/>
@@ -1171,7 +1170,7 @@
             <a:fld id="{7DD20F8F-B3A0-465C-A2C5-4272F8BE0711}" type="datetime1">
               <a:rPr lang="en-US" smtClean="0"/>
               <a:pPr/>
-              <a:t>11/13/2015</a:t>
+              <a:t>10/20/2018</a:t>
             </a:fld>
             <a:endParaRPr lang="en-US"/>
           </a:p>
@@ -1256,10 +1255,9 @@
           </a:lstStyle>
           <a:p>
             <a:r>
-              <a:rPr lang="en-US" smtClean="0"/>
+              <a:rPr lang="en-US"/>
               <a:t>Click to edit Master title style</a:t>
             </a:r>
-            <a:endParaRPr lang="en-US"/>
           </a:p>
         </p:txBody>
       </p:sp>
@@ -1290,10 +1288,9 @@
           </a:lstStyle>
           <a:p>
             <a:r>
-              <a:rPr lang="en-US" smtClean="0"/>
+              <a:rPr lang="en-US"/>
               <a:t>Click to edit Master subtitle style</a:t>
             </a:r>
-            <a:endParaRPr lang="en-US"/>
           </a:p>
         </p:txBody>
       </p:sp>
@@ -1547,10 +1544,9 @@
           </a:lstStyle>
           <a:p>
             <a:r>
-              <a:rPr lang="en-US" smtClean="0"/>
+              <a:rPr lang="en-US"/>
               <a:t>Click to edit Master title style</a:t>
             </a:r>
-            <a:endParaRPr lang="en-US"/>
           </a:p>
         </p:txBody>
       </p:sp>
@@ -1581,10 +1577,9 @@
           </a:lstStyle>
           <a:p>
             <a:r>
-              <a:rPr lang="en-US" smtClean="0"/>
+              <a:rPr lang="en-US"/>
               <a:t>Click to edit Master subtitle style</a:t>
             </a:r>
-            <a:endParaRPr lang="en-US"/>
           </a:p>
         </p:txBody>
       </p:sp>
@@ -1656,10 +1651,9 @@
           <a:p>
             <a:pPr lvl="0"/>
             <a:r>
-              <a:rPr lang="en-US" dirty="0" smtClean="0"/>
+              <a:rPr lang="en-US" dirty="0"/>
               <a:t>Click to edit Master title</a:t>
             </a:r>
-            <a:endParaRPr lang="en-US" dirty="0"/>
           </a:p>
         </p:txBody>
       </p:sp>
@@ -1778,38 +1772,37 @@
           <a:p>
             <a:pPr lvl="0"/>
             <a:r>
-              <a:rPr lang="en-US" dirty="0" smtClean="0"/>
+              <a:rPr lang="en-US" dirty="0"/>
               <a:t>Click to edit Master text styles</a:t>
             </a:r>
           </a:p>
           <a:p>
             <a:pPr lvl="1"/>
             <a:r>
-              <a:rPr lang="en-US" dirty="0" smtClean="0"/>
+              <a:rPr lang="en-US" dirty="0"/>
               <a:t>Second level</a:t>
             </a:r>
           </a:p>
           <a:p>
             <a:pPr lvl="2"/>
             <a:r>
-              <a:rPr lang="en-US" dirty="0" smtClean="0"/>
+              <a:rPr lang="en-US" dirty="0"/>
               <a:t>Third level</a:t>
             </a:r>
           </a:p>
           <a:p>
             <a:pPr lvl="3"/>
             <a:r>
-              <a:rPr lang="en-US" dirty="0" smtClean="0"/>
+              <a:rPr lang="en-US" dirty="0"/>
               <a:t>Fourth level</a:t>
             </a:r>
           </a:p>
           <a:p>
             <a:pPr lvl="4"/>
             <a:r>
-              <a:rPr lang="en-US" dirty="0" smtClean="0"/>
+              <a:rPr lang="en-US" dirty="0"/>
               <a:t>Fifth level</a:t>
             </a:r>
-            <a:endParaRPr lang="en-US" dirty="0"/>
           </a:p>
         </p:txBody>
       </p:sp>
@@ -1818,13 +1811,6 @@
   <p:clrMapOvr>
     <a:masterClrMapping/>
   </p:clrMapOvr>
-  <p:timing>
-    <p:tnLst>
-      <p:par>
-        <p:cTn id="1" dur="indefinite" restart="never" nodeType="tmRoot"/>
-      </p:par>
-    </p:tnLst>
-  </p:timing>
 </p:sldLayout>
 </file>
 
@@ -1931,7 +1917,7 @@
           </a:lstStyle>
           <a:p>
             <a:pPr lvl="0"/>
-            <a:endParaRPr lang="en-US" dirty="0" smtClean="0"/>
+            <a:endParaRPr lang="en-US" dirty="0"/>
           </a:p>
         </p:txBody>
       </p:sp>
@@ -2005,10 +1991,9 @@
           <a:p>
             <a:pPr lvl="0"/>
             <a:r>
-              <a:rPr lang="en-US" dirty="0" smtClean="0"/>
+              <a:rPr lang="en-US" dirty="0"/>
               <a:t>Click to edit Master title</a:t>
             </a:r>
-            <a:endParaRPr lang="en-US" dirty="0"/>
           </a:p>
         </p:txBody>
       </p:sp>
@@ -2048,38 +2033,37 @@
           <a:p>
             <a:pPr lvl="0"/>
             <a:r>
-              <a:rPr lang="en-US" dirty="0" smtClean="0"/>
+              <a:rPr lang="en-US" dirty="0"/>
               <a:t> Click to edit Master text styles</a:t>
             </a:r>
           </a:p>
           <a:p>
             <a:pPr lvl="1"/>
             <a:r>
-              <a:rPr lang="en-US" dirty="0" smtClean="0"/>
+              <a:rPr lang="en-US" dirty="0"/>
               <a:t>Second level</a:t>
             </a:r>
           </a:p>
           <a:p>
             <a:pPr lvl="2"/>
             <a:r>
-              <a:rPr lang="en-US" dirty="0" smtClean="0"/>
+              <a:rPr lang="en-US" dirty="0"/>
               <a:t>Third level</a:t>
             </a:r>
           </a:p>
           <a:p>
             <a:pPr lvl="3"/>
             <a:r>
-              <a:rPr lang="en-US" dirty="0" smtClean="0"/>
+              <a:rPr lang="en-US" dirty="0"/>
               <a:t>Fourth level</a:t>
             </a:r>
           </a:p>
           <a:p>
             <a:pPr lvl="4"/>
             <a:r>
-              <a:rPr lang="en-US" dirty="0" smtClean="0"/>
+              <a:rPr lang="en-US" dirty="0"/>
               <a:t>Fifth level</a:t>
             </a:r>
-            <a:endParaRPr lang="en-US" dirty="0"/>
           </a:p>
         </p:txBody>
       </p:sp>
@@ -2166,13 +2150,6 @@
     <p:sldLayoutId id="2147483650" r:id="rId3"/>
     <p:sldLayoutId id="2147483651" r:id="rId4"/>
   </p:sldLayoutIdLst>
-  <p:timing>
-    <p:tnLst>
-      <p:par>
-        <p:cTn id="1" dur="indefinite" restart="never" nodeType="tmRoot"/>
-      </p:par>
-    </p:tnLst>
-  </p:timing>
   <p:hf hdr="0" ftr="0" dt="0"/>
   <p:txStyles>
     <p:titleStyle>
@@ -2597,7 +2574,7 @@
         <p:spPr bwMode="auto">
           <a:xfrm>
             <a:off x="674007" y="3856020"/>
-            <a:ext cx="5878532" cy="2631490"/>
+            <a:ext cx="5786199" cy="2323713"/>
           </a:xfrm>
           <a:prstGeom prst="rect">
             <a:avLst/>
@@ -2617,7 +2594,7 @@
           <a:lstStyle/>
           <a:p>
             <a:r>
-              <a:rPr lang="en-US" sz="2000" dirty="0">
+              <a:rPr lang="en-US" altLang="zh-CN" sz="2000" dirty="0">
                 <a:solidFill>
                   <a:schemeClr val="bg1"/>
                 </a:solidFill>
@@ -2628,7 +2605,7 @@
             </a:r>
           </a:p>
           <a:p>
-            <a:endParaRPr lang="en-US" sz="500" dirty="0">
+            <a:endParaRPr lang="en-US" altLang="zh-CN" sz="500" dirty="0">
               <a:solidFill>
                 <a:schemeClr val="bg1"/>
               </a:solidFill>
@@ -2638,18 +2615,18 @@
           </a:p>
           <a:p>
             <a:r>
-              <a:rPr lang="en-US" sz="2000" dirty="0">
+              <a:rPr lang="en-US" altLang="zh-CN" sz="2000" dirty="0">
                 <a:solidFill>
                   <a:schemeClr val="bg1"/>
                 </a:solidFill>
                 <a:latin typeface="Kalinga" panose="020B0502040204020203" pitchFamily="34" charset="0"/>
                 <a:cs typeface="Kalinga" panose="020B0502040204020203" pitchFamily="34" charset="0"/>
               </a:rPr>
-              <a:t>Assistant Professor</a:t>
+              <a:t>Associate Professor</a:t>
             </a:r>
           </a:p>
           <a:p>
-            <a:endParaRPr lang="en-US" sz="500" dirty="0">
+            <a:endParaRPr lang="en-US" altLang="zh-CN" sz="500" dirty="0">
               <a:solidFill>
                 <a:schemeClr val="bg1"/>
               </a:solidFill>
@@ -2659,7 +2636,7 @@
           </a:p>
           <a:p>
             <a:r>
-              <a:rPr lang="en-US" sz="2000" dirty="0">
+              <a:rPr lang="en-US" altLang="zh-CN" sz="2000" dirty="0">
                 <a:solidFill>
                   <a:schemeClr val="bg1"/>
                 </a:solidFill>
@@ -2670,7 +2647,7 @@
             </a:r>
           </a:p>
           <a:p>
-            <a:endParaRPr lang="en-US" sz="500" dirty="0">
+            <a:endParaRPr lang="en-US" altLang="zh-CN" sz="500" dirty="0">
               <a:solidFill>
                 <a:schemeClr val="bg1"/>
               </a:solidFill>
@@ -2679,7 +2656,7 @@
             </a:endParaRPr>
           </a:p>
           <a:p>
-            <a:endParaRPr lang="en-US" sz="500" dirty="0">
+            <a:endParaRPr lang="en-US" altLang="zh-CN" sz="500" dirty="0">
               <a:solidFill>
                 <a:schemeClr val="bg1"/>
               </a:solidFill>
@@ -2689,35 +2666,18 @@
           </a:p>
           <a:p>
             <a:r>
-              <a:rPr lang="en-US" sz="2000" dirty="0">
+              <a:rPr lang="en-US" altLang="zh-CN" sz="2000" dirty="0">
                 <a:solidFill>
                   <a:schemeClr val="bg1"/>
                 </a:solidFill>
                 <a:latin typeface="Kalinga" panose="020B0502040204020203" pitchFamily="34" charset="0"/>
                 <a:cs typeface="Kalinga" panose="020B0502040204020203" pitchFamily="34" charset="0"/>
               </a:rPr>
-              <a:t>Tel: </a:t>
+              <a:t>Tel: 530-289-6367</a:t>
             </a:r>
-            <a:r>
-              <a:rPr lang="en-US" sz="2000" dirty="0" smtClean="0">
-                <a:solidFill>
-                  <a:schemeClr val="bg1"/>
-                </a:solidFill>
-                <a:latin typeface="Kalinga" panose="020B0502040204020203" pitchFamily="34" charset="0"/>
-                <a:cs typeface="Kalinga" panose="020B0502040204020203" pitchFamily="34" charset="0"/>
-              </a:rPr>
-              <a:t>530-289-6367</a:t>
-            </a:r>
-            <a:endParaRPr lang="en-US" sz="2000" dirty="0">
-              <a:solidFill>
-                <a:schemeClr val="bg1"/>
-              </a:solidFill>
-              <a:latin typeface="Kalinga" panose="020B0502040204020203" pitchFamily="34" charset="0"/>
-              <a:cs typeface="Kalinga" panose="020B0502040204020203" pitchFamily="34" charset="0"/>
-            </a:endParaRPr>
           </a:p>
           <a:p>
-            <a:endParaRPr lang="en-US" sz="500" dirty="0">
+            <a:endParaRPr lang="en-US" altLang="zh-CN" sz="500" dirty="0">
               <a:solidFill>
                 <a:schemeClr val="bg1">
                   <a:lumMod val="75000"/>
@@ -2730,7 +2690,7 @@
           </a:p>
           <a:p>
             <a:r>
-              <a:rPr lang="en-US" sz="2000" dirty="0">
+              <a:rPr lang="en-US" altLang="zh-CN" sz="2000" dirty="0">
                 <a:solidFill>
                   <a:schemeClr val="bg1">
                     <a:lumMod val="75000"/>
@@ -2743,7 +2703,7 @@
               </a:rPr>
               <a:t>lxgliu@ucdavis.edu</a:t>
             </a:r>
-            <a:endParaRPr lang="en-US" sz="2000" dirty="0">
+            <a:endParaRPr lang="en-US" altLang="zh-CN" sz="2000" dirty="0">
               <a:solidFill>
                 <a:schemeClr val="bg1">
                   <a:lumMod val="75000"/>
@@ -2756,7 +2716,7 @@
           </a:p>
           <a:p>
             <a:r>
-              <a:rPr lang="en-US" sz="2000" dirty="0">
+              <a:rPr lang="en-US" altLang="zh-CN" sz="2000">
                 <a:solidFill>
                   <a:schemeClr val="bg1">
                     <a:lumMod val="75000"/>
@@ -2767,23 +2727,14 @@
                 <a:cs typeface="Kalinga" panose="020B0502040204020203" pitchFamily="34" charset="0"/>
                 <a:hlinkClick r:id="rId4"/>
               </a:rPr>
-              <a:t>http://ucdart.net</a:t>
+              <a:t>http://dart.ece.ucdavis.edu</a:t>
             </a:r>
-            <a:endParaRPr lang="en-US" sz="2000" dirty="0">
+            <a:endParaRPr lang="en-US" altLang="zh-CN" sz="2000" dirty="0">
               <a:solidFill>
                 <a:schemeClr val="bg1">
                   <a:lumMod val="75000"/>
                   <a:lumOff val="25000"/>
                 </a:schemeClr>
-              </a:solidFill>
-              <a:latin typeface="Kalinga" panose="020B0502040204020203" pitchFamily="34" charset="0"/>
-              <a:cs typeface="Kalinga" panose="020B0502040204020203" pitchFamily="34" charset="0"/>
-            </a:endParaRPr>
-          </a:p>
-          <a:p>
-            <a:endParaRPr lang="en-US" sz="2000" dirty="0">
-              <a:solidFill>
-                <a:schemeClr val="bg1"/>
               </a:solidFill>
               <a:latin typeface="Kalinga" panose="020B0502040204020203" pitchFamily="34" charset="0"/>
               <a:cs typeface="Kalinga" panose="020B0502040204020203" pitchFamily="34" charset="0"/>
@@ -2814,14 +2765,11 @@
           <a:lstStyle/>
           <a:p>
             <a:r>
-              <a:rPr lang="en-US" dirty="0" smtClean="0">
+              <a:rPr lang="en-US" dirty="0">
                 <a:latin typeface="Franklin Gothic Demi" panose="020B0703020102020204" pitchFamily="34" charset="0"/>
               </a:rPr>
               <a:t>Design of RF &amp; Microwave Systems</a:t>
             </a:r>
-            <a:endParaRPr lang="en-US" dirty="0">
-              <a:latin typeface="Franklin Gothic Demi" panose="020B0703020102020204" pitchFamily="34" charset="0"/>
-            </a:endParaRPr>
           </a:p>
         </p:txBody>
       </p:sp>
@@ -2846,18 +2794,13 @@
           <a:lstStyle/>
           <a:p>
             <a:r>
-              <a:rPr lang="en-US" sz="2400" b="1" dirty="0" smtClean="0">
+              <a:rPr lang="en-US" sz="2400" b="1" dirty="0">
                 <a:solidFill>
                   <a:srgbClr val="BF9900"/>
                 </a:solidFill>
               </a:rPr>
               <a:t>EEC 134 A&amp;B</a:t>
             </a:r>
-            <a:endParaRPr lang="en-US" sz="2400" b="1" dirty="0">
-              <a:solidFill>
-                <a:srgbClr val="BF9900"/>
-              </a:solidFill>
-            </a:endParaRPr>
           </a:p>
         </p:txBody>
       </p:sp>
@@ -2898,17 +2841,10 @@
                 </a:solidFill>
                 <a:latin typeface="Myriad Pro" panose="020B0503030403020204" pitchFamily="34" charset="0"/>
               </a:rPr>
-              <a:t>Lecture 6</a:t>
+              <a:t>Lecture 6: 	Building Blocks of RF Systems </a:t>
             </a:r>
-            <a:r>
-              <a:rPr lang="en-US" sz="3200" dirty="0" smtClean="0">
-                <a:solidFill>
-                  <a:srgbClr val="091D58"/>
-                </a:solidFill>
-                <a:latin typeface="Myriad Pro" panose="020B0503030403020204" pitchFamily="34" charset="0"/>
-              </a:rPr>
-              <a:t>: 	Building </a:t>
-            </a:r>
+          </a:p>
+          <a:p>
             <a:r>
               <a:rPr lang="en-US" sz="3200" dirty="0">
                 <a:solidFill>
@@ -2916,25 +2852,8 @@
                 </a:solidFill>
                 <a:latin typeface="Myriad Pro" panose="020B0503030403020204" pitchFamily="34" charset="0"/>
               </a:rPr>
-              <a:t>Blocks of RF Systems </a:t>
-            </a:r>
-          </a:p>
-          <a:p>
-            <a:r>
-              <a:rPr lang="en-US" sz="3200" dirty="0" smtClean="0">
-                <a:solidFill>
-                  <a:srgbClr val="091D58"/>
-                </a:solidFill>
-                <a:latin typeface="Myriad Pro" panose="020B0503030403020204" pitchFamily="34" charset="0"/>
-              </a:rPr>
               <a:t>		– (De)Modulation and (De)Modulators</a:t>
             </a:r>
-            <a:endParaRPr lang="en-US" sz="3200" dirty="0">
-              <a:solidFill>
-                <a:srgbClr val="091D58"/>
-              </a:solidFill>
-              <a:latin typeface="Myriad Pro" panose="020B0503030403020204" pitchFamily="34" charset="0"/>
-            </a:endParaRPr>
           </a:p>
         </p:txBody>
       </p:sp>
@@ -2943,13 +2862,6 @@
   <p:clrMapOvr>
     <a:masterClrMapping/>
   </p:clrMapOvr>
-  <p:timing>
-    <p:tnLst>
-      <p:par>
-        <p:cTn id="1" dur="indefinite" restart="never" nodeType="tmRoot"/>
-      </p:par>
-    </p:tnLst>
-  </p:timing>
 </p:sld>
 </file>
 
@@ -3067,10 +2979,9 @@
           <a:lstStyle/>
           <a:p>
             <a:r>
-              <a:rPr lang="en-US" dirty="0" smtClean="0"/>
+              <a:rPr lang="en-US" dirty="0"/>
               <a:t>How do We Generate the Quadrature Signals?</a:t>
             </a:r>
-            <a:endParaRPr lang="en-US" dirty="0"/>
           </a:p>
         </p:txBody>
       </p:sp>
@@ -3090,10 +3001,9 @@
           <a:lstStyle/>
           <a:p>
             <a:r>
-              <a:rPr lang="en-US" dirty="0" smtClean="0"/>
+              <a:rPr lang="en-US" dirty="0"/>
               <a:t>Quadrature hybrid!!</a:t>
             </a:r>
-            <a:endParaRPr lang="en-US" dirty="0"/>
           </a:p>
         </p:txBody>
       </p:sp>
@@ -3163,7 +3073,7 @@
                 <a:buNone/>
                 <a:tabLst/>
               </a:pPr>
-              <a:endParaRPr kumimoji="0" lang="en-US" sz="900" b="1" i="0" u="none" strike="noStrike" cap="none" normalizeH="0" baseline="0" smtClean="0">
+              <a:endParaRPr kumimoji="0" lang="en-US" sz="900" b="1" i="0" u="none" strike="noStrike" cap="none" normalizeH="0" baseline="0">
                 <a:ln>
                   <a:noFill/>
                 </a:ln>
@@ -3385,7 +3295,7 @@
               <a:tabLst/>
             </a:pPr>
             <a:r>
-              <a:rPr kumimoji="0" lang="en-US" i="0" u="none" strike="noStrike" cap="none" normalizeH="0" baseline="0" dirty="0" smtClean="0">
+              <a:rPr kumimoji="0" lang="en-US" i="0" u="none" strike="noStrike" cap="none" normalizeH="0" baseline="0" dirty="0">
                 <a:ln>
                   <a:noFill/>
                 </a:ln>
@@ -3418,7 +3328,7 @@
               <a:tabLst/>
             </a:pPr>
             <a:r>
-              <a:rPr kumimoji="0" lang="en-US" i="0" u="none" strike="noStrike" cap="none" normalizeH="0" baseline="0" dirty="0" smtClean="0">
+              <a:rPr kumimoji="0" lang="en-US" i="0" u="none" strike="noStrike" cap="none" normalizeH="0" baseline="0" dirty="0">
                 <a:ln>
                   <a:noFill/>
                 </a:ln>
@@ -3459,7 +3369,7 @@
           <a:p>
             <a:pPr algn="ctr"/>
             <a:r>
-              <a:rPr lang="en-US" dirty="0" smtClean="0">
+              <a:rPr lang="en-US" dirty="0">
                 <a:solidFill>
                   <a:srgbClr val="000000"/>
                 </a:solidFill>
@@ -3472,7 +3382,7 @@
           <a:p>
             <a:pPr algn="ctr"/>
             <a:r>
-              <a:rPr lang="en-US" dirty="0" smtClean="0">
+              <a:rPr lang="en-US" dirty="0">
                 <a:solidFill>
                   <a:srgbClr val="000000"/>
                 </a:solidFill>
@@ -3870,7 +3780,7 @@
               <a:tabLst/>
             </a:pPr>
             <a:r>
-              <a:rPr kumimoji="0" lang="el-GR" sz="4500" b="1" i="0" u="none" strike="noStrike" cap="none" normalizeH="0" baseline="0" dirty="0" smtClean="0">
+              <a:rPr kumimoji="0" lang="el-GR" sz="4500" b="1" i="0" u="none" strike="noStrike" cap="none" normalizeH="0" baseline="0" dirty="0">
                 <a:ln>
                   <a:noFill/>
                 </a:ln>
@@ -3883,7 +3793,7 @@
               </a:rPr>
               <a:t>Σ</a:t>
             </a:r>
-            <a:endParaRPr kumimoji="0" lang="en-US" sz="4500" b="1" i="0" u="none" strike="noStrike" cap="none" normalizeH="0" baseline="0" dirty="0" smtClean="0">
+            <a:endParaRPr kumimoji="0" lang="en-US" sz="4500" b="1" i="0" u="none" strike="noStrike" cap="none" normalizeH="0" baseline="0" dirty="0">
               <a:ln>
                 <a:noFill/>
               </a:ln>
@@ -3956,7 +3866,7 @@
           <a:graphicData uri="http://schemas.openxmlformats.org/presentationml/2006/ole">
             <mc:AlternateContent xmlns:mc="http://schemas.openxmlformats.org/markup-compatibility/2006">
               <mc:Choice xmlns:v="urn:schemas-microsoft-com:vml" Requires="v">
-                <p:oleObj spid="_x0000_s15380" name="Equation" r:id="rId3" imgW="457200" imgH="228600" progId="">
+                <p:oleObj spid="_x0000_s15382" name="Equation" r:id="rId3" imgW="457200" imgH="228600" progId="">
                   <p:embed/>
                 </p:oleObj>
               </mc:Choice>
@@ -4150,7 +4060,7 @@
                 <a:buNone/>
                 <a:tabLst/>
               </a:pPr>
-              <a:endParaRPr kumimoji="0" lang="en-US" sz="900" b="1" i="0" u="none" strike="noStrike" cap="none" normalizeH="0" baseline="0" smtClean="0">
+              <a:endParaRPr kumimoji="0" lang="en-US" sz="900" b="1" i="0" u="none" strike="noStrike" cap="none" normalizeH="0" baseline="0">
                 <a:ln>
                   <a:noFill/>
                 </a:ln>
@@ -4438,7 +4348,7 @@
                 <a:buNone/>
                 <a:tabLst/>
               </a:pPr>
-              <a:endParaRPr kumimoji="0" lang="en-US" sz="900" b="1" i="0" u="none" strike="noStrike" cap="none" normalizeH="0" baseline="0" smtClean="0">
+              <a:endParaRPr kumimoji="0" lang="en-US" sz="900" b="1" i="0" u="none" strike="noStrike" cap="none" normalizeH="0" baseline="0">
                 <a:ln>
                   <a:noFill/>
                 </a:ln>
@@ -4623,7 +4533,7 @@
               <a:tabLst/>
             </a:pPr>
             <a:r>
-              <a:rPr kumimoji="0" lang="en-US" b="1" i="0" u="none" strike="noStrike" cap="none" normalizeH="0" baseline="0" dirty="0" smtClean="0">
+              <a:rPr kumimoji="0" lang="en-US" b="1" i="0" u="none" strike="noStrike" cap="none" normalizeH="0" baseline="0" dirty="0">
                 <a:ln>
                   <a:noFill/>
                 </a:ln>
@@ -4638,7 +4548,7 @@
               <a:t>90</a:t>
             </a:r>
             <a:r>
-              <a:rPr kumimoji="0" lang="en-US" b="1" i="0" u="none" strike="noStrike" cap="none" normalizeH="0" baseline="0" smtClean="0">
+              <a:rPr kumimoji="0" lang="en-US" b="1" i="0" u="none" strike="noStrike" cap="none" normalizeH="0" baseline="0">
                 <a:ln>
                   <a:noFill/>
                 </a:ln>
@@ -4652,7 +4562,7 @@
               </a:rPr>
               <a:t>° Hybrid</a:t>
             </a:r>
-            <a:endParaRPr kumimoji="0" lang="en-US" b="1" i="0" u="none" strike="noStrike" cap="none" normalizeH="0" baseline="0" dirty="0" smtClean="0">
+            <a:endParaRPr kumimoji="0" lang="en-US" b="1" i="0" u="none" strike="noStrike" cap="none" normalizeH="0" baseline="0" dirty="0">
               <a:ln>
                 <a:noFill/>
               </a:ln>
@@ -4689,7 +4599,7 @@
           <a:graphicData uri="http://schemas.openxmlformats.org/presentationml/2006/ole">
             <mc:AlternateContent xmlns:mc="http://schemas.openxmlformats.org/markup-compatibility/2006">
               <mc:Choice xmlns:v="urn:schemas-microsoft-com:vml" Requires="v">
-                <p:oleObj spid="_x0000_s15381" name="Equation" r:id="rId5" imgW="545760" imgH="228600" progId="">
+                <p:oleObj spid="_x0000_s15383" name="Equation" r:id="rId5" imgW="545760" imgH="228600" progId="">
                   <p:embed/>
                 </p:oleObj>
               </mc:Choice>
@@ -4766,7 +4676,7 @@
           <a:lstStyle/>
           <a:p>
             <a:r>
-              <a:rPr lang="en-US" sz="3000" b="1" i="1" spc="300" dirty="0" smtClean="0">
+              <a:rPr lang="en-US" sz="3000" b="1" i="1" spc="300" dirty="0">
                 <a:solidFill>
                   <a:srgbClr val="0000FF"/>
                 </a:solidFill>
@@ -4801,7 +4711,7 @@
           <a:lstStyle/>
           <a:p>
             <a:r>
-              <a:rPr lang="en-US" sz="3000" b="1" i="1" spc="300" dirty="0" smtClean="0">
+              <a:rPr lang="en-US" sz="3000" b="1" i="1" spc="300" dirty="0">
                 <a:solidFill>
                   <a:srgbClr val="0000FF"/>
                 </a:solidFill>
@@ -4823,13 +4733,6 @@
   <p:clrMapOvr>
     <a:masterClrMapping/>
   </p:clrMapOvr>
-  <p:timing>
-    <p:tnLst>
-      <p:par>
-        <p:cTn id="1" dur="indefinite" restart="never" nodeType="tmRoot"/>
-      </p:par>
-    </p:tnLst>
-  </p:timing>
 </p:sld>
 </file>
 
@@ -4868,14 +4771,13 @@
           <a:lstStyle/>
           <a:p>
             <a:r>
-              <a:rPr lang="en-US" dirty="0" err="1" smtClean="0"/>
+              <a:rPr lang="en-US" dirty="0" err="1"/>
               <a:t>Quadrature</a:t>
             </a:r>
             <a:r>
-              <a:rPr lang="en-US" dirty="0" smtClean="0"/>
+              <a:rPr lang="en-US" dirty="0"/>
               <a:t> Demodulation</a:t>
             </a:r>
-            <a:endParaRPr lang="en-US" dirty="0"/>
           </a:p>
         </p:txBody>
       </p:sp>
@@ -4901,7 +4803,7 @@
           <a:graphicData uri="http://schemas.openxmlformats.org/presentationml/2006/ole">
             <mc:AlternateContent xmlns:mc="http://schemas.openxmlformats.org/markup-compatibility/2006">
               <mc:Choice xmlns:v="urn:schemas-microsoft-com:vml" Requires="v">
-                <p:oleObj spid="_x0000_s6196" name="Equation" r:id="rId4" imgW="3377880" imgH="939600" progId="">
+                <p:oleObj spid="_x0000_s6198" name="Equation" r:id="rId4" imgW="3377880" imgH="939600" progId="">
                   <p:embed/>
                 </p:oleObj>
               </mc:Choice>
@@ -4977,7 +4879,7 @@
           <a:graphicData uri="http://schemas.openxmlformats.org/presentationml/2006/ole">
             <mc:AlternateContent xmlns:mc="http://schemas.openxmlformats.org/markup-compatibility/2006">
               <mc:Choice xmlns:v="urn:schemas-microsoft-com:vml" Requires="v">
-                <p:oleObj spid="_x0000_s6197" name="Equation" r:id="rId6" imgW="3390840" imgH="939600" progId="">
+                <p:oleObj spid="_x0000_s6199" name="Equation" r:id="rId6" imgW="3390840" imgH="939600" progId="">
                   <p:embed/>
                 </p:oleObj>
               </mc:Choice>
@@ -5081,7 +4983,7 @@
               <a:buNone/>
               <a:tabLst/>
             </a:pPr>
-            <a:endParaRPr kumimoji="0" lang="en-US" sz="2400" b="0" i="0" u="none" strike="noStrike" cap="none" normalizeH="0" baseline="0" smtClean="0">
+            <a:endParaRPr kumimoji="0" lang="en-US" sz="2400" b="0" i="0" u="none" strike="noStrike" cap="none" normalizeH="0" baseline="0">
               <a:ln>
                 <a:noFill/>
               </a:ln>
@@ -5144,7 +5046,7 @@
               <a:buNone/>
               <a:tabLst/>
             </a:pPr>
-            <a:endParaRPr kumimoji="0" lang="en-US" sz="2400" b="0" i="0" u="none" strike="noStrike" cap="none" normalizeH="0" baseline="0" smtClean="0">
+            <a:endParaRPr kumimoji="0" lang="en-US" sz="2400" b="0" i="0" u="none" strike="noStrike" cap="none" normalizeH="0" baseline="0">
               <a:ln>
                 <a:noFill/>
               </a:ln>
@@ -5207,7 +5109,7 @@
               <a:buNone/>
               <a:tabLst/>
             </a:pPr>
-            <a:endParaRPr kumimoji="0" lang="en-US" sz="2400" b="0" i="0" u="none" strike="noStrike" cap="none" normalizeH="0" baseline="0" smtClean="0">
+            <a:endParaRPr kumimoji="0" lang="en-US" sz="2400" b="0" i="0" u="none" strike="noStrike" cap="none" normalizeH="0" baseline="0">
               <a:ln>
                 <a:noFill/>
               </a:ln>
@@ -5708,14 +5610,13 @@
           <a:lstStyle/>
           <a:p>
             <a:r>
-              <a:rPr lang="en-US" dirty="0" err="1" smtClean="0"/>
+              <a:rPr lang="en-US" dirty="0" err="1"/>
               <a:t>Quadrature</a:t>
             </a:r>
             <a:r>
-              <a:rPr lang="en-US" dirty="0" smtClean="0"/>
+              <a:rPr lang="en-US" dirty="0"/>
               <a:t> Demodulation</a:t>
             </a:r>
-            <a:endParaRPr lang="en-US" dirty="0"/>
           </a:p>
         </p:txBody>
       </p:sp>
@@ -5785,7 +5686,7 @@
                 <a:buNone/>
                 <a:tabLst/>
               </a:pPr>
-              <a:endParaRPr kumimoji="0" lang="en-US" sz="900" b="1" i="0" u="none" strike="noStrike" cap="none" normalizeH="0" baseline="0" smtClean="0">
+              <a:endParaRPr kumimoji="0" lang="en-US" sz="900" b="1" i="0" u="none" strike="noStrike" cap="none" normalizeH="0" baseline="0">
                 <a:ln>
                   <a:noFill/>
                 </a:ln>
@@ -5933,7 +5834,7 @@
               <a:tabLst/>
             </a:pPr>
             <a:r>
-              <a:rPr kumimoji="0" lang="en-US" sz="2400" b="1" i="0" u="none" strike="noStrike" cap="none" normalizeH="0" baseline="0" dirty="0" smtClean="0">
+              <a:rPr kumimoji="0" lang="en-US" sz="2400" b="1" i="0" u="none" strike="noStrike" cap="none" normalizeH="0" baseline="0" dirty="0">
                 <a:ln>
                   <a:noFill/>
                 </a:ln>
@@ -5966,7 +5867,7 @@
               <a:tabLst/>
             </a:pPr>
             <a:r>
-              <a:rPr kumimoji="0" lang="en-US" sz="2400" b="1" i="0" u="none" strike="noStrike" cap="none" normalizeH="0" baseline="0" dirty="0" smtClean="0">
+              <a:rPr kumimoji="0" lang="en-US" sz="2400" b="1" i="0" u="none" strike="noStrike" cap="none" normalizeH="0" baseline="0" dirty="0">
                 <a:ln>
                   <a:noFill/>
                 </a:ln>
@@ -6007,7 +5908,7 @@
           <a:p>
             <a:pPr algn="ctr"/>
             <a:r>
-              <a:rPr lang="en-US" b="1" dirty="0" smtClean="0">
+              <a:rPr lang="en-US" b="1" dirty="0">
                 <a:solidFill>
                   <a:schemeClr val="bg1"/>
                 </a:solidFill>
@@ -6019,7 +5920,7 @@
           <a:p>
             <a:pPr algn="ctr"/>
             <a:r>
-              <a:rPr lang="en-US" b="1" dirty="0" smtClean="0">
+              <a:rPr lang="en-US" b="1" dirty="0">
                 <a:solidFill>
                   <a:schemeClr val="bg1"/>
                 </a:solidFill>
@@ -6305,7 +6206,7 @@
               <a:tabLst/>
             </a:pPr>
             <a:r>
-              <a:rPr kumimoji="0" lang="el-GR" sz="4500" b="1" i="0" u="none" strike="noStrike" cap="none" normalizeH="0" baseline="0" dirty="0" smtClean="0">
+              <a:rPr kumimoji="0" lang="el-GR" sz="4500" b="1" i="0" u="none" strike="noStrike" cap="none" normalizeH="0" baseline="0" dirty="0">
                 <a:ln>
                   <a:noFill/>
                 </a:ln>
@@ -6318,7 +6219,7 @@
               </a:rPr>
               <a:t>Σ</a:t>
             </a:r>
-            <a:endParaRPr kumimoji="0" lang="en-US" sz="4500" b="1" i="0" u="none" strike="noStrike" cap="none" normalizeH="0" baseline="0" dirty="0" smtClean="0">
+            <a:endParaRPr kumimoji="0" lang="en-US" sz="4500" b="1" i="0" u="none" strike="noStrike" cap="none" normalizeH="0" baseline="0" dirty="0">
               <a:ln>
                 <a:noFill/>
               </a:ln>
@@ -6435,7 +6336,7 @@
                 <a:buNone/>
                 <a:tabLst/>
               </a:pPr>
-              <a:endParaRPr kumimoji="0" lang="en-US" sz="900" b="1" i="0" u="none" strike="noStrike" cap="none" normalizeH="0" baseline="0" smtClean="0">
+              <a:endParaRPr kumimoji="0" lang="en-US" sz="900" b="1" i="0" u="none" strike="noStrike" cap="none" normalizeH="0" baseline="0">
                 <a:ln>
                   <a:noFill/>
                 </a:ln>
@@ -6680,7 +6581,7 @@
           <a:lstStyle/>
           <a:p>
             <a:r>
-              <a:rPr lang="en-US" sz="3000" b="1" i="1" spc="300" dirty="0" smtClean="0">
+              <a:rPr lang="en-US" sz="3000" b="1" i="1" spc="300" dirty="0">
                 <a:solidFill>
                   <a:srgbClr val="0000FF"/>
                 </a:solidFill>
@@ -6715,7 +6616,7 @@
           <a:lstStyle/>
           <a:p>
             <a:r>
-              <a:rPr lang="en-US" sz="3000" b="1" i="1" spc="300" dirty="0" smtClean="0">
+              <a:rPr lang="en-US" sz="3000" b="1" i="1" spc="300" dirty="0">
                 <a:solidFill>
                   <a:srgbClr val="0000FF"/>
                 </a:solidFill>
@@ -6971,7 +6872,7 @@
           <a:graphicData uri="http://schemas.openxmlformats.org/presentationml/2006/ole">
             <mc:AlternateContent xmlns:mc="http://schemas.openxmlformats.org/markup-compatibility/2006">
               <mc:Choice xmlns:v="urn:schemas-microsoft-com:vml" Requires="v">
-                <p:oleObj spid="_x0000_s7202" name="Equation" r:id="rId3" imgW="457200" imgH="228600" progId="">
+                <p:oleObj spid="_x0000_s7204" name="Equation" r:id="rId3" imgW="457200" imgH="228600" progId="">
                   <p:embed/>
                 </p:oleObj>
               </mc:Choice>
@@ -7165,7 +7066,7 @@
                 <a:buNone/>
                 <a:tabLst/>
               </a:pPr>
-              <a:endParaRPr kumimoji="0" lang="en-US" sz="900" b="1" i="0" u="none" strike="noStrike" cap="none" normalizeH="0" baseline="0" smtClean="0">
+              <a:endParaRPr kumimoji="0" lang="en-US" sz="900" b="1" i="0" u="none" strike="noStrike" cap="none" normalizeH="0" baseline="0">
                 <a:ln>
                   <a:noFill/>
                 </a:ln>
@@ -7424,7 +7325,7 @@
               <a:tabLst/>
             </a:pPr>
             <a:r>
-              <a:rPr kumimoji="0" lang="en-US" sz="2400" b="1" i="0" u="none" strike="noStrike" cap="none" normalizeH="0" baseline="0" dirty="0" smtClean="0">
+              <a:rPr kumimoji="0" lang="en-US" sz="2400" b="1" i="0" u="none" strike="noStrike" cap="none" normalizeH="0" baseline="0" dirty="0">
                 <a:ln>
                   <a:noFill/>
                 </a:ln>
@@ -7439,7 +7340,7 @@
               <a:t>-90</a:t>
             </a:r>
             <a:r>
-              <a:rPr kumimoji="0" lang="en-US" sz="2400" b="1" i="0" u="none" strike="noStrike" cap="none" normalizeH="0" baseline="0" dirty="0" smtClean="0">
+              <a:rPr kumimoji="0" lang="en-US" sz="2400" b="1" i="0" u="none" strike="noStrike" cap="none" normalizeH="0" baseline="0" dirty="0">
                 <a:ln>
                   <a:noFill/>
                 </a:ln>
@@ -7453,7 +7354,7 @@
               </a:rPr>
               <a:t>°</a:t>
             </a:r>
-            <a:endParaRPr kumimoji="0" lang="en-US" sz="2400" b="1" i="0" u="none" strike="noStrike" cap="none" normalizeH="0" baseline="0" dirty="0" smtClean="0">
+            <a:endParaRPr kumimoji="0" lang="en-US" sz="2400" b="1" i="0" u="none" strike="noStrike" cap="none" normalizeH="0" baseline="0" dirty="0">
               <a:ln>
                 <a:noFill/>
               </a:ln>
@@ -7490,7 +7391,7 @@
           <a:graphicData uri="http://schemas.openxmlformats.org/presentationml/2006/ole">
             <mc:AlternateContent xmlns:mc="http://schemas.openxmlformats.org/markup-compatibility/2006">
               <mc:Choice xmlns:v="urn:schemas-microsoft-com:vml" Requires="v">
-                <p:oleObj spid="_x0000_s7203" name="Equation" r:id="rId5" imgW="545760" imgH="228600" progId="">
+                <p:oleObj spid="_x0000_s7205" name="Equation" r:id="rId5" imgW="545760" imgH="228600" progId="">
                   <p:embed/>
                 </p:oleObj>
               </mc:Choice>
@@ -7610,7 +7511,7 @@
                 <a:buNone/>
                 <a:tabLst/>
               </a:pPr>
-              <a:endParaRPr kumimoji="0" lang="en-US" sz="2400" b="0" i="0" u="none" strike="noStrike" cap="none" normalizeH="0" baseline="0" smtClean="0">
+              <a:endParaRPr kumimoji="0" lang="en-US" sz="2400" b="0" i="0" u="none" strike="noStrike" cap="none" normalizeH="0" baseline="0">
                 <a:ln>
                   <a:noFill/>
                 </a:ln>
@@ -7779,7 +7680,7 @@
                 <a:buNone/>
                 <a:tabLst/>
               </a:pPr>
-              <a:endParaRPr kumimoji="0" lang="en-US" sz="2400" b="0" i="0" u="none" strike="noStrike" cap="none" normalizeH="0" baseline="0" smtClean="0">
+              <a:endParaRPr kumimoji="0" lang="en-US" sz="2400" b="0" i="0" u="none" strike="noStrike" cap="none" normalizeH="0" baseline="0">
                 <a:ln>
                   <a:noFill/>
                 </a:ln>
@@ -7979,7 +7880,7 @@
           <a:lstStyle/>
           <a:p>
             <a:r>
-              <a:rPr lang="en-US" sz="3000" b="1" i="1" spc="300" dirty="0" smtClean="0">
+              <a:rPr lang="en-US" sz="3000" b="1" i="1" spc="300" dirty="0">
                 <a:solidFill>
                   <a:srgbClr val="0000FF"/>
                 </a:solidFill>
@@ -8014,7 +7915,7 @@
           <a:lstStyle/>
           <a:p>
             <a:r>
-              <a:rPr lang="en-US" sz="3000" b="1" i="1" spc="300" dirty="0" smtClean="0">
+              <a:rPr lang="en-US" sz="3000" b="1" i="1" spc="300" dirty="0">
                 <a:solidFill>
                   <a:srgbClr val="0000FF"/>
                 </a:solidFill>
@@ -8036,13 +7937,6 @@
   <p:clrMapOvr>
     <a:masterClrMapping/>
   </p:clrMapOvr>
-  <p:timing>
-    <p:tnLst>
-      <p:par>
-        <p:cTn id="1" dur="indefinite" restart="never" nodeType="tmRoot"/>
-      </p:par>
-    </p:tnLst>
-  </p:timing>
 </p:sld>
 </file>
 
@@ -8086,10 +7980,9 @@
           <a:lstStyle/>
           <a:p>
             <a:r>
-              <a:rPr lang="en-US" sz="3200" dirty="0" smtClean="0"/>
+              <a:rPr lang="en-US" sz="3200" dirty="0"/>
               <a:t>Quadrature Demodulation in a Doppler Radar Receiver</a:t>
             </a:r>
-            <a:endParaRPr lang="en-US" sz="3200" dirty="0"/>
           </a:p>
         </p:txBody>
       </p:sp>
@@ -8111,14 +8004,14 @@
               <a:lstStyle/>
               <a:p>
                 <a:r>
-                  <a:rPr lang="en-US" dirty="0" smtClean="0"/>
+                  <a:rPr lang="en-US" dirty="0"/>
                   <a:t>Simple mixer</a:t>
                 </a:r>
               </a:p>
               <a:p>
                 <a:pPr lvl="1"/>
                 <a:r>
-                  <a:rPr lang="en-US" dirty="0" smtClean="0"/>
+                  <a:rPr lang="en-US" dirty="0"/>
                   <a:t>Since </a:t>
                 </a:r>
                 <a14:m>
@@ -8205,10 +8098,9 @@
                   </m:oMath>
                 </a14:m>
                 <a:r>
-                  <a:rPr lang="en-US" dirty="0" smtClean="0"/>
+                  <a:rPr lang="en-US" dirty="0"/>
                   <a:t>, positive and negative speed can not be differentiated, i.e. you can only measure the speed but can’t tell if the object is moving towards you or away from you</a:t>
                 </a:r>
-                <a:endParaRPr lang="en-US" dirty="0"/>
               </a:p>
             </p:txBody>
           </p:sp>
@@ -8313,7 +8205,7 @@
                 <a:buNone/>
                 <a:tabLst/>
               </a:pPr>
-              <a:endParaRPr kumimoji="0" lang="en-US" sz="900" b="1" i="0" u="none" strike="noStrike" cap="none" normalizeH="0" baseline="0" smtClean="0">
+              <a:endParaRPr kumimoji="0" lang="en-US" sz="900" b="1" i="0" u="none" strike="noStrike" cap="none" normalizeH="0" baseline="0">
                 <a:ln>
                   <a:noFill/>
                 </a:ln>
@@ -8548,7 +8440,7 @@
                 <a:buNone/>
                 <a:tabLst/>
               </a:pPr>
-              <a:endParaRPr kumimoji="0" lang="en-US" sz="900" b="1" i="0" u="none" strike="noStrike" cap="none" normalizeH="0" baseline="0" smtClean="0">
+              <a:endParaRPr kumimoji="0" lang="en-US" sz="900" b="1" i="0" u="none" strike="noStrike" cap="none" normalizeH="0" baseline="0">
                 <a:ln>
                   <a:noFill/>
                 </a:ln>
@@ -8866,7 +8758,7 @@
           <a:graphicData uri="http://schemas.openxmlformats.org/presentationml/2006/ole">
             <mc:AlternateContent xmlns:mc="http://schemas.openxmlformats.org/markup-compatibility/2006">
               <mc:Choice xmlns:v="urn:schemas-microsoft-com:vml" Requires="v">
-                <p:oleObj spid="_x0000_s23565" name="Equation" r:id="rId4" imgW="457200" imgH="228600" progId="">
+                <p:oleObj spid="_x0000_s23566" name="Equation" r:id="rId4" imgW="457200" imgH="228600" progId="">
                   <p:embed/>
                 </p:oleObj>
               </mc:Choice>
@@ -9023,7 +8915,7 @@
                 <a:buNone/>
                 <a:tabLst/>
               </a:pPr>
-              <a:endParaRPr kumimoji="0" lang="en-US" sz="2400" b="0" i="0" u="none" strike="noStrike" cap="none" normalizeH="0" baseline="0" smtClean="0">
+              <a:endParaRPr kumimoji="0" lang="en-US" sz="2400" b="0" i="0" u="none" strike="noStrike" cap="none" normalizeH="0" baseline="0">
                 <a:ln>
                   <a:noFill/>
                 </a:ln>
@@ -9364,7 +9256,7 @@
                     </m:oMath>
                   </m:oMathPara>
                 </a14:m>
-                <a:endParaRPr lang="en-US" sz="2000" dirty="0" smtClean="0">
+                <a:endParaRPr lang="en-US" sz="2000" dirty="0">
                   <a:solidFill>
                     <a:srgbClr val="292929"/>
                   </a:solidFill>
@@ -9601,7 +9493,7 @@
                     </m:oMath>
                   </m:oMathPara>
                 </a14:m>
-                <a:endParaRPr lang="en-US" sz="2000" dirty="0" smtClean="0">
+                <a:endParaRPr lang="en-US" sz="2000" dirty="0">
                   <a:solidFill>
                     <a:srgbClr val="292929"/>
                   </a:solidFill>
@@ -9660,21 +9552,6 @@
   <p:clrMapOvr>
     <a:masterClrMapping/>
   </p:clrMapOvr>
-  <mc:AlternateContent xmlns:mc="http://schemas.openxmlformats.org/markup-compatibility/2006" xmlns:p14="http://schemas.microsoft.com/office/powerpoint/2010/main">
-    <mc:Choice Requires="p14">
-      <p:transition spd="slow" p14:dur="2000"/>
-    </mc:Choice>
-    <mc:Fallback xmlns="">
-      <p:transition spd="slow"/>
-    </mc:Fallback>
-  </mc:AlternateContent>
-  <p:timing>
-    <p:tnLst>
-      <p:par>
-        <p:cTn id="1" dur="indefinite" restart="never" nodeType="tmRoot"/>
-      </p:par>
-    </p:tnLst>
-  </p:timing>
 </p:sld>
 </file>
 
@@ -9718,10 +9595,9 @@
           <a:lstStyle/>
           <a:p>
             <a:r>
-              <a:rPr lang="en-US" sz="3200" dirty="0" smtClean="0"/>
+              <a:rPr lang="en-US" sz="3200" dirty="0"/>
               <a:t>Quadrature Demodulation in a Doppler Radar Receiver</a:t>
             </a:r>
-            <a:endParaRPr lang="en-US" sz="3200" dirty="0"/>
           </a:p>
         </p:txBody>
       </p:sp>
@@ -9741,17 +9617,16 @@
           <a:lstStyle/>
           <a:p>
             <a:r>
-              <a:rPr lang="en-US" dirty="0" smtClean="0"/>
+              <a:rPr lang="en-US" dirty="0"/>
               <a:t>Quadrature demodulator</a:t>
             </a:r>
           </a:p>
           <a:p>
             <a:pPr lvl="1"/>
             <a:r>
-              <a:rPr lang="en-US" dirty="0" smtClean="0"/>
+              <a:rPr lang="en-US" dirty="0"/>
               <a:t>The quadrature output is different for positive and negative Doppler frequency shift</a:t>
             </a:r>
-            <a:endParaRPr lang="en-US" dirty="0"/>
           </a:p>
         </p:txBody>
       </p:sp>
@@ -9821,7 +9696,7 @@
                 <a:buNone/>
                 <a:tabLst/>
               </a:pPr>
-              <a:endParaRPr kumimoji="0" lang="en-US" sz="900" b="1" i="0" u="none" strike="noStrike" cap="none" normalizeH="0" baseline="0" smtClean="0">
+              <a:endParaRPr kumimoji="0" lang="en-US" sz="900" b="1" i="0" u="none" strike="noStrike" cap="none" normalizeH="0" baseline="0">
                 <a:ln>
                   <a:noFill/>
                 </a:ln>
@@ -10056,7 +9931,7 @@
                 <a:buNone/>
                 <a:tabLst/>
               </a:pPr>
-              <a:endParaRPr kumimoji="0" lang="en-US" sz="900" b="1" i="0" u="none" strike="noStrike" cap="none" normalizeH="0" baseline="0" smtClean="0">
+              <a:endParaRPr kumimoji="0" lang="en-US" sz="900" b="1" i="0" u="none" strike="noStrike" cap="none" normalizeH="0" baseline="0">
                 <a:ln>
                   <a:noFill/>
                 </a:ln>
@@ -10522,7 +10397,7 @@
           <a:graphicData uri="http://schemas.openxmlformats.org/presentationml/2006/ole">
             <mc:AlternateContent xmlns:mc="http://schemas.openxmlformats.org/markup-compatibility/2006">
               <mc:Choice xmlns:v="urn:schemas-microsoft-com:vml" Requires="v">
-                <p:oleObj spid="_x0000_s24620" name="Equation" r:id="rId3" imgW="457200" imgH="228600" progId="">
+                <p:oleObj spid="_x0000_s24624" name="Equation" r:id="rId3" imgW="457200" imgH="228600" progId="">
                   <p:embed/>
                 </p:oleObj>
               </mc:Choice>
@@ -10716,7 +10591,7 @@
                 <a:buNone/>
                 <a:tabLst/>
               </a:pPr>
-              <a:endParaRPr kumimoji="0" lang="en-US" sz="900" b="1" i="0" u="none" strike="noStrike" cap="none" normalizeH="0" baseline="0" smtClean="0">
+              <a:endParaRPr kumimoji="0" lang="en-US" sz="900" b="1" i="0" u="none" strike="noStrike" cap="none" normalizeH="0" baseline="0">
                 <a:ln>
                   <a:noFill/>
                 </a:ln>
@@ -10975,7 +10850,7 @@
               <a:tabLst/>
             </a:pPr>
             <a:r>
-              <a:rPr kumimoji="0" lang="en-US" sz="1400" b="1" i="0" u="none" strike="noStrike" cap="none" normalizeH="0" baseline="0" dirty="0" smtClean="0">
+              <a:rPr kumimoji="0" lang="en-US" sz="1400" b="1" i="0" u="none" strike="noStrike" cap="none" normalizeH="0" baseline="0" dirty="0">
                 <a:ln>
                   <a:noFill/>
                 </a:ln>
@@ -10990,7 +10865,7 @@
               <a:t>-90</a:t>
             </a:r>
             <a:r>
-              <a:rPr kumimoji="0" lang="en-US" sz="1400" b="1" i="0" u="none" strike="noStrike" cap="none" normalizeH="0" baseline="0" dirty="0" smtClean="0">
+              <a:rPr kumimoji="0" lang="en-US" sz="1400" b="1" i="0" u="none" strike="noStrike" cap="none" normalizeH="0" baseline="0" dirty="0">
                 <a:ln>
                   <a:noFill/>
                 </a:ln>
@@ -11004,7 +10879,7 @@
               </a:rPr>
               <a:t>°</a:t>
             </a:r>
-            <a:endParaRPr kumimoji="0" lang="en-US" sz="1400" b="1" i="0" u="none" strike="noStrike" cap="none" normalizeH="0" baseline="0" dirty="0" smtClean="0">
+            <a:endParaRPr kumimoji="0" lang="en-US" sz="1400" b="1" i="0" u="none" strike="noStrike" cap="none" normalizeH="0" baseline="0" dirty="0">
               <a:ln>
                 <a:noFill/>
               </a:ln>
@@ -11041,7 +10916,7 @@
           <a:graphicData uri="http://schemas.openxmlformats.org/presentationml/2006/ole">
             <mc:AlternateContent xmlns:mc="http://schemas.openxmlformats.org/markup-compatibility/2006">
               <mc:Choice xmlns:v="urn:schemas-microsoft-com:vml" Requires="v">
-                <p:oleObj spid="_x0000_s24621" name="Equation" r:id="rId5" imgW="545760" imgH="228600" progId="">
+                <p:oleObj spid="_x0000_s24625" name="Equation" r:id="rId5" imgW="545760" imgH="228600" progId="">
                   <p:embed/>
                 </p:oleObj>
               </mc:Choice>
@@ -11161,7 +11036,7 @@
                 <a:buNone/>
                 <a:tabLst/>
               </a:pPr>
-              <a:endParaRPr kumimoji="0" lang="en-US" sz="2400" b="0" i="0" u="none" strike="noStrike" cap="none" normalizeH="0" baseline="0" smtClean="0">
+              <a:endParaRPr kumimoji="0" lang="en-US" sz="2400" b="0" i="0" u="none" strike="noStrike" cap="none" normalizeH="0" baseline="0">
                 <a:ln>
                   <a:noFill/>
                 </a:ln>
@@ -11330,7 +11205,7 @@
                 <a:buNone/>
                 <a:tabLst/>
               </a:pPr>
-              <a:endParaRPr kumimoji="0" lang="en-US" sz="2400" b="0" i="0" u="none" strike="noStrike" cap="none" normalizeH="0" baseline="0" smtClean="0">
+              <a:endParaRPr kumimoji="0" lang="en-US" sz="2400" b="0" i="0" u="none" strike="noStrike" cap="none" normalizeH="0" baseline="0">
                 <a:ln>
                   <a:noFill/>
                 </a:ln>
@@ -11698,7 +11573,7 @@
                     </m:oMath>
                   </m:oMathPara>
                 </a14:m>
-                <a:endParaRPr lang="en-US" sz="2000" dirty="0" smtClean="0">
+                <a:endParaRPr lang="en-US" sz="2000" dirty="0">
                   <a:solidFill>
                     <a:srgbClr val="292929"/>
                   </a:solidFill>
@@ -11958,7 +11833,7 @@
                     </m:oMath>
                   </m:oMathPara>
                 </a14:m>
-                <a:endParaRPr lang="en-US" sz="2000" dirty="0" smtClean="0">
+                <a:endParaRPr lang="en-US" sz="2000" dirty="0">
                   <a:solidFill>
                     <a:srgbClr val="292929"/>
                   </a:solidFill>
@@ -12243,7 +12118,7 @@
                     </m:oMath>
                   </m:oMathPara>
                 </a14:m>
-                <a:endParaRPr lang="en-US" sz="2000" dirty="0" smtClean="0">
+                <a:endParaRPr lang="en-US" sz="2000" dirty="0">
                   <a:solidFill>
                     <a:srgbClr val="292929"/>
                   </a:solidFill>
@@ -12358,7 +12233,7 @@
                 <a:buNone/>
                 <a:tabLst/>
               </a:pPr>
-              <a:endParaRPr kumimoji="0" lang="en-US" sz="900" b="1" i="0" u="none" strike="noStrike" cap="none" normalizeH="0" baseline="0" smtClean="0">
+              <a:endParaRPr kumimoji="0" lang="en-US" sz="900" b="1" i="0" u="none" strike="noStrike" cap="none" normalizeH="0" baseline="0">
                 <a:ln>
                   <a:noFill/>
                 </a:ln>
@@ -12593,7 +12468,7 @@
                 <a:buNone/>
                 <a:tabLst/>
               </a:pPr>
-              <a:endParaRPr kumimoji="0" lang="en-US" sz="900" b="1" i="0" u="none" strike="noStrike" cap="none" normalizeH="0" baseline="0" smtClean="0">
+              <a:endParaRPr kumimoji="0" lang="en-US" sz="900" b="1" i="0" u="none" strike="noStrike" cap="none" normalizeH="0" baseline="0">
                 <a:ln>
                   <a:noFill/>
                 </a:ln>
@@ -13059,7 +12934,7 @@
           <a:graphicData uri="http://schemas.openxmlformats.org/presentationml/2006/ole">
             <mc:AlternateContent xmlns:mc="http://schemas.openxmlformats.org/markup-compatibility/2006">
               <mc:Choice xmlns:v="urn:schemas-microsoft-com:vml" Requires="v">
-                <p:oleObj spid="_x0000_s24622" name="Equation" r:id="rId10" imgW="457200" imgH="228600" progId="">
+                <p:oleObj spid="_x0000_s24626" name="Equation" r:id="rId10" imgW="457200" imgH="228600" progId="">
                   <p:embed/>
                 </p:oleObj>
               </mc:Choice>
@@ -13253,7 +13128,7 @@
                 <a:buNone/>
                 <a:tabLst/>
               </a:pPr>
-              <a:endParaRPr kumimoji="0" lang="en-US" sz="900" b="1" i="0" u="none" strike="noStrike" cap="none" normalizeH="0" baseline="0" smtClean="0">
+              <a:endParaRPr kumimoji="0" lang="en-US" sz="900" b="1" i="0" u="none" strike="noStrike" cap="none" normalizeH="0" baseline="0">
                 <a:ln>
                   <a:noFill/>
                 </a:ln>
@@ -13512,7 +13387,7 @@
               <a:tabLst/>
             </a:pPr>
             <a:r>
-              <a:rPr kumimoji="0" lang="en-US" sz="1400" b="1" i="0" u="none" strike="noStrike" cap="none" normalizeH="0" baseline="0" dirty="0" smtClean="0">
+              <a:rPr kumimoji="0" lang="en-US" sz="1400" b="1" i="0" u="none" strike="noStrike" cap="none" normalizeH="0" baseline="0" dirty="0">
                 <a:ln>
                   <a:noFill/>
                 </a:ln>
@@ -13527,7 +13402,7 @@
               <a:t>-90</a:t>
             </a:r>
             <a:r>
-              <a:rPr kumimoji="0" lang="en-US" sz="1400" b="1" i="0" u="none" strike="noStrike" cap="none" normalizeH="0" baseline="0" dirty="0" smtClean="0">
+              <a:rPr kumimoji="0" lang="en-US" sz="1400" b="1" i="0" u="none" strike="noStrike" cap="none" normalizeH="0" baseline="0" dirty="0">
                 <a:ln>
                   <a:noFill/>
                 </a:ln>
@@ -13541,7 +13416,7 @@
               </a:rPr>
               <a:t>°</a:t>
             </a:r>
-            <a:endParaRPr kumimoji="0" lang="en-US" sz="1400" b="1" i="0" u="none" strike="noStrike" cap="none" normalizeH="0" baseline="0" dirty="0" smtClean="0">
+            <a:endParaRPr kumimoji="0" lang="en-US" sz="1400" b="1" i="0" u="none" strike="noStrike" cap="none" normalizeH="0" baseline="0" dirty="0">
               <a:ln>
                 <a:noFill/>
               </a:ln>
@@ -13578,7 +13453,7 @@
           <a:graphicData uri="http://schemas.openxmlformats.org/presentationml/2006/ole">
             <mc:AlternateContent xmlns:mc="http://schemas.openxmlformats.org/markup-compatibility/2006">
               <mc:Choice xmlns:v="urn:schemas-microsoft-com:vml" Requires="v">
-                <p:oleObj spid="_x0000_s24623" name="Equation" r:id="rId11" imgW="545760" imgH="228600" progId="">
+                <p:oleObj spid="_x0000_s24627" name="Equation" r:id="rId11" imgW="545760" imgH="228600" progId="">
                   <p:embed/>
                 </p:oleObj>
               </mc:Choice>
@@ -13698,7 +13573,7 @@
                 <a:buNone/>
                 <a:tabLst/>
               </a:pPr>
-              <a:endParaRPr kumimoji="0" lang="en-US" sz="2400" b="0" i="0" u="none" strike="noStrike" cap="none" normalizeH="0" baseline="0" smtClean="0">
+              <a:endParaRPr kumimoji="0" lang="en-US" sz="2400" b="0" i="0" u="none" strike="noStrike" cap="none" normalizeH="0" baseline="0">
                 <a:ln>
                   <a:noFill/>
                 </a:ln>
@@ -13867,7 +13742,7 @@
                 <a:buNone/>
                 <a:tabLst/>
               </a:pPr>
-              <a:endParaRPr kumimoji="0" lang="en-US" sz="2400" b="0" i="0" u="none" strike="noStrike" cap="none" normalizeH="0" baseline="0" smtClean="0">
+              <a:endParaRPr kumimoji="0" lang="en-US" sz="2400" b="0" i="0" u="none" strike="noStrike" cap="none" normalizeH="0" baseline="0">
                 <a:ln>
                   <a:noFill/>
                 </a:ln>
@@ -14244,7 +14119,7 @@
                     </m:oMath>
                   </m:oMathPara>
                 </a14:m>
-                <a:endParaRPr lang="en-US" sz="2000" dirty="0" smtClean="0">
+                <a:endParaRPr lang="en-US" sz="2000" dirty="0">
                   <a:solidFill>
                     <a:srgbClr val="292929"/>
                   </a:solidFill>
@@ -14688,7 +14563,7 @@
                     </m:oMath>
                   </m:oMathPara>
                 </a14:m>
-                <a:endParaRPr lang="en-US" sz="2000" dirty="0" smtClean="0">
+                <a:endParaRPr lang="en-US" sz="2000" dirty="0">
                   <a:solidFill>
                     <a:srgbClr val="292929"/>
                   </a:solidFill>
@@ -15166,7 +15041,7 @@
                     </m:oMath>
                   </m:oMathPara>
                 </a14:m>
-                <a:endParaRPr lang="en-US" sz="2000" dirty="0" smtClean="0">
+                <a:endParaRPr lang="en-US" sz="2000" dirty="0">
                   <a:solidFill>
                     <a:srgbClr val="292929"/>
                   </a:solidFill>
@@ -15225,14 +15100,6 @@
   <p:clrMapOvr>
     <a:masterClrMapping/>
   </p:clrMapOvr>
-  <mc:AlternateContent xmlns:mc="http://schemas.openxmlformats.org/markup-compatibility/2006" xmlns:p14="http://schemas.microsoft.com/office/powerpoint/2010/main">
-    <mc:Choice Requires="p14">
-      <p:transition spd="slow" p14:dur="2000"/>
-    </mc:Choice>
-    <mc:Fallback xmlns="">
-      <p:transition spd="slow"/>
-    </mc:Fallback>
-  </mc:AlternateContent>
   <p:timing>
     <p:tnLst>
       <p:par>
@@ -16025,10 +15892,9 @@
           <a:lstStyle/>
           <a:p>
             <a:r>
-              <a:rPr lang="en-US" dirty="0" smtClean="0"/>
+              <a:rPr lang="en-US" dirty="0"/>
               <a:t>IQ Demodulation Imperfections</a:t>
             </a:r>
-            <a:endParaRPr lang="en-US" dirty="0"/>
           </a:p>
         </p:txBody>
       </p:sp>
@@ -16048,41 +15914,41 @@
           <a:lstStyle/>
           <a:p>
             <a:r>
-              <a:rPr lang="en-US" dirty="0" smtClean="0"/>
+              <a:rPr lang="en-US" dirty="0"/>
               <a:t>In a practical demodulation circuit, it may be difficult to have a precisely aligned receiver LO frequency and phase</a:t>
             </a:r>
           </a:p>
           <a:p>
             <a:r>
-              <a:rPr lang="en-US" dirty="0" smtClean="0"/>
+              <a:rPr lang="en-US" dirty="0"/>
               <a:t>What if</a:t>
             </a:r>
           </a:p>
           <a:p>
             <a:pPr lvl="1"/>
             <a:r>
-              <a:rPr lang="en-US" dirty="0" smtClean="0"/>
+              <a:rPr lang="en-US" dirty="0"/>
               <a:t>LO has a slightly different frequency?</a:t>
             </a:r>
           </a:p>
           <a:p>
             <a:pPr lvl="1"/>
             <a:r>
-              <a:rPr lang="en-US" dirty="0" smtClean="0"/>
+              <a:rPr lang="en-US" dirty="0"/>
               <a:t>LO has a slightly different phase?</a:t>
             </a:r>
           </a:p>
           <a:p>
             <a:pPr lvl="1"/>
             <a:r>
-              <a:rPr lang="en-US" dirty="0" smtClean="0"/>
+              <a:rPr lang="en-US" dirty="0"/>
               <a:t>The quadrature LOs are not exactly in quadrature?</a:t>
             </a:r>
           </a:p>
           <a:p>
             <a:pPr lvl="1"/>
             <a:r>
-              <a:rPr lang="en-US" dirty="0" smtClean="0"/>
+              <a:rPr lang="en-US" dirty="0"/>
               <a:t>The quadrature LOs have slightly different amplitude?</a:t>
             </a:r>
           </a:p>
@@ -16102,13 +15968,6 @@
   <p:clrMapOvr>
     <a:masterClrMapping/>
   </p:clrMapOvr>
-  <p:timing>
-    <p:tnLst>
-      <p:par>
-        <p:cTn id="1" dur="indefinite" restart="never" nodeType="tmRoot"/>
-      </p:par>
-    </p:tnLst>
-  </p:timing>
 </p:sld>
 </file>
 
@@ -16145,10 +16004,9 @@
           <a:lstStyle/>
           <a:p>
             <a:r>
-              <a:rPr lang="en-US" dirty="0" smtClean="0"/>
+              <a:rPr lang="en-US" dirty="0"/>
               <a:t>IQ Demodulation Imperfections</a:t>
             </a:r>
-            <a:endParaRPr lang="en-US" dirty="0"/>
           </a:p>
         </p:txBody>
       </p:sp>
@@ -16168,31 +16026,27 @@
           <a:lstStyle/>
           <a:p>
             <a:r>
-              <a:rPr lang="en-US" dirty="0" smtClean="0"/>
+              <a:rPr lang="en-US" dirty="0"/>
               <a:t>Example: slight demodulator LO frequency offset </a:t>
             </a:r>
           </a:p>
           <a:p>
             <a:pPr lvl="1"/>
             <a:r>
-              <a:rPr lang="en-US" dirty="0" smtClean="0"/>
+              <a:rPr lang="en-US" dirty="0"/>
               <a:t>Received in-phase signal has a component from the quadrature signal</a:t>
             </a:r>
           </a:p>
           <a:p>
             <a:pPr lvl="1"/>
             <a:r>
-              <a:rPr lang="en-US" dirty="0" smtClean="0"/>
-              <a:t>Leads </a:t>
-            </a:r>
-            <a:r>
-              <a:rPr lang="en-US" dirty="0" smtClean="0"/>
-              <a:t>to error in the demodulation if the frequency offset is large enough</a:t>
+              <a:rPr lang="en-US" dirty="0"/>
+              <a:t>Leads to error in the demodulation if the frequency offset is large enough</a:t>
             </a:r>
           </a:p>
           <a:p>
             <a:r>
-              <a:rPr lang="en-US" dirty="0" smtClean="0"/>
+              <a:rPr lang="en-US" dirty="0"/>
               <a:t>Similarly, other imperfections can lead to signal demodulation errors </a:t>
             </a:r>
           </a:p>
@@ -16220,7 +16074,7 @@
           <a:graphicData uri="http://schemas.openxmlformats.org/presentationml/2006/ole">
             <mc:AlternateContent xmlns:mc="http://schemas.openxmlformats.org/markup-compatibility/2006">
               <mc:Choice xmlns:v="urn:schemas-microsoft-com:vml" Requires="v">
-                <p:oleObj spid="_x0000_s9241" name="Equation" r:id="rId3" imgW="1968480" imgH="253800" progId="">
+                <p:oleObj spid="_x0000_s9243" name="Equation" r:id="rId3" imgW="1968480" imgH="253800" progId="">
                   <p:embed/>
                 </p:oleObj>
               </mc:Choice>
@@ -16288,7 +16142,7 @@
           <a:graphicData uri="http://schemas.openxmlformats.org/presentationml/2006/ole">
             <mc:AlternateContent xmlns:mc="http://schemas.openxmlformats.org/markup-compatibility/2006">
               <mc:Choice xmlns:v="urn:schemas-microsoft-com:vml" Requires="v">
-                <p:oleObj spid="_x0000_s9242" name="Equation" r:id="rId5" imgW="9270720" imgH="1930320" progId="Equation.DSMT4">
+                <p:oleObj spid="_x0000_s9244" name="Equation" r:id="rId5" imgW="9270720" imgH="1930320" progId="Equation.DSMT4">
                   <p:embed/>
                 </p:oleObj>
               </mc:Choice>
@@ -16456,10 +16310,9 @@
           <a:lstStyle/>
           <a:p>
             <a:r>
-              <a:rPr lang="en-US" sz="3200" dirty="0" smtClean="0"/>
+              <a:rPr lang="en-US" sz="3200" dirty="0"/>
               <a:t>Signal Distortion viewed on the Constellation Diagram</a:t>
             </a:r>
-            <a:endParaRPr lang="en-US" sz="3200" dirty="0"/>
           </a:p>
         </p:txBody>
       </p:sp>
@@ -16533,13 +16386,6 @@
   <p:clrMapOvr>
     <a:masterClrMapping/>
   </p:clrMapOvr>
-  <p:timing>
-    <p:tnLst>
-      <p:par>
-        <p:cTn id="1" dur="indefinite" restart="never" nodeType="tmRoot"/>
-      </p:par>
-    </p:tnLst>
-  </p:timing>
 </p:sld>
 </file>
 
@@ -16576,10 +16422,9 @@
           <a:lstStyle/>
           <a:p>
             <a:r>
-              <a:rPr lang="en-US" dirty="0" smtClean="0"/>
+              <a:rPr lang="en-US" dirty="0"/>
               <a:t>Error Vector Magnitude (EVM)	</a:t>
             </a:r>
-            <a:endParaRPr lang="en-US" dirty="0"/>
           </a:p>
         </p:txBody>
       </p:sp>
@@ -16604,63 +16449,63 @@
           <a:lstStyle/>
           <a:p>
             <a:r>
-              <a:rPr lang="en-US" dirty="0" smtClean="0"/>
+              <a:rPr lang="en-US" dirty="0"/>
               <a:t>In digital transmission, several factors can cause perturbation to the signal </a:t>
             </a:r>
           </a:p>
           <a:p>
             <a:pPr lvl="1"/>
             <a:r>
-              <a:rPr lang="en-US" dirty="0" smtClean="0"/>
+              <a:rPr lang="en-US" dirty="0"/>
               <a:t>Noise in the propagation channel</a:t>
             </a:r>
           </a:p>
           <a:p>
             <a:pPr lvl="1"/>
             <a:r>
-              <a:rPr lang="en-US" dirty="0" smtClean="0"/>
+              <a:rPr lang="en-US" dirty="0"/>
               <a:t>Noise and non-linearity in the transmit and receive circuits </a:t>
             </a:r>
           </a:p>
           <a:p>
             <a:pPr lvl="1"/>
             <a:r>
-              <a:rPr lang="en-US" dirty="0" smtClean="0"/>
+              <a:rPr lang="en-US" dirty="0"/>
               <a:t>Imperfect modulation and demodulation circuit </a:t>
             </a:r>
           </a:p>
           <a:p>
             <a:pPr lvl="2"/>
             <a:r>
-              <a:rPr lang="en-US" dirty="0" smtClean="0"/>
+              <a:rPr lang="en-US" dirty="0"/>
               <a:t>Phase noise of the LO signals in </a:t>
             </a:r>
             <a:r>
-              <a:rPr lang="en-US" dirty="0" err="1" smtClean="0"/>
+              <a:rPr lang="en-US" dirty="0" err="1"/>
               <a:t>Tx</a:t>
             </a:r>
             <a:r>
-              <a:rPr lang="en-US" dirty="0" smtClean="0"/>
+              <a:rPr lang="en-US" dirty="0"/>
               <a:t> and Rx</a:t>
             </a:r>
           </a:p>
           <a:p>
             <a:pPr lvl="2"/>
             <a:r>
-              <a:rPr lang="en-US" dirty="0" smtClean="0"/>
+              <a:rPr lang="en-US" dirty="0"/>
               <a:t>LO phase and amplitude mismatch</a:t>
             </a:r>
           </a:p>
           <a:p>
             <a:r>
-              <a:rPr lang="en-US" dirty="0" smtClean="0"/>
+              <a:rPr lang="en-US" dirty="0"/>
               <a:t>Error vector magnitude (EVM) is used to quantify the amount of distortion to the modulated signal</a:t>
             </a:r>
           </a:p>
           <a:p>
             <a:pPr lvl="1"/>
             <a:r>
-              <a:rPr lang="en-US" dirty="0" smtClean="0"/>
+              <a:rPr lang="en-US" dirty="0"/>
               <a:t>Defined based on the constellation diagram</a:t>
             </a:r>
           </a:p>
@@ -16884,7 +16729,7 @@
               <a:tabLst/>
             </a:pPr>
             <a:r>
-              <a:rPr kumimoji="0" lang="en-US" altLang="en-US" sz="1800" b="0" i="0" u="none" strike="noStrike" cap="none" normalizeH="0" baseline="0" dirty="0" smtClean="0">
+              <a:rPr kumimoji="0" lang="en-US" altLang="en-US" sz="1800" b="0" i="0" u="none" strike="noStrike" cap="none" normalizeH="0" baseline="0" dirty="0">
                 <a:ln>
                   <a:noFill/>
                 </a:ln>
@@ -16897,7 +16742,7 @@
               <a:t>  </a:t>
             </a:r>
             <a:r>
-              <a:rPr kumimoji="0" lang="en-US" altLang="en-US" sz="1100" b="0" i="0" u="none" strike="noStrike" cap="none" normalizeH="0" baseline="0" dirty="0" smtClean="0">
+              <a:rPr kumimoji="0" lang="en-US" altLang="en-US" sz="1100" b="0" i="0" u="none" strike="noStrike" cap="none" normalizeH="0" baseline="0" dirty="0">
                 <a:ln>
                   <a:noFill/>
                 </a:ln>
@@ -16911,7 +16756,7 @@
               <a:t> </a:t>
             </a:r>
             <a:r>
-              <a:rPr kumimoji="0" lang="en-US" altLang="en-US" sz="900" b="0" i="0" u="none" strike="noStrike" cap="none" normalizeH="0" baseline="0" dirty="0" smtClean="0">
+              <a:rPr kumimoji="0" lang="en-US" altLang="en-US" sz="900" b="0" i="0" u="none" strike="noStrike" cap="none" normalizeH="0" baseline="0" dirty="0">
                 <a:ln>
                   <a:noFill/>
                 </a:ln>
@@ -16925,7 +16770,7 @@
               <a:t>is the I component of the j-</a:t>
             </a:r>
             <a:r>
-              <a:rPr kumimoji="0" lang="en-US" altLang="en-US" sz="900" b="0" i="0" u="none" strike="noStrike" cap="none" normalizeH="0" baseline="0" dirty="0" err="1" smtClean="0">
+              <a:rPr kumimoji="0" lang="en-US" altLang="en-US" sz="900" b="0" i="0" u="none" strike="noStrike" cap="none" normalizeH="0" baseline="0" dirty="0" err="1">
                 <a:ln>
                   <a:noFill/>
                 </a:ln>
@@ -16939,7 +16784,7 @@
               <a:t>th</a:t>
             </a:r>
             <a:r>
-              <a:rPr kumimoji="0" lang="en-US" altLang="en-US" sz="900" b="0" i="0" u="none" strike="noStrike" cap="none" normalizeH="0" baseline="0" dirty="0" smtClean="0">
+              <a:rPr kumimoji="0" lang="en-US" altLang="en-US" sz="900" b="0" i="0" u="none" strike="noStrike" cap="none" normalizeH="0" baseline="0" dirty="0">
                 <a:ln>
                   <a:noFill/>
                 </a:ln>
@@ -16952,20 +16797,8 @@
               </a:rPr>
               <a:t> symbol received,</a:t>
             </a:r>
-            <a:r>
-              <a:rPr kumimoji="0" lang="en-US" altLang="en-US" sz="600" b="0" i="0" u="none" strike="noStrike" cap="none" normalizeH="0" baseline="0" dirty="0" smtClean="0">
-                <a:ln>
-                  <a:noFill/>
-                </a:ln>
-                <a:solidFill>
-                  <a:schemeClr val="tx1"/>
-                </a:solidFill>
-                <a:effectLst/>
-              </a:rPr>
-              <a:t/>
-            </a:r>
             <a:br>
-              <a:rPr kumimoji="0" lang="en-US" altLang="en-US" sz="600" b="0" i="0" u="none" strike="noStrike" cap="none" normalizeH="0" baseline="0" dirty="0" smtClean="0">
+              <a:rPr kumimoji="0" lang="en-US" altLang="en-US" sz="600" b="0" i="0" u="none" strike="noStrike" cap="none" normalizeH="0" baseline="0" dirty="0">
                 <a:ln>
                   <a:noFill/>
                 </a:ln>
@@ -16976,7 +16809,7 @@
               </a:rPr>
             </a:br>
             <a:r>
-              <a:rPr kumimoji="0" lang="en-US" altLang="en-US" sz="1800" b="0" i="0" u="none" strike="noStrike" cap="none" normalizeH="0" baseline="0" dirty="0" smtClean="0">
+              <a:rPr kumimoji="0" lang="en-US" altLang="en-US" sz="1800" b="0" i="0" u="none" strike="noStrike" cap="none" normalizeH="0" baseline="0" dirty="0">
                 <a:ln>
                   <a:noFill/>
                 </a:ln>
@@ -16989,7 +16822,7 @@
               <a:t>  </a:t>
             </a:r>
             <a:r>
-              <a:rPr kumimoji="0" lang="en-US" altLang="en-US" sz="1200" b="0" i="0" u="none" strike="noStrike" cap="none" normalizeH="0" baseline="0" dirty="0" smtClean="0">
+              <a:rPr kumimoji="0" lang="en-US" altLang="en-US" sz="1200" b="0" i="0" u="none" strike="noStrike" cap="none" normalizeH="0" baseline="0" dirty="0">
                 <a:ln>
                   <a:noFill/>
                 </a:ln>
@@ -17003,7 +16836,7 @@
               <a:t> </a:t>
             </a:r>
             <a:r>
-              <a:rPr kumimoji="0" lang="en-US" altLang="en-US" sz="900" b="0" i="0" u="none" strike="noStrike" cap="none" normalizeH="0" baseline="0" dirty="0" smtClean="0">
+              <a:rPr kumimoji="0" lang="en-US" altLang="en-US" sz="900" b="0" i="0" u="none" strike="noStrike" cap="none" normalizeH="0" baseline="0" dirty="0">
                 <a:ln>
                   <a:noFill/>
                 </a:ln>
@@ -17017,7 +16850,7 @@
               <a:t>is the Q component of the j-</a:t>
             </a:r>
             <a:r>
-              <a:rPr kumimoji="0" lang="en-US" altLang="en-US" sz="900" b="0" i="0" u="none" strike="noStrike" cap="none" normalizeH="0" baseline="0" dirty="0" err="1" smtClean="0">
+              <a:rPr kumimoji="0" lang="en-US" altLang="en-US" sz="900" b="0" i="0" u="none" strike="noStrike" cap="none" normalizeH="0" baseline="0" dirty="0" err="1">
                 <a:ln>
                   <a:noFill/>
                 </a:ln>
@@ -17031,7 +16864,7 @@
               <a:t>th</a:t>
             </a:r>
             <a:r>
-              <a:rPr kumimoji="0" lang="en-US" altLang="en-US" sz="900" b="0" i="0" u="none" strike="noStrike" cap="none" normalizeH="0" baseline="0" dirty="0" smtClean="0">
+              <a:rPr kumimoji="0" lang="en-US" altLang="en-US" sz="900" b="0" i="0" u="none" strike="noStrike" cap="none" normalizeH="0" baseline="0" dirty="0">
                 <a:ln>
                   <a:noFill/>
                 </a:ln>
@@ -17044,20 +16877,8 @@
               </a:rPr>
               <a:t> symbol received,</a:t>
             </a:r>
-            <a:r>
-              <a:rPr kumimoji="0" lang="en-US" altLang="en-US" sz="600" b="0" i="0" u="none" strike="noStrike" cap="none" normalizeH="0" baseline="0" dirty="0" smtClean="0">
-                <a:ln>
-                  <a:noFill/>
-                </a:ln>
-                <a:solidFill>
-                  <a:schemeClr val="tx1"/>
-                </a:solidFill>
-                <a:effectLst/>
-              </a:rPr>
-              <a:t/>
-            </a:r>
             <a:br>
-              <a:rPr kumimoji="0" lang="en-US" altLang="en-US" sz="600" b="0" i="0" u="none" strike="noStrike" cap="none" normalizeH="0" baseline="0" dirty="0" smtClean="0">
+              <a:rPr kumimoji="0" lang="en-US" altLang="en-US" sz="600" b="0" i="0" u="none" strike="noStrike" cap="none" normalizeH="0" baseline="0" dirty="0">
                 <a:ln>
                   <a:noFill/>
                 </a:ln>
@@ -17068,7 +16889,7 @@
               </a:rPr>
             </a:br>
             <a:r>
-              <a:rPr kumimoji="0" lang="en-US" altLang="en-US" sz="1800" b="0" i="0" u="none" strike="noStrike" cap="none" normalizeH="0" baseline="0" dirty="0" smtClean="0">
+              <a:rPr kumimoji="0" lang="en-US" altLang="en-US" sz="1800" b="0" i="0" u="none" strike="noStrike" cap="none" normalizeH="0" baseline="0" dirty="0">
                 <a:ln>
                   <a:noFill/>
                 </a:ln>
@@ -17081,7 +16902,7 @@
               <a:t>  </a:t>
             </a:r>
             <a:r>
-              <a:rPr kumimoji="0" lang="en-US" altLang="en-US" sz="1300" b="0" i="0" u="none" strike="noStrike" cap="none" normalizeH="0" baseline="0" dirty="0" smtClean="0">
+              <a:rPr kumimoji="0" lang="en-US" altLang="en-US" sz="1300" b="0" i="0" u="none" strike="noStrike" cap="none" normalizeH="0" baseline="0" dirty="0">
                 <a:ln>
                   <a:noFill/>
                 </a:ln>
@@ -17095,7 +16916,7 @@
               <a:t> </a:t>
             </a:r>
             <a:r>
-              <a:rPr kumimoji="0" lang="en-US" altLang="en-US" sz="900" b="0" i="0" u="none" strike="noStrike" cap="none" normalizeH="0" baseline="0" dirty="0" smtClean="0">
+              <a:rPr kumimoji="0" lang="en-US" altLang="en-US" sz="900" b="0" i="0" u="none" strike="noStrike" cap="none" normalizeH="0" baseline="0" dirty="0">
                 <a:ln>
                   <a:noFill/>
                 </a:ln>
@@ -17109,7 +16930,7 @@
               <a:t>is the ideal I component of the j-</a:t>
             </a:r>
             <a:r>
-              <a:rPr kumimoji="0" lang="en-US" altLang="en-US" sz="900" b="0" i="0" u="none" strike="noStrike" cap="none" normalizeH="0" baseline="0" dirty="0" err="1" smtClean="0">
+              <a:rPr kumimoji="0" lang="en-US" altLang="en-US" sz="900" b="0" i="0" u="none" strike="noStrike" cap="none" normalizeH="0" baseline="0" dirty="0" err="1">
                 <a:ln>
                   <a:noFill/>
                 </a:ln>
@@ -17123,7 +16944,7 @@
               <a:t>th</a:t>
             </a:r>
             <a:r>
-              <a:rPr kumimoji="0" lang="en-US" altLang="en-US" sz="900" b="0" i="0" u="none" strike="noStrike" cap="none" normalizeH="0" baseline="0" dirty="0" smtClean="0">
+              <a:rPr kumimoji="0" lang="en-US" altLang="en-US" sz="900" b="0" i="0" u="none" strike="noStrike" cap="none" normalizeH="0" baseline="0" dirty="0">
                 <a:ln>
                   <a:noFill/>
                 </a:ln>
@@ -17136,20 +16957,8 @@
               </a:rPr>
               <a:t> symbol received,</a:t>
             </a:r>
-            <a:r>
-              <a:rPr kumimoji="0" lang="en-US" altLang="en-US" sz="600" b="0" i="0" u="none" strike="noStrike" cap="none" normalizeH="0" baseline="0" dirty="0" smtClean="0">
-                <a:ln>
-                  <a:noFill/>
-                </a:ln>
-                <a:solidFill>
-                  <a:schemeClr val="tx1"/>
-                </a:solidFill>
-                <a:effectLst/>
-              </a:rPr>
-              <a:t/>
-            </a:r>
             <a:br>
-              <a:rPr kumimoji="0" lang="en-US" altLang="en-US" sz="600" b="0" i="0" u="none" strike="noStrike" cap="none" normalizeH="0" baseline="0" dirty="0" smtClean="0">
+              <a:rPr kumimoji="0" lang="en-US" altLang="en-US" sz="600" b="0" i="0" u="none" strike="noStrike" cap="none" normalizeH="0" baseline="0" dirty="0">
                 <a:ln>
                   <a:noFill/>
                 </a:ln>
@@ -17160,7 +16969,7 @@
               </a:rPr>
             </a:br>
             <a:r>
-              <a:rPr kumimoji="0" lang="en-US" altLang="en-US" sz="1800" b="0" i="0" u="none" strike="noStrike" cap="none" normalizeH="0" baseline="0" dirty="0" smtClean="0">
+              <a:rPr kumimoji="0" lang="en-US" altLang="en-US" sz="1800" b="0" i="0" u="none" strike="noStrike" cap="none" normalizeH="0" baseline="0" dirty="0">
                 <a:ln>
                   <a:noFill/>
                 </a:ln>
@@ -17173,7 +16982,7 @@
               <a:t>  </a:t>
             </a:r>
             <a:r>
-              <a:rPr kumimoji="0" lang="en-US" altLang="en-US" sz="1300" b="0" i="0" u="none" strike="noStrike" cap="none" normalizeH="0" baseline="0" dirty="0" smtClean="0">
+              <a:rPr kumimoji="0" lang="en-US" altLang="en-US" sz="1300" b="0" i="0" u="none" strike="noStrike" cap="none" normalizeH="0" baseline="0" dirty="0">
                 <a:ln>
                   <a:noFill/>
                 </a:ln>
@@ -17187,7 +16996,7 @@
               <a:t> </a:t>
             </a:r>
             <a:r>
-              <a:rPr kumimoji="0" lang="en-US" altLang="en-US" sz="900" b="0" i="0" u="none" strike="noStrike" cap="none" normalizeH="0" baseline="0" dirty="0" smtClean="0">
+              <a:rPr kumimoji="0" lang="en-US" altLang="en-US" sz="900" b="0" i="0" u="none" strike="noStrike" cap="none" normalizeH="0" baseline="0" dirty="0">
                 <a:ln>
                   <a:noFill/>
                 </a:ln>
@@ -17201,7 +17010,7 @@
               <a:t>is the ideal Q component of the j-</a:t>
             </a:r>
             <a:r>
-              <a:rPr kumimoji="0" lang="en-US" altLang="en-US" sz="900" b="0" i="0" u="none" strike="noStrike" cap="none" normalizeH="0" baseline="0" dirty="0" err="1" smtClean="0">
+              <a:rPr kumimoji="0" lang="en-US" altLang="en-US" sz="900" b="0" i="0" u="none" strike="noStrike" cap="none" normalizeH="0" baseline="0" dirty="0" err="1">
                 <a:ln>
                   <a:noFill/>
                 </a:ln>
@@ -17215,7 +17024,7 @@
               <a:t>th</a:t>
             </a:r>
             <a:r>
-              <a:rPr kumimoji="0" lang="en-US" altLang="en-US" sz="900" b="0" i="0" u="none" strike="noStrike" cap="none" normalizeH="0" baseline="0" dirty="0" smtClean="0">
+              <a:rPr kumimoji="0" lang="en-US" altLang="en-US" sz="900" b="0" i="0" u="none" strike="noStrike" cap="none" normalizeH="0" baseline="0" dirty="0">
                 <a:ln>
                   <a:noFill/>
                 </a:ln>
@@ -17229,7 +17038,7 @@
               <a:t> symbol received.</a:t>
             </a:r>
             <a:r>
-              <a:rPr kumimoji="0" lang="en-US" altLang="en-US" sz="600" b="0" i="0" u="none" strike="noStrike" cap="none" normalizeH="0" baseline="0" dirty="0" smtClean="0">
+              <a:rPr kumimoji="0" lang="en-US" altLang="en-US" sz="600" b="0" i="0" u="none" strike="noStrike" cap="none" normalizeH="0" baseline="0" dirty="0">
                 <a:ln>
                   <a:noFill/>
                 </a:ln>
@@ -17240,7 +17049,7 @@
               </a:rPr>
               <a:t> </a:t>
             </a:r>
-            <a:endParaRPr kumimoji="0" lang="en-US" altLang="en-US" sz="1800" b="0" i="0" u="none" strike="noStrike" cap="none" normalizeH="0" baseline="0" dirty="0" smtClean="0">
+            <a:endParaRPr kumimoji="0" lang="en-US" altLang="en-US" sz="1800" b="0" i="0" u="none" strike="noStrike" cap="none" normalizeH="0" baseline="0" dirty="0">
               <a:ln>
                 <a:noFill/>
               </a:ln>
@@ -17445,18 +17254,9 @@
                 </a:solidFill>
                 <a:hlinkClick r:id="rId7"/>
               </a:rPr>
-              <a:t>http://www.ni.com/white-paper/3652/en</a:t>
+              <a:t>http://www.ni.com/white-paper/3652/en/</a:t>
             </a:r>
-            <a:r>
-              <a:rPr lang="en-US" sz="800" dirty="0" smtClean="0">
-                <a:solidFill>
-                  <a:srgbClr val="000000"/>
-                </a:solidFill>
-                <a:hlinkClick r:id="rId7"/>
-              </a:rPr>
-              <a:t>/</a:t>
-            </a:r>
-            <a:endParaRPr lang="en-US" sz="800" dirty="0" smtClean="0">
+            <a:endParaRPr lang="en-US" sz="800" dirty="0">
               <a:solidFill>
                 <a:srgbClr val="000000"/>
               </a:solidFill>
@@ -17525,13 +17325,6 @@
   <p:clrMapOvr>
     <a:masterClrMapping/>
   </p:clrMapOvr>
-  <p:timing>
-    <p:tnLst>
-      <p:par>
-        <p:cTn id="1" dur="indefinite" restart="never" nodeType="tmRoot"/>
-      </p:par>
-    </p:tnLst>
-  </p:timing>
 </p:sld>
 </file>
 
@@ -17575,10 +17368,9 @@
           <a:lstStyle/>
           <a:p>
             <a:r>
-              <a:rPr lang="en-US" dirty="0" smtClean="0"/>
+              <a:rPr lang="en-US" dirty="0"/>
               <a:t>IQ (Quadrature) Modulator Example</a:t>
             </a:r>
-            <a:endParaRPr lang="en-US" dirty="0"/>
           </a:p>
         </p:txBody>
       </p:sp>
@@ -17604,13 +17396,8 @@
           <a:p>
             <a:r>
               <a:rPr lang="en-US" dirty="0"/>
-              <a:t>Texas Instruments </a:t>
+              <a:t>Texas Instruments TRF370417 50 MHz – 6 GHz Quadrature Modulator IC</a:t>
             </a:r>
-            <a:r>
-              <a:rPr lang="en-US" dirty="0" smtClean="0"/>
-              <a:t>TRF370417 50 MHz – 6 GHz Quadrature Modulator IC</a:t>
-            </a:r>
-            <a:endParaRPr lang="en-US" dirty="0"/>
           </a:p>
         </p:txBody>
       </p:sp>
@@ -17713,13 +17500,6 @@
   <p:clrMapOvr>
     <a:masterClrMapping/>
   </p:clrMapOvr>
-  <p:timing>
-    <p:tnLst>
-      <p:par>
-        <p:cTn id="1" dur="indefinite" restart="never" nodeType="tmRoot"/>
-      </p:par>
-    </p:tnLst>
-  </p:timing>
 </p:sld>
 </file>
 
@@ -17758,10 +17538,9 @@
           <a:lstStyle/>
           <a:p>
             <a:r>
-              <a:rPr lang="en-US" dirty="0" smtClean="0"/>
+              <a:rPr lang="en-US" dirty="0"/>
               <a:t>Modulation</a:t>
             </a:r>
-            <a:endParaRPr lang="en-US" dirty="0"/>
           </a:p>
         </p:txBody>
       </p:sp>
@@ -17789,44 +17568,43 @@
           <a:lstStyle/>
           <a:p>
             <a:r>
-              <a:rPr lang="en-US" dirty="0" smtClean="0"/>
+              <a:rPr lang="en-US" dirty="0"/>
               <a:t> Encode low frequency information onto a high frequency carrier</a:t>
             </a:r>
           </a:p>
           <a:p>
             <a:pPr lvl="1"/>
             <a:r>
-              <a:rPr lang="en-US" dirty="0" smtClean="0"/>
+              <a:rPr lang="en-US" dirty="0"/>
               <a:t>Both analog and digital</a:t>
             </a:r>
           </a:p>
           <a:p>
             <a:pPr lvl="1"/>
             <a:r>
-              <a:rPr lang="en-US" dirty="0" smtClean="0"/>
+              <a:rPr lang="en-US" dirty="0"/>
               <a:t>Need to consider signal quality (analog) or error rate (digital) in the presence of noise, efficient utilization of frequency bandwidth, efficient utilization of power</a:t>
             </a:r>
           </a:p>
           <a:p>
             <a:r>
-              <a:rPr lang="en-US" dirty="0" smtClean="0"/>
+              <a:rPr lang="en-US" dirty="0"/>
               <a:t>There are two independent variables in a cosine (or sine) carrier</a:t>
             </a:r>
           </a:p>
           <a:p>
             <a:pPr lvl="1"/>
             <a:r>
-              <a:rPr lang="en-US" dirty="0" smtClean="0"/>
+              <a:rPr lang="en-US" dirty="0"/>
               <a:t>Amplitude </a:t>
             </a:r>
           </a:p>
           <a:p>
             <a:pPr lvl="1"/>
             <a:r>
-              <a:rPr lang="en-US" dirty="0" smtClean="0"/>
+              <a:rPr lang="en-US" dirty="0"/>
               <a:t>Phase (Frequency is the derivative of phase!)</a:t>
             </a:r>
-            <a:endParaRPr lang="en-US" dirty="0"/>
           </a:p>
         </p:txBody>
       </p:sp>
@@ -17853,7 +17631,7 @@
           <a:lstStyle/>
           <a:p>
             <a:r>
-              <a:rPr lang="en-US" sz="1800" b="1" dirty="0" smtClean="0">
+              <a:rPr lang="en-US" sz="1800" b="1" dirty="0">
                 <a:solidFill>
                   <a:srgbClr val="FF0000"/>
                 </a:solidFill>
@@ -17996,7 +17774,7 @@
               <a:buNone/>
               <a:tabLst/>
             </a:pPr>
-            <a:endParaRPr kumimoji="0" lang="en-US" sz="2400" b="0" i="0" u="none" strike="noStrike" cap="none" normalizeH="0" baseline="0" smtClean="0">
+            <a:endParaRPr kumimoji="0" lang="en-US" sz="2400" b="0" i="0" u="none" strike="noStrike" cap="none" normalizeH="0" baseline="0">
               <a:ln>
                 <a:noFill/>
               </a:ln>
@@ -18059,7 +17837,7 @@
               <a:buNone/>
               <a:tabLst/>
             </a:pPr>
-            <a:endParaRPr kumimoji="0" lang="en-US" sz="2400" b="0" i="0" u="none" strike="noStrike" cap="none" normalizeH="0" baseline="0" smtClean="0">
+            <a:endParaRPr kumimoji="0" lang="en-US" sz="2400" b="0" i="0" u="none" strike="noStrike" cap="none" normalizeH="0" baseline="0">
               <a:ln>
                 <a:noFill/>
               </a:ln>
@@ -18122,7 +17900,7 @@
               <a:buNone/>
               <a:tabLst/>
             </a:pPr>
-            <a:endParaRPr kumimoji="0" lang="en-US" sz="2400" b="0" i="0" u="none" strike="noStrike" cap="none" normalizeH="0" baseline="0" smtClean="0">
+            <a:endParaRPr kumimoji="0" lang="en-US" sz="2400" b="0" i="0" u="none" strike="noStrike" cap="none" normalizeH="0" baseline="0">
               <a:ln>
                 <a:noFill/>
               </a:ln>
@@ -18157,7 +17935,7 @@
           <a:lstStyle/>
           <a:p>
             <a:r>
-              <a:rPr lang="en-US" sz="900" dirty="0" smtClean="0">
+              <a:rPr lang="en-US" sz="900" dirty="0">
                 <a:hlinkClick r:id="rId3"/>
               </a:rPr>
               <a:t>http://www.studyvilla.com/modultn.aspx</a:t>
@@ -18326,7 +18104,7 @@
           <a:lstStyle/>
           <a:p>
             <a:r>
-              <a:rPr lang="en-US" sz="2000" dirty="0" smtClean="0">
+              <a:rPr lang="en-US" sz="2000" dirty="0">
                 <a:solidFill>
                   <a:srgbClr val="0070C0"/>
                 </a:solidFill>
@@ -18944,10 +18722,9 @@
           <a:lstStyle/>
           <a:p>
             <a:r>
-              <a:rPr lang="en-US" dirty="0" smtClean="0"/>
+              <a:rPr lang="en-US" dirty="0"/>
               <a:t>IQ (Quadrature) Modulator Example</a:t>
             </a:r>
-            <a:endParaRPr lang="en-US" dirty="0"/>
           </a:p>
         </p:txBody>
       </p:sp>
@@ -18973,21 +18750,8 @@
           <a:p>
             <a:r>
               <a:rPr lang="en-US" dirty="0"/>
-              <a:t>Texas Instruments TRF371135 </a:t>
+              <a:t>Texas Instruments TRF371135 1.7– 6 GHz Quadrature Demodulator IC (direct down-conversion receiver)</a:t>
             </a:r>
-            <a:r>
-              <a:rPr lang="en-US" dirty="0" smtClean="0"/>
-              <a:t>1.7– </a:t>
-            </a:r>
-            <a:r>
-              <a:rPr lang="en-US" dirty="0"/>
-              <a:t>6 GHz Quadrature </a:t>
-            </a:r>
-            <a:r>
-              <a:rPr lang="en-US" dirty="0" smtClean="0"/>
-              <a:t>Demodulator IC (direct down-conversion receiver)</a:t>
-            </a:r>
-            <a:endParaRPr lang="en-US" dirty="0"/>
           </a:p>
         </p:txBody>
       </p:sp>
@@ -19130,7 +18894,7 @@
               <a:buNone/>
               <a:tabLst/>
             </a:pPr>
-            <a:endParaRPr kumimoji="0" lang="en-US" sz="2400" b="0" i="0" u="none" strike="noStrike" cap="none" normalizeH="0" baseline="0" smtClean="0">
+            <a:endParaRPr kumimoji="0" lang="en-US" sz="2400" b="0" i="0" u="none" strike="noStrike" cap="none" normalizeH="0" baseline="0">
               <a:ln>
                 <a:noFill/>
               </a:ln>
@@ -19166,7 +18930,7 @@
           <a:lstStyle/>
           <a:p>
             <a:r>
-              <a:rPr lang="en-US" dirty="0" smtClean="0">
+              <a:rPr lang="en-US" dirty="0">
                 <a:solidFill>
                   <a:srgbClr val="0070C0"/>
                 </a:solidFill>
@@ -19201,7 +18965,7 @@
           <a:lstStyle/>
           <a:p>
             <a:r>
-              <a:rPr lang="en-US" dirty="0" smtClean="0">
+              <a:rPr lang="en-US" dirty="0">
                 <a:solidFill>
                   <a:srgbClr val="0070C0"/>
                 </a:solidFill>
@@ -19263,7 +19027,7 @@
               <a:buNone/>
               <a:tabLst/>
             </a:pPr>
-            <a:endParaRPr kumimoji="0" lang="en-US" sz="2400" b="0" i="0" u="none" strike="noStrike" cap="none" normalizeH="0" baseline="0" smtClean="0">
+            <a:endParaRPr kumimoji="0" lang="en-US" sz="2400" b="0" i="0" u="none" strike="noStrike" cap="none" normalizeH="0" baseline="0">
               <a:ln>
                 <a:noFill/>
               </a:ln>
@@ -19326,7 +19090,7 @@
               <a:buNone/>
               <a:tabLst/>
             </a:pPr>
-            <a:endParaRPr kumimoji="0" lang="en-US" sz="2400" b="0" i="0" u="none" strike="noStrike" cap="none" normalizeH="0" baseline="0" smtClean="0">
+            <a:endParaRPr kumimoji="0" lang="en-US" sz="2400" b="0" i="0" u="none" strike="noStrike" cap="none" normalizeH="0" baseline="0">
               <a:ln>
                 <a:noFill/>
               </a:ln>
@@ -19364,7 +19128,7 @@
           <a:lstStyle/>
           <a:p>
             <a:r>
-              <a:rPr lang="en-US" sz="1800" dirty="0" smtClean="0">
+              <a:rPr lang="en-US" sz="1800" dirty="0">
                 <a:solidFill>
                   <a:srgbClr val="0070C0"/>
                 </a:solidFill>
@@ -19376,7 +19140,7 @@
           </a:p>
           <a:p>
             <a:r>
-              <a:rPr lang="en-US" sz="1800" dirty="0" smtClean="0">
+              <a:rPr lang="en-US" sz="1800" dirty="0">
                 <a:solidFill>
                   <a:srgbClr val="0070C0"/>
                 </a:solidFill>
@@ -19438,7 +19202,7 @@
               <a:buNone/>
               <a:tabLst/>
             </a:pPr>
-            <a:endParaRPr kumimoji="0" lang="en-US" sz="2400" b="0" i="0" u="none" strike="noStrike" cap="none" normalizeH="0" baseline="0" smtClean="0">
+            <a:endParaRPr kumimoji="0" lang="en-US" sz="2400" b="0" i="0" u="none" strike="noStrike" cap="none" normalizeH="0" baseline="0">
               <a:ln>
                 <a:noFill/>
               </a:ln>
@@ -19476,7 +19240,7 @@
           <a:lstStyle/>
           <a:p>
             <a:r>
-              <a:rPr lang="en-US" sz="1800" dirty="0" smtClean="0">
+              <a:rPr lang="en-US" sz="1800" dirty="0">
                 <a:solidFill>
                   <a:srgbClr val="0070C0"/>
                 </a:solidFill>
@@ -19488,7 +19252,7 @@
           </a:p>
           <a:p>
             <a:r>
-              <a:rPr lang="en-US" sz="1800" dirty="0" smtClean="0">
+              <a:rPr lang="en-US" sz="1800" dirty="0">
                 <a:solidFill>
                   <a:srgbClr val="0070C0"/>
                 </a:solidFill>
@@ -19525,7 +19289,7 @@
           <a:lstStyle/>
           <a:p>
             <a:r>
-              <a:rPr lang="en-US" sz="1800" dirty="0" smtClean="0">
+              <a:rPr lang="en-US" sz="1800" dirty="0">
                 <a:solidFill>
                   <a:srgbClr val="0070C0"/>
                 </a:solidFill>
@@ -19537,7 +19301,7 @@
           </a:p>
           <a:p>
             <a:r>
-              <a:rPr lang="en-US" sz="1800" dirty="0" smtClean="0">
+              <a:rPr lang="en-US" sz="1800" dirty="0">
                 <a:solidFill>
                   <a:srgbClr val="0070C0"/>
                 </a:solidFill>
@@ -19596,13 +19360,6 @@
   <p:clrMapOvr>
     <a:masterClrMapping/>
   </p:clrMapOvr>
-  <p:timing>
-    <p:tnLst>
-      <p:par>
-        <p:cTn id="1" dur="indefinite" restart="never" nodeType="tmRoot"/>
-      </p:par>
-    </p:tnLst>
-  </p:timing>
 </p:sld>
 </file>
 
@@ -19646,10 +19403,9 @@
           <a:lstStyle/>
           <a:p>
             <a:r>
-              <a:rPr lang="en-US" sz="3200" dirty="0" smtClean="0"/>
+              <a:rPr lang="en-US" sz="3200" dirty="0"/>
               <a:t>Single Side Band Modulation and Image Reject Mixers </a:t>
             </a:r>
-            <a:endParaRPr lang="en-US" sz="3200" dirty="0"/>
           </a:p>
         </p:txBody>
       </p:sp>
@@ -19669,21 +19425,21 @@
           <a:lstStyle/>
           <a:p>
             <a:r>
-              <a:rPr lang="en-US" dirty="0" smtClean="0"/>
+              <a:rPr lang="en-US" dirty="0"/>
               <a:t>The concept of quadrature modulation also finds application in two other areas</a:t>
             </a:r>
           </a:p>
           <a:p>
             <a:pPr lvl="1"/>
             <a:r>
-              <a:rPr lang="en-US" dirty="0" smtClean="0"/>
+              <a:rPr lang="en-US" dirty="0"/>
               <a:t>Single side band modulation</a:t>
             </a:r>
           </a:p>
           <a:p>
             <a:pPr lvl="1"/>
             <a:r>
-              <a:rPr lang="en-US" dirty="0" smtClean="0"/>
+              <a:rPr lang="en-US" dirty="0"/>
               <a:t>Image reject mixers</a:t>
             </a:r>
           </a:p>
@@ -19699,13 +19455,6 @@
   <p:clrMapOvr>
     <a:masterClrMapping/>
   </p:clrMapOvr>
-  <p:timing>
-    <p:tnLst>
-      <p:par>
-        <p:cTn id="1" dur="indefinite" restart="never" nodeType="tmRoot"/>
-      </p:par>
-    </p:tnLst>
-  </p:timing>
 </p:sld>
 </file>
 
@@ -19749,10 +19498,9 @@
           <a:lstStyle/>
           <a:p>
             <a:r>
-              <a:rPr lang="en-US" sz="3200" dirty="0" smtClean="0"/>
+              <a:rPr lang="en-US" sz="3200" dirty="0"/>
               <a:t>Single Side Band Modulation</a:t>
             </a:r>
-            <a:endParaRPr lang="en-US" sz="3200" dirty="0"/>
           </a:p>
         </p:txBody>
       </p:sp>
@@ -19772,36 +19520,36 @@
           <a:lstStyle/>
           <a:p>
             <a:r>
-              <a:rPr lang="en-US" dirty="0" smtClean="0"/>
+              <a:rPr lang="en-US" dirty="0"/>
               <a:t>Consider a simple AM modulator with a mixer </a:t>
             </a:r>
           </a:p>
           <a:p>
             <a:pPr lvl="1"/>
             <a:r>
-              <a:rPr lang="en-US" dirty="0" smtClean="0"/>
+              <a:rPr lang="en-US" dirty="0"/>
               <a:t>There are two sidebands with identical information: not very efficient use of spectrum</a:t>
             </a:r>
           </a:p>
           <a:p>
             <a:pPr lvl="1"/>
             <a:r>
-              <a:rPr lang="en-US" dirty="0" smtClean="0"/>
+              <a:rPr lang="en-US" dirty="0"/>
               <a:t>Ideally you just want to transmit one sideband because it has all the information</a:t>
             </a:r>
           </a:p>
           <a:p>
             <a:pPr lvl="1"/>
             <a:r>
-              <a:rPr lang="en-US" dirty="0" smtClean="0"/>
+              <a:rPr lang="en-US" dirty="0"/>
               <a:t>You can filter the other sideband but sometimes this would require a very sharp (and therefore </a:t>
             </a:r>
             <a:r>
-              <a:rPr lang="en-US" dirty="0" err="1" smtClean="0"/>
+              <a:rPr lang="en-US" dirty="0" err="1"/>
               <a:t>lossy</a:t>
             </a:r>
             <a:r>
-              <a:rPr lang="en-US" dirty="0" smtClean="0"/>
+              <a:rPr lang="en-US" dirty="0"/>
               <a:t>) filter</a:t>
             </a:r>
           </a:p>
@@ -19878,7 +19626,7 @@
           <a:lstStyle/>
           <a:p>
             <a:r>
-              <a:rPr lang="en-US" sz="800" dirty="0" smtClean="0">
+              <a:rPr lang="en-US" sz="800" dirty="0">
                 <a:solidFill>
                   <a:srgbClr val="000000"/>
                 </a:solidFill>
@@ -19888,7 +19636,7 @@
               <a:t>B. </a:t>
             </a:r>
             <a:r>
-              <a:rPr lang="en-US" sz="800" dirty="0" err="1" smtClean="0">
+              <a:rPr lang="en-US" sz="800" dirty="0" err="1">
                 <a:solidFill>
                   <a:srgbClr val="000000"/>
                 </a:solidFill>
@@ -19898,7 +19646,7 @@
               <a:t>Razavi</a:t>
             </a:r>
             <a:r>
-              <a:rPr lang="en-US" sz="800" dirty="0" smtClean="0">
+              <a:rPr lang="en-US" sz="800" dirty="0">
                 <a:solidFill>
                   <a:srgbClr val="000000"/>
                 </a:solidFill>
@@ -19920,13 +19668,6 @@
   <p:clrMapOvr>
     <a:masterClrMapping/>
   </p:clrMapOvr>
-  <p:timing>
-    <p:tnLst>
-      <p:par>
-        <p:cTn id="1" dur="indefinite" restart="never" nodeType="tmRoot"/>
-      </p:par>
-    </p:tnLst>
-  </p:timing>
 </p:sld>
 </file>
 
@@ -20054,7 +19795,7 @@
                 <a:buNone/>
                 <a:tabLst/>
               </a:pPr>
-              <a:endParaRPr kumimoji="0" lang="en-US" sz="900" b="1" i="0" u="none" strike="noStrike" cap="none" normalizeH="0" baseline="0" smtClean="0">
+              <a:endParaRPr kumimoji="0" lang="en-US" sz="900" b="1" i="0" u="none" strike="noStrike" cap="none" normalizeH="0" baseline="0">
                 <a:ln>
                   <a:noFill/>
                 </a:ln>
@@ -20249,7 +19990,7 @@
               <a:p>
                 <a:pPr algn="ctr"/>
                 <a:r>
-                  <a:rPr lang="en-US" dirty="0" smtClean="0">
+                  <a:rPr lang="en-US" dirty="0">
                     <a:solidFill>
                       <a:srgbClr val="000000"/>
                     </a:solidFill>
@@ -20340,7 +20081,7 @@
                     </m:oMath>
                   </m:oMathPara>
                 </a14:m>
-                <a:endParaRPr lang="en-US" dirty="0" smtClean="0">
+                <a:endParaRPr lang="en-US" dirty="0">
                   <a:solidFill>
                     <a:srgbClr val="000000"/>
                   </a:solidFill>
@@ -20665,7 +20406,7 @@
               <a:tabLst/>
             </a:pPr>
             <a:r>
-              <a:rPr kumimoji="0" lang="el-GR" sz="4500" b="1" i="0" u="none" strike="noStrike" cap="none" normalizeH="0" baseline="0" dirty="0" smtClean="0">
+              <a:rPr kumimoji="0" lang="el-GR" sz="4500" b="1" i="0" u="none" strike="noStrike" cap="none" normalizeH="0" baseline="0" dirty="0">
                 <a:ln>
                   <a:noFill/>
                 </a:ln>
@@ -20678,7 +20419,7 @@
               </a:rPr>
               <a:t>Σ</a:t>
             </a:r>
-            <a:endParaRPr kumimoji="0" lang="en-US" sz="4500" b="1" i="0" u="none" strike="noStrike" cap="none" normalizeH="0" baseline="0" dirty="0" smtClean="0">
+            <a:endParaRPr kumimoji="0" lang="en-US" sz="4500" b="1" i="0" u="none" strike="noStrike" cap="none" normalizeH="0" baseline="0" dirty="0">
               <a:ln>
                 <a:noFill/>
               </a:ln>
@@ -20788,7 +20529,7 @@
           <a:graphicData uri="http://schemas.openxmlformats.org/presentationml/2006/ole">
             <mc:AlternateContent xmlns:mc="http://schemas.openxmlformats.org/markup-compatibility/2006">
               <mc:Choice xmlns:v="urn:schemas-microsoft-com:vml" Requires="v">
-                <p:oleObj spid="_x0000_s12312" name="Equation" r:id="rId4" imgW="457200" imgH="228600" progId="">
+                <p:oleObj spid="_x0000_s12314" name="Equation" r:id="rId4" imgW="457200" imgH="228600" progId="">
                   <p:embed/>
                 </p:oleObj>
               </mc:Choice>
@@ -20982,7 +20723,7 @@
                 <a:buNone/>
                 <a:tabLst/>
               </a:pPr>
-              <a:endParaRPr kumimoji="0" lang="en-US" sz="900" b="1" i="0" u="none" strike="noStrike" cap="none" normalizeH="0" baseline="0" smtClean="0">
+              <a:endParaRPr kumimoji="0" lang="en-US" sz="900" b="1" i="0" u="none" strike="noStrike" cap="none" normalizeH="0" baseline="0">
                 <a:ln>
                   <a:noFill/>
                 </a:ln>
@@ -21270,7 +21011,7 @@
                 <a:buNone/>
                 <a:tabLst/>
               </a:pPr>
-              <a:endParaRPr kumimoji="0" lang="en-US" sz="900" b="1" i="0" u="none" strike="noStrike" cap="none" normalizeH="0" baseline="0" smtClean="0">
+              <a:endParaRPr kumimoji="0" lang="en-US" sz="900" b="1" i="0" u="none" strike="noStrike" cap="none" normalizeH="0" baseline="0">
                 <a:ln>
                   <a:noFill/>
                 </a:ln>
@@ -21529,7 +21270,7 @@
               <a:tabLst/>
             </a:pPr>
             <a:r>
-              <a:rPr kumimoji="0" lang="en-US" sz="2400" b="1" i="0" u="none" strike="noStrike" cap="none" normalizeH="0" baseline="0" dirty="0" smtClean="0">
+              <a:rPr kumimoji="0" lang="en-US" sz="2400" b="1" i="0" u="none" strike="noStrike" cap="none" normalizeH="0" baseline="0" dirty="0">
                 <a:ln>
                   <a:noFill/>
                 </a:ln>
@@ -21544,7 +21285,7 @@
               <a:t>-90</a:t>
             </a:r>
             <a:r>
-              <a:rPr kumimoji="0" lang="en-US" sz="2400" b="1" i="0" u="none" strike="noStrike" cap="none" normalizeH="0" baseline="0" dirty="0" smtClean="0">
+              <a:rPr kumimoji="0" lang="en-US" sz="2400" b="1" i="0" u="none" strike="noStrike" cap="none" normalizeH="0" baseline="0" dirty="0">
                 <a:ln>
                   <a:noFill/>
                 </a:ln>
@@ -21558,7 +21299,7 @@
               </a:rPr>
               <a:t>°</a:t>
             </a:r>
-            <a:endParaRPr kumimoji="0" lang="en-US" sz="2400" b="1" i="0" u="none" strike="noStrike" cap="none" normalizeH="0" baseline="0" dirty="0" smtClean="0">
+            <a:endParaRPr kumimoji="0" lang="en-US" sz="2400" b="1" i="0" u="none" strike="noStrike" cap="none" normalizeH="0" baseline="0" dirty="0">
               <a:ln>
                 <a:noFill/>
               </a:ln>
@@ -21595,7 +21336,7 @@
           <a:graphicData uri="http://schemas.openxmlformats.org/presentationml/2006/ole">
             <mc:AlternateContent xmlns:mc="http://schemas.openxmlformats.org/markup-compatibility/2006">
               <mc:Choice xmlns:v="urn:schemas-microsoft-com:vml" Requires="v">
-                <p:oleObj spid="_x0000_s12313" name="Equation" r:id="rId6" imgW="545760" imgH="228600" progId="">
+                <p:oleObj spid="_x0000_s12315" name="Equation" r:id="rId6" imgW="545760" imgH="228600" progId="">
                   <p:embed/>
                 </p:oleObj>
               </mc:Choice>
@@ -22134,7 +21875,7 @@
                     </m:oMath>
                   </m:oMathPara>
                 </a14:m>
-                <a:endParaRPr lang="en-US" dirty="0" smtClean="0">
+                <a:endParaRPr lang="en-US" dirty="0">
                   <a:solidFill>
                     <a:schemeClr val="bg1"/>
                   </a:solidFill>
@@ -22236,7 +21977,7 @@
               <a:tabLst/>
             </a:pPr>
             <a:r>
-              <a:rPr kumimoji="0" lang="en-US" sz="2400" b="1" i="0" u="none" strike="noStrike" cap="none" normalizeH="0" baseline="0" dirty="0" smtClean="0">
+              <a:rPr kumimoji="0" lang="en-US" sz="2400" b="1" i="0" u="none" strike="noStrike" cap="none" normalizeH="0" baseline="0" dirty="0">
                 <a:ln>
                   <a:noFill/>
                 </a:ln>
@@ -22251,7 +21992,7 @@
               <a:t>90</a:t>
             </a:r>
             <a:r>
-              <a:rPr kumimoji="0" lang="en-US" sz="2400" b="1" i="0" u="none" strike="noStrike" cap="none" normalizeH="0" baseline="0" dirty="0" smtClean="0">
+              <a:rPr kumimoji="0" lang="en-US" sz="2400" b="1" i="0" u="none" strike="noStrike" cap="none" normalizeH="0" baseline="0" dirty="0">
                 <a:ln>
                   <a:noFill/>
                 </a:ln>
@@ -22265,7 +22006,7 @@
               </a:rPr>
               <a:t>°</a:t>
             </a:r>
-            <a:endParaRPr kumimoji="0" lang="en-US" sz="2400" b="1" i="0" u="none" strike="noStrike" cap="none" normalizeH="0" baseline="0" dirty="0" smtClean="0">
+            <a:endParaRPr kumimoji="0" lang="en-US" sz="2400" b="1" i="0" u="none" strike="noStrike" cap="none" normalizeH="0" baseline="0" dirty="0">
               <a:ln>
                 <a:noFill/>
               </a:ln>
@@ -22290,13 +22031,6 @@
   <p:clrMapOvr>
     <a:masterClrMapping/>
   </p:clrMapOvr>
-  <p:timing>
-    <p:tnLst>
-      <p:par>
-        <p:cTn id="1" dur="indefinite" restart="never" nodeType="tmRoot"/>
-      </p:par>
-    </p:tnLst>
-  </p:timing>
 </p:sld>
 </file>
 
@@ -22486,15 +22220,7 @@
                 </a14:m>
                 <a:r>
                   <a:rPr lang="en-US" dirty="0"/>
-                  <a:t>, we can get the </a:t>
-                </a:r>
-                <a:r>
-                  <a:rPr lang="en-US" dirty="0" smtClean="0"/>
-                  <a:t>difference </a:t>
-                </a:r>
-                <a:r>
-                  <a:rPr lang="en-US" dirty="0"/>
-                  <a:t>frequency </a:t>
+                  <a:t>, we can get the difference frequency </a:t>
                 </a:r>
               </a:p>
               <a:p>
@@ -22603,7 +22329,7 @@
                 <a:buNone/>
                 <a:tabLst/>
               </a:pPr>
-              <a:endParaRPr kumimoji="0" lang="en-US" sz="900" b="1" i="0" u="none" strike="noStrike" cap="none" normalizeH="0" baseline="0" smtClean="0">
+              <a:endParaRPr kumimoji="0" lang="en-US" sz="900" b="1" i="0" u="none" strike="noStrike" cap="none" normalizeH="0" baseline="0">
                 <a:ln>
                   <a:noFill/>
                 </a:ln>
@@ -22798,7 +22524,7 @@
               <a:p>
                 <a:pPr algn="ctr"/>
                 <a:r>
-                  <a:rPr lang="en-US" dirty="0" smtClean="0">
+                  <a:rPr lang="en-US" dirty="0">
                     <a:solidFill>
                       <a:srgbClr val="000000"/>
                     </a:solidFill>
@@ -22889,7 +22615,7 @@
                     </m:oMath>
                   </m:oMathPara>
                 </a14:m>
-                <a:endParaRPr lang="en-US" dirty="0" smtClean="0">
+                <a:endParaRPr lang="en-US" dirty="0">
                   <a:solidFill>
                     <a:srgbClr val="000000"/>
                   </a:solidFill>
@@ -23214,7 +22940,7 @@
               <a:tabLst/>
             </a:pPr>
             <a:r>
-              <a:rPr kumimoji="0" lang="el-GR" sz="4500" b="1" i="0" u="none" strike="noStrike" cap="none" normalizeH="0" baseline="0" dirty="0" smtClean="0">
+              <a:rPr kumimoji="0" lang="el-GR" sz="4500" b="1" i="0" u="none" strike="noStrike" cap="none" normalizeH="0" baseline="0" dirty="0">
                 <a:ln>
                   <a:noFill/>
                 </a:ln>
@@ -23227,7 +22953,7 @@
               </a:rPr>
               <a:t>Σ</a:t>
             </a:r>
-            <a:endParaRPr kumimoji="0" lang="en-US" sz="4500" b="1" i="0" u="none" strike="noStrike" cap="none" normalizeH="0" baseline="0" dirty="0" smtClean="0">
+            <a:endParaRPr kumimoji="0" lang="en-US" sz="4500" b="1" i="0" u="none" strike="noStrike" cap="none" normalizeH="0" baseline="0" dirty="0">
               <a:ln>
                 <a:noFill/>
               </a:ln>
@@ -23337,7 +23063,7 @@
           <a:graphicData uri="http://schemas.openxmlformats.org/presentationml/2006/ole">
             <mc:AlternateContent xmlns:mc="http://schemas.openxmlformats.org/markup-compatibility/2006">
               <mc:Choice xmlns:v="urn:schemas-microsoft-com:vml" Requires="v">
-                <p:oleObj spid="_x0000_s14356" name="Equation" r:id="rId5" imgW="457200" imgH="228600" progId="">
+                <p:oleObj spid="_x0000_s14358" name="Equation" r:id="rId5" imgW="457200" imgH="228600" progId="">
                   <p:embed/>
                 </p:oleObj>
               </mc:Choice>
@@ -23531,7 +23257,7 @@
                 <a:buNone/>
                 <a:tabLst/>
               </a:pPr>
-              <a:endParaRPr kumimoji="0" lang="en-US" sz="900" b="1" i="0" u="none" strike="noStrike" cap="none" normalizeH="0" baseline="0" smtClean="0">
+              <a:endParaRPr kumimoji="0" lang="en-US" sz="900" b="1" i="0" u="none" strike="noStrike" cap="none" normalizeH="0" baseline="0">
                 <a:ln>
                   <a:noFill/>
                 </a:ln>
@@ -23819,7 +23545,7 @@
                 <a:buNone/>
                 <a:tabLst/>
               </a:pPr>
-              <a:endParaRPr kumimoji="0" lang="en-US" sz="900" b="1" i="0" u="none" strike="noStrike" cap="none" normalizeH="0" baseline="0" smtClean="0">
+              <a:endParaRPr kumimoji="0" lang="en-US" sz="900" b="1" i="0" u="none" strike="noStrike" cap="none" normalizeH="0" baseline="0">
                 <a:ln>
                   <a:noFill/>
                 </a:ln>
@@ -24078,7 +23804,7 @@
               <a:tabLst/>
             </a:pPr>
             <a:r>
-              <a:rPr kumimoji="0" lang="en-US" sz="2400" b="1" i="0" u="none" strike="noStrike" cap="none" normalizeH="0" baseline="0" dirty="0" smtClean="0">
+              <a:rPr kumimoji="0" lang="en-US" sz="2400" b="1" i="0" u="none" strike="noStrike" cap="none" normalizeH="0" baseline="0" dirty="0">
                 <a:ln>
                   <a:noFill/>
                 </a:ln>
@@ -24093,7 +23819,7 @@
               <a:t>90</a:t>
             </a:r>
             <a:r>
-              <a:rPr kumimoji="0" lang="en-US" sz="2400" b="1" i="0" u="none" strike="noStrike" cap="none" normalizeH="0" baseline="0" dirty="0" smtClean="0">
+              <a:rPr kumimoji="0" lang="en-US" sz="2400" b="1" i="0" u="none" strike="noStrike" cap="none" normalizeH="0" baseline="0" dirty="0">
                 <a:ln>
                   <a:noFill/>
                 </a:ln>
@@ -24107,7 +23833,7 @@
               </a:rPr>
               <a:t>°</a:t>
             </a:r>
-            <a:endParaRPr kumimoji="0" lang="en-US" sz="2400" b="1" i="0" u="none" strike="noStrike" cap="none" normalizeH="0" baseline="0" dirty="0" smtClean="0">
+            <a:endParaRPr kumimoji="0" lang="en-US" sz="2400" b="1" i="0" u="none" strike="noStrike" cap="none" normalizeH="0" baseline="0" dirty="0">
               <a:ln>
                 <a:noFill/>
               </a:ln>
@@ -24144,7 +23870,7 @@
           <a:graphicData uri="http://schemas.openxmlformats.org/presentationml/2006/ole">
             <mc:AlternateContent xmlns:mc="http://schemas.openxmlformats.org/markup-compatibility/2006">
               <mc:Choice xmlns:v="urn:schemas-microsoft-com:vml" Requires="v">
-                <p:oleObj spid="_x0000_s14357" name="Equation" r:id="rId7" imgW="444240" imgH="228600" progId="Equation.DSMT4">
+                <p:oleObj spid="_x0000_s14359" name="Equation" r:id="rId7" imgW="444240" imgH="228600" progId="Equation.DSMT4">
                   <p:embed/>
                 </p:oleObj>
               </mc:Choice>
@@ -24677,7 +24403,7 @@
                     </m:oMath>
                   </m:oMathPara>
                 </a14:m>
-                <a:endParaRPr lang="en-US" dirty="0" smtClean="0">
+                <a:endParaRPr lang="en-US" dirty="0">
                   <a:solidFill>
                     <a:schemeClr val="bg1"/>
                   </a:solidFill>
@@ -24779,7 +24505,7 @@
               <a:tabLst/>
             </a:pPr>
             <a:r>
-              <a:rPr kumimoji="0" lang="en-US" sz="2400" b="1" i="0" u="none" strike="noStrike" cap="none" normalizeH="0" baseline="0" dirty="0" smtClean="0">
+              <a:rPr kumimoji="0" lang="en-US" sz="2400" b="1" i="0" u="none" strike="noStrike" cap="none" normalizeH="0" baseline="0" dirty="0">
                 <a:ln>
                   <a:noFill/>
                 </a:ln>
@@ -24794,7 +24520,7 @@
               <a:t>90</a:t>
             </a:r>
             <a:r>
-              <a:rPr kumimoji="0" lang="en-US" sz="2400" b="1" i="0" u="none" strike="noStrike" cap="none" normalizeH="0" baseline="0" dirty="0" smtClean="0">
+              <a:rPr kumimoji="0" lang="en-US" sz="2400" b="1" i="0" u="none" strike="noStrike" cap="none" normalizeH="0" baseline="0" dirty="0">
                 <a:ln>
                   <a:noFill/>
                 </a:ln>
@@ -24808,7 +24534,7 @@
               </a:rPr>
               <a:t>°</a:t>
             </a:r>
-            <a:endParaRPr kumimoji="0" lang="en-US" sz="2400" b="1" i="0" u="none" strike="noStrike" cap="none" normalizeH="0" baseline="0" dirty="0" smtClean="0">
+            <a:endParaRPr kumimoji="0" lang="en-US" sz="2400" b="1" i="0" u="none" strike="noStrike" cap="none" normalizeH="0" baseline="0" dirty="0">
               <a:ln>
                 <a:noFill/>
               </a:ln>
@@ -24833,13 +24559,6 @@
   <p:clrMapOvr>
     <a:masterClrMapping/>
   </p:clrMapOvr>
-  <p:timing>
-    <p:tnLst>
-      <p:par>
-        <p:cTn id="1" dur="indefinite" restart="never" nodeType="tmRoot"/>
-      </p:par>
-    </p:tnLst>
-  </p:timing>
 </p:sld>
 </file>
 
@@ -24903,18 +24622,16 @@
           <a:lstStyle/>
           <a:p>
             <a:r>
-              <a:rPr lang="en-US" dirty="0" smtClean="0"/>
+              <a:rPr lang="en-US" dirty="0"/>
               <a:t>Visualization in the frequency domain</a:t>
             </a:r>
-            <a:endParaRPr lang="en-US" dirty="0"/>
           </a:p>
           <a:p>
             <a:pPr lvl="1"/>
             <a:r>
-              <a:rPr lang="en-US" dirty="0" smtClean="0"/>
+              <a:rPr lang="en-US" dirty="0"/>
               <a:t>Multiplication in time domain is convolution in frequency domain</a:t>
             </a:r>
-            <a:endParaRPr lang="en-US" dirty="0"/>
           </a:p>
         </p:txBody>
       </p:sp>
@@ -25272,7 +24989,7 @@
                     </m:oMath>
                   </m:oMathPara>
                 </a14:m>
-                <a:endParaRPr lang="en-US" sz="1600" dirty="0" smtClean="0">
+                <a:endParaRPr lang="en-US" sz="1600" dirty="0">
                   <a:solidFill>
                     <a:schemeClr val="bg1"/>
                   </a:solidFill>
@@ -25387,7 +25104,7 @@
                 <a:buNone/>
                 <a:tabLst/>
               </a:pPr>
-              <a:endParaRPr kumimoji="0" lang="en-US" sz="900" b="1" i="0" u="none" strike="noStrike" cap="none" normalizeH="0" baseline="0" smtClean="0">
+              <a:endParaRPr kumimoji="0" lang="en-US" sz="900" b="1" i="0" u="none" strike="noStrike" cap="none" normalizeH="0" baseline="0">
                 <a:ln>
                   <a:noFill/>
                 </a:ln>
@@ -25581,7 +25298,7 @@
                 <a:p>
                   <a:pPr algn="ctr"/>
                   <a:r>
-                    <a:rPr lang="en-US" sz="1200" dirty="0" smtClean="0">
+                    <a:rPr lang="en-US" sz="1200" dirty="0">
                       <a:solidFill>
                         <a:srgbClr val="000000"/>
                       </a:solidFill>
@@ -25672,7 +25389,7 @@
                       </m:oMath>
                     </m:oMathPara>
                   </a14:m>
-                  <a:endParaRPr lang="en-US" sz="1200" dirty="0" smtClean="0">
+                  <a:endParaRPr lang="en-US" sz="1200" dirty="0">
                     <a:solidFill>
                       <a:srgbClr val="000000"/>
                     </a:solidFill>
@@ -25997,7 +25714,7 @@
                 <a:tabLst/>
               </a:pPr>
               <a:r>
-                <a:rPr kumimoji="0" lang="el-GR" sz="2000" b="1" i="0" u="none" strike="noStrike" cap="none" normalizeH="0" baseline="0" dirty="0" smtClean="0">
+                <a:rPr kumimoji="0" lang="el-GR" sz="2000" b="1" i="0" u="none" strike="noStrike" cap="none" normalizeH="0" baseline="0" dirty="0">
                   <a:ln>
                     <a:noFill/>
                   </a:ln>
@@ -26010,7 +25727,7 @@
                 </a:rPr>
                 <a:t>Σ</a:t>
               </a:r>
-              <a:endParaRPr kumimoji="0" lang="en-US" sz="2000" b="1" i="0" u="none" strike="noStrike" cap="none" normalizeH="0" baseline="0" dirty="0" smtClean="0">
+              <a:endParaRPr kumimoji="0" lang="en-US" sz="2000" b="1" i="0" u="none" strike="noStrike" cap="none" normalizeH="0" baseline="0" dirty="0">
                 <a:ln>
                   <a:noFill/>
                 </a:ln>
@@ -26122,7 +25839,7 @@
                 <a:graphicData uri="http://schemas.openxmlformats.org/presentationml/2006/ole">
                   <mc:AlternateContent>
                     <mc:Choice xmlns:v="urn:schemas-microsoft-com:vml" Requires="v">
-                      <p:oleObj spid="_x0000_s16410" name="Equation" r:id="rId5" imgW="457200" imgH="228600" progId="">
+                      <p:oleObj spid="_x0000_s16412" name="Equation" r:id="rId5" imgW="457200" imgH="228600" progId="">
                         <p:embed/>
                       </p:oleObj>
                     </mc:Choice>
@@ -26382,7 +26099,7 @@
                 <a:buNone/>
                 <a:tabLst/>
               </a:pPr>
-              <a:endParaRPr kumimoji="0" lang="en-US" sz="900" b="1" i="0" u="none" strike="noStrike" cap="none" normalizeH="0" baseline="0" smtClean="0">
+              <a:endParaRPr kumimoji="0" lang="en-US" sz="900" b="1" i="0" u="none" strike="noStrike" cap="none" normalizeH="0" baseline="0">
                 <a:ln>
                   <a:noFill/>
                 </a:ln>
@@ -26655,7 +26372,7 @@
                 <a:buNone/>
                 <a:tabLst/>
               </a:pPr>
-              <a:endParaRPr kumimoji="0" lang="en-US" sz="900" b="1" i="0" u="none" strike="noStrike" cap="none" normalizeH="0" baseline="0" smtClean="0">
+              <a:endParaRPr kumimoji="0" lang="en-US" sz="900" b="1" i="0" u="none" strike="noStrike" cap="none" normalizeH="0" baseline="0">
                 <a:ln>
                   <a:noFill/>
                 </a:ln>
@@ -26913,7 +26630,7 @@
                 <a:tabLst/>
               </a:pPr>
               <a:r>
-                <a:rPr kumimoji="0" lang="en-US" sz="1000" b="1" i="0" u="none" strike="noStrike" cap="none" normalizeH="0" baseline="0" dirty="0" smtClean="0">
+                <a:rPr kumimoji="0" lang="en-US" sz="1000" b="1" i="0" u="none" strike="noStrike" cap="none" normalizeH="0" baseline="0" dirty="0">
                   <a:ln>
                     <a:noFill/>
                   </a:ln>
@@ -26928,7 +26645,7 @@
                 <a:t>90</a:t>
               </a:r>
               <a:r>
-                <a:rPr kumimoji="0" lang="en-US" sz="1000" b="1" i="0" u="none" strike="noStrike" cap="none" normalizeH="0" baseline="0" dirty="0" smtClean="0">
+                <a:rPr kumimoji="0" lang="en-US" sz="1000" b="1" i="0" u="none" strike="noStrike" cap="none" normalizeH="0" baseline="0" dirty="0">
                   <a:ln>
                     <a:noFill/>
                   </a:ln>
@@ -26942,7 +26659,7 @@
                 </a:rPr>
                 <a:t>°</a:t>
               </a:r>
-              <a:endParaRPr kumimoji="0" lang="en-US" sz="1000" b="1" i="0" u="none" strike="noStrike" cap="none" normalizeH="0" baseline="0" dirty="0" smtClean="0">
+              <a:endParaRPr kumimoji="0" lang="en-US" sz="1000" b="1" i="0" u="none" strike="noStrike" cap="none" normalizeH="0" baseline="0" dirty="0">
                 <a:ln>
                   <a:noFill/>
                 </a:ln>
@@ -26981,7 +26698,7 @@
                 <a:graphicData uri="http://schemas.openxmlformats.org/presentationml/2006/ole">
                   <mc:AlternateContent>
                     <mc:Choice xmlns:v="urn:schemas-microsoft-com:vml" Requires="v">
-                      <p:oleObj spid="_x0000_s16411" name="Equation" r:id="rId9" imgW="444240" imgH="228600" progId="Equation.DSMT4">
+                      <p:oleObj spid="_x0000_s16413" name="Equation" r:id="rId9" imgW="444240" imgH="228600" progId="Equation.DSMT4">
                         <p:embed/>
                       </p:oleObj>
                     </mc:Choice>
@@ -27156,7 +26873,7 @@
                 <a:tabLst/>
               </a:pPr>
               <a:r>
-                <a:rPr kumimoji="0" lang="en-US" sz="1000" b="1" i="0" u="none" strike="noStrike" cap="none" normalizeH="0" baseline="0" dirty="0" smtClean="0">
+                <a:rPr kumimoji="0" lang="en-US" sz="1000" b="1" i="0" u="none" strike="noStrike" cap="none" normalizeH="0" baseline="0" dirty="0">
                   <a:ln>
                     <a:noFill/>
                   </a:ln>
@@ -27171,7 +26888,7 @@
                 <a:t>90</a:t>
               </a:r>
               <a:r>
-                <a:rPr kumimoji="0" lang="en-US" sz="1000" b="1" i="0" u="none" strike="noStrike" cap="none" normalizeH="0" baseline="0" dirty="0" smtClean="0">
+                <a:rPr kumimoji="0" lang="en-US" sz="1000" b="1" i="0" u="none" strike="noStrike" cap="none" normalizeH="0" baseline="0" dirty="0">
                   <a:ln>
                     <a:noFill/>
                   </a:ln>
@@ -27185,7 +26902,7 @@
                 </a:rPr>
                 <a:t>°</a:t>
               </a:r>
-              <a:endParaRPr kumimoji="0" lang="en-US" sz="1000" b="1" i="0" u="none" strike="noStrike" cap="none" normalizeH="0" baseline="0" dirty="0" smtClean="0">
+              <a:endParaRPr kumimoji="0" lang="en-US" sz="1000" b="1" i="0" u="none" strike="noStrike" cap="none" normalizeH="0" baseline="0" dirty="0">
                 <a:ln>
                   <a:noFill/>
                 </a:ln>
@@ -27881,7 +27598,7 @@
                     </m:oMath>
                   </m:oMathPara>
                 </a14:m>
-                <a:endParaRPr lang="en-US" sz="1600" dirty="0" smtClean="0">
+                <a:endParaRPr lang="en-US" sz="1600" dirty="0">
                   <a:solidFill>
                     <a:schemeClr val="bg1"/>
                   </a:solidFill>
@@ -28217,7 +27934,7 @@
               <a:buNone/>
               <a:tabLst/>
             </a:pPr>
-            <a:endParaRPr kumimoji="0" lang="en-US" sz="2400" b="0" i="0" u="none" strike="noStrike" cap="none" normalizeH="0" baseline="0" smtClean="0">
+            <a:endParaRPr kumimoji="0" lang="en-US" sz="2400" b="0" i="0" u="none" strike="noStrike" cap="none" normalizeH="0" baseline="0">
               <a:ln>
                 <a:noFill/>
               </a:ln>
@@ -28602,7 +28319,7 @@
                     </m:oMath>
                   </m:oMathPara>
                 </a14:m>
-                <a:endParaRPr lang="en-US" sz="1600" dirty="0" smtClean="0">
+                <a:endParaRPr lang="en-US" sz="1600" dirty="0">
                   <a:solidFill>
                     <a:schemeClr val="bg1"/>
                   </a:solidFill>
@@ -29349,7 +29066,7 @@
                     </m:oMath>
                   </m:oMathPara>
                 </a14:m>
-                <a:endParaRPr lang="en-US" sz="1600" dirty="0" smtClean="0">
+                <a:endParaRPr lang="en-US" sz="1600" dirty="0">
                   <a:solidFill>
                     <a:schemeClr val="bg1"/>
                   </a:solidFill>
@@ -29670,7 +29387,7 @@
               <a:buNone/>
               <a:tabLst/>
             </a:pPr>
-            <a:endParaRPr kumimoji="0" lang="en-US" sz="2400" b="0" i="0" u="none" strike="noStrike" cap="none" normalizeH="0" baseline="0" smtClean="0">
+            <a:endParaRPr kumimoji="0" lang="en-US" sz="2400" b="0" i="0" u="none" strike="noStrike" cap="none" normalizeH="0" baseline="0">
               <a:ln>
                 <a:noFill/>
               </a:ln>
@@ -29706,7 +29423,7 @@
           <a:lstStyle/>
           <a:p>
             <a:r>
-              <a:rPr lang="en-US" sz="3000" dirty="0" smtClean="0">
+              <a:rPr lang="en-US" sz="3000" dirty="0">
                 <a:solidFill>
                   <a:srgbClr val="000000"/>
                 </a:solidFill>
@@ -29767,7 +29484,7 @@
               <a:buNone/>
               <a:tabLst/>
             </a:pPr>
-            <a:endParaRPr kumimoji="0" lang="en-US" sz="2400" b="0" i="0" u="none" strike="noStrike" cap="none" normalizeH="0" baseline="0" smtClean="0">
+            <a:endParaRPr kumimoji="0" lang="en-US" sz="2400" b="0" i="0" u="none" strike="noStrike" cap="none" normalizeH="0" baseline="0">
               <a:ln>
                 <a:noFill/>
               </a:ln>
@@ -29803,7 +29520,7 @@
           <a:lstStyle/>
           <a:p>
             <a:r>
-              <a:rPr lang="en-US" sz="3000" dirty="0" smtClean="0">
+              <a:rPr lang="en-US" sz="3000" dirty="0">
                 <a:solidFill>
                   <a:srgbClr val="000000"/>
                 </a:solidFill>
@@ -29845,12 +29562,6 @@
               </a:rPr>
               <a:t>+</a:t>
             </a:r>
-            <a:endParaRPr lang="en-US" sz="3000" dirty="0" smtClean="0">
-              <a:solidFill>
-                <a:srgbClr val="000000"/>
-              </a:solidFill>
-              <a:latin typeface="+mj-lt"/>
-            </a:endParaRPr>
           </a:p>
         </p:txBody>
       </p:sp>
@@ -29904,7 +29615,7 @@
               <a:buNone/>
               <a:tabLst/>
             </a:pPr>
-            <a:endParaRPr kumimoji="0" lang="en-US" sz="2400" b="0" i="0" u="none" strike="noStrike" cap="none" normalizeH="0" baseline="0" smtClean="0">
+            <a:endParaRPr kumimoji="0" lang="en-US" sz="2400" b="0" i="0" u="none" strike="noStrike" cap="none" normalizeH="0" baseline="0">
               <a:ln>
                 <a:noFill/>
               </a:ln>
@@ -29985,7 +29696,7 @@
                     </m:oMath>
                   </m:oMathPara>
                 </a14:m>
-                <a:endParaRPr lang="en-US" sz="1400" dirty="0" smtClean="0">
+                <a:endParaRPr lang="en-US" sz="1400" dirty="0">
                   <a:solidFill>
                     <a:schemeClr val="bg1"/>
                   </a:solidFill>
@@ -30102,7 +29813,7 @@
                     </m:oMath>
                   </m:oMathPara>
                 </a14:m>
-                <a:endParaRPr lang="en-US" sz="1400" dirty="0" smtClean="0">
+                <a:endParaRPr lang="en-US" sz="1400" dirty="0">
                   <a:solidFill>
                     <a:schemeClr val="bg1"/>
                   </a:solidFill>
@@ -30219,7 +29930,7 @@
                     </m:oMath>
                   </m:oMathPara>
                 </a14:m>
-                <a:endParaRPr lang="en-US" sz="1400" dirty="0" smtClean="0">
+                <a:endParaRPr lang="en-US" sz="1400" dirty="0">
                   <a:solidFill>
                     <a:schemeClr val="bg1"/>
                   </a:solidFill>
@@ -30336,7 +30047,7 @@
                     </m:oMath>
                   </m:oMathPara>
                 </a14:m>
-                <a:endParaRPr lang="en-US" sz="1400" dirty="0" smtClean="0">
+                <a:endParaRPr lang="en-US" sz="1400" dirty="0">
                   <a:solidFill>
                     <a:schemeClr val="bg1"/>
                   </a:solidFill>
@@ -30453,7 +30164,7 @@
                     </m:oMath>
                   </m:oMathPara>
                 </a14:m>
-                <a:endParaRPr lang="en-US" sz="1400" dirty="0" smtClean="0">
+                <a:endParaRPr lang="en-US" sz="1400" dirty="0">
                   <a:solidFill>
                     <a:schemeClr val="bg1"/>
                   </a:solidFill>
@@ -30570,7 +30281,7 @@
                     </m:oMath>
                   </m:oMathPara>
                 </a14:m>
-                <a:endParaRPr lang="en-US" sz="1400" dirty="0" smtClean="0">
+                <a:endParaRPr lang="en-US" sz="1400" dirty="0">
                   <a:solidFill>
                     <a:schemeClr val="bg1"/>
                   </a:solidFill>
@@ -30687,7 +30398,7 @@
                     </m:oMath>
                   </m:oMathPara>
                 </a14:m>
-                <a:endParaRPr lang="en-US" sz="1400" dirty="0" smtClean="0">
+                <a:endParaRPr lang="en-US" sz="1400" dirty="0">
                   <a:solidFill>
                     <a:schemeClr val="bg1"/>
                   </a:solidFill>
@@ -30804,7 +30515,7 @@
                     </m:oMath>
                   </m:oMathPara>
                 </a14:m>
-                <a:endParaRPr lang="en-US" sz="1400" dirty="0" smtClean="0">
+                <a:endParaRPr lang="en-US" sz="1400" dirty="0">
                   <a:solidFill>
                     <a:schemeClr val="bg1"/>
                   </a:solidFill>
@@ -30939,7 +30650,7 @@
                     </m:oMath>
                   </m:oMathPara>
                 </a14:m>
-                <a:endParaRPr lang="en-US" sz="1400" dirty="0" smtClean="0">
+                <a:endParaRPr lang="en-US" sz="1400" dirty="0">
                   <a:solidFill>
                     <a:schemeClr val="bg1"/>
                   </a:solidFill>
@@ -31065,7 +30776,7 @@
                     </m:oMath>
                   </m:oMathPara>
                 </a14:m>
-                <a:endParaRPr lang="en-US" sz="1400" dirty="0" smtClean="0">
+                <a:endParaRPr lang="en-US" sz="1400" dirty="0">
                   <a:solidFill>
                     <a:schemeClr val="bg1"/>
                   </a:solidFill>
@@ -31200,7 +30911,7 @@
                     </m:oMath>
                   </m:oMathPara>
                 </a14:m>
-                <a:endParaRPr lang="en-US" sz="1400" dirty="0" smtClean="0">
+                <a:endParaRPr lang="en-US" sz="1400" dirty="0">
                   <a:solidFill>
                     <a:schemeClr val="bg1"/>
                   </a:solidFill>
@@ -31326,7 +31037,7 @@
                     </m:oMath>
                   </m:oMathPara>
                 </a14:m>
-                <a:endParaRPr lang="en-US" sz="1400" dirty="0" smtClean="0">
+                <a:endParaRPr lang="en-US" sz="1400" dirty="0">
                   <a:solidFill>
                     <a:schemeClr val="bg1"/>
                   </a:solidFill>
@@ -31443,7 +31154,7 @@
                     </m:oMath>
                   </m:oMathPara>
                 </a14:m>
-                <a:endParaRPr lang="en-US" sz="1400" dirty="0" smtClean="0">
+                <a:endParaRPr lang="en-US" sz="1400" dirty="0">
                   <a:solidFill>
                     <a:schemeClr val="bg1"/>
                   </a:solidFill>
@@ -31560,7 +31271,7 @@
                     </m:oMath>
                   </m:oMathPara>
                 </a14:m>
-                <a:endParaRPr lang="en-US" sz="1400" dirty="0" smtClean="0">
+                <a:endParaRPr lang="en-US" sz="1400" dirty="0">
                   <a:solidFill>
                     <a:schemeClr val="bg1"/>
                   </a:solidFill>
@@ -31677,7 +31388,7 @@
                     </m:oMath>
                   </m:oMathPara>
                 </a14:m>
-                <a:endParaRPr lang="en-US" sz="1400" dirty="0" smtClean="0">
+                <a:endParaRPr lang="en-US" sz="1400" dirty="0">
                   <a:solidFill>
                     <a:schemeClr val="bg1"/>
                   </a:solidFill>
@@ -31794,7 +31505,7 @@
                     </m:oMath>
                   </m:oMathPara>
                 </a14:m>
-                <a:endParaRPr lang="en-US" sz="1400" dirty="0" smtClean="0">
+                <a:endParaRPr lang="en-US" sz="1400" dirty="0">
                   <a:solidFill>
                     <a:schemeClr val="bg1"/>
                   </a:solidFill>
@@ -32079,10 +31790,9 @@
           <a:lstStyle/>
           <a:p>
             <a:r>
-              <a:rPr lang="en-US" dirty="0" smtClean="0"/>
+              <a:rPr lang="en-US" dirty="0"/>
               <a:t>Image Reject Mixer</a:t>
             </a:r>
-            <a:endParaRPr lang="en-US" dirty="0"/>
           </a:p>
         </p:txBody>
       </p:sp>
@@ -32107,45 +31817,44 @@
           <a:lstStyle/>
           <a:p>
             <a:r>
-              <a:rPr lang="en-US" dirty="0" smtClean="0"/>
+              <a:rPr lang="en-US" dirty="0"/>
               <a:t>The quadrature signals can also help to eliminate the image problem</a:t>
             </a:r>
           </a:p>
           <a:p>
             <a:r>
-              <a:rPr lang="en-US" dirty="0" smtClean="0"/>
+              <a:rPr lang="en-US" dirty="0"/>
               <a:t>The </a:t>
             </a:r>
             <a:r>
-              <a:rPr lang="en-US" i="1" dirty="0" smtClean="0"/>
+              <a:rPr lang="en-US" i="1" dirty="0"/>
               <a:t>Hartley</a:t>
             </a:r>
             <a:r>
-              <a:rPr lang="en-US" dirty="0" smtClean="0"/>
+              <a:rPr lang="en-US" dirty="0"/>
               <a:t> image reject mixer</a:t>
             </a:r>
           </a:p>
           <a:p>
             <a:pPr lvl="1"/>
             <a:r>
-              <a:rPr lang="en-US" dirty="0" smtClean="0"/>
+              <a:rPr lang="en-US" dirty="0"/>
               <a:t>Introduced in 1928</a:t>
             </a:r>
           </a:p>
           <a:p>
             <a:pPr lvl="1"/>
             <a:r>
-              <a:rPr lang="en-US" dirty="0" smtClean="0"/>
+              <a:rPr lang="en-US" dirty="0"/>
               <a:t>Quadrature LO</a:t>
             </a:r>
           </a:p>
           <a:p>
             <a:pPr lvl="1"/>
             <a:r>
-              <a:rPr lang="en-US" dirty="0" smtClean="0"/>
+              <a:rPr lang="en-US" dirty="0"/>
               <a:t>90° phase shift of one of the IF signals</a:t>
             </a:r>
-            <a:endParaRPr lang="en-US" dirty="0"/>
           </a:p>
         </p:txBody>
       </p:sp>
@@ -33143,7 +32852,7 @@
             <a:lstStyle/>
             <a:p>
               <a:r>
-                <a:rPr lang="en-US" sz="1600" dirty="0" smtClean="0">
+                <a:rPr lang="en-US" sz="1600" dirty="0">
                   <a:solidFill>
                     <a:srgbClr val="292929"/>
                   </a:solidFill>
@@ -33205,7 +32914,7 @@
                 <a:buNone/>
                 <a:tabLst/>
               </a:pPr>
-              <a:endParaRPr kumimoji="0" lang="en-US" sz="2400" b="0" i="0" u="none" strike="noStrike" cap="none" normalizeH="0" baseline="0" smtClean="0">
+              <a:endParaRPr kumimoji="0" lang="en-US" sz="2400" b="0" i="0" u="none" strike="noStrike" cap="none" normalizeH="0" baseline="0">
                 <a:ln>
                   <a:noFill/>
                 </a:ln>
@@ -33229,13 +32938,6 @@
   <p:clrMapOvr>
     <a:masterClrMapping/>
   </p:clrMapOvr>
-  <p:timing>
-    <p:tnLst>
-      <p:par>
-        <p:cTn id="1" dur="indefinite" restart="never" nodeType="tmRoot"/>
-      </p:par>
-    </p:tnLst>
-  </p:timing>
 </p:sld>
 </file>
 
@@ -33272,10 +32974,9 @@
           <a:lstStyle/>
           <a:p>
             <a:r>
-              <a:rPr lang="en-US" dirty="0" smtClean="0"/>
+              <a:rPr lang="en-US" dirty="0"/>
               <a:t>Image Reject Mixer</a:t>
             </a:r>
-            <a:endParaRPr lang="en-US" dirty="0"/>
           </a:p>
         </p:txBody>
       </p:sp>
@@ -33300,29 +33001,29 @@
           <a:lstStyle/>
           <a:p>
             <a:r>
-              <a:rPr lang="en-US" dirty="0" smtClean="0"/>
+              <a:rPr lang="en-US" dirty="0"/>
               <a:t>The </a:t>
             </a:r>
             <a:r>
-              <a:rPr lang="en-US" i="1" dirty="0" smtClean="0"/>
+              <a:rPr lang="en-US" i="1" dirty="0"/>
               <a:t>Weaver </a:t>
             </a:r>
             <a:r>
-              <a:rPr lang="en-US" dirty="0" smtClean="0"/>
+              <a:rPr lang="en-US" dirty="0"/>
               <a:t>image reject mixer</a:t>
             </a:r>
           </a:p>
           <a:p>
             <a:pPr lvl="1"/>
             <a:r>
-              <a:rPr lang="en-US" dirty="0" smtClean="0"/>
+              <a:rPr lang="en-US" dirty="0"/>
               <a:t>Using two quadrature LOs</a:t>
             </a:r>
           </a:p>
           <a:p>
             <a:pPr lvl="1"/>
             <a:r>
-              <a:rPr lang="en-US" dirty="0" smtClean="0"/>
+              <a:rPr lang="en-US" dirty="0"/>
               <a:t>Does not need a separate 90° phase shifter</a:t>
             </a:r>
           </a:p>
@@ -33411,13 +33112,6 @@
   <p:clrMapOvr>
     <a:masterClrMapping/>
   </p:clrMapOvr>
-  <p:timing>
-    <p:tnLst>
-      <p:par>
-        <p:cTn id="1" dur="indefinite" restart="never" nodeType="tmRoot"/>
-      </p:par>
-    </p:tnLst>
-  </p:timing>
 </p:sld>
 </file>
 
@@ -33454,10 +33148,9 @@
           <a:lstStyle/>
           <a:p>
             <a:r>
-              <a:rPr lang="en-US" dirty="0" smtClean="0"/>
+              <a:rPr lang="en-US" dirty="0"/>
               <a:t>Image Reject Mixer</a:t>
             </a:r>
-            <a:endParaRPr lang="en-US" dirty="0"/>
           </a:p>
         </p:txBody>
       </p:sp>
@@ -33487,21 +33180,12 @@
             </a:r>
             <a:r>
               <a:rPr lang="en-US"/>
-              <a:t>mixers </a:t>
-            </a:r>
-            <a:r>
-              <a:rPr lang="en-US" smtClean="0"/>
-              <a:t>rely </a:t>
+              <a:t>mixers rely </a:t>
             </a:r>
             <a:r>
               <a:rPr lang="en-US" dirty="0"/>
-              <a:t>on the accuracy of the phase quadrature and amplitude </a:t>
+              <a:t>on the accuracy of the phase quadrature and amplitude balance</a:t>
             </a:r>
-            <a:r>
-              <a:rPr lang="en-US" dirty="0" smtClean="0"/>
-              <a:t>balance</a:t>
-            </a:r>
-            <a:endParaRPr lang="en-US" dirty="0"/>
           </a:p>
         </p:txBody>
       </p:sp>
@@ -33588,13 +33272,6 @@
   <p:clrMapOvr>
     <a:masterClrMapping/>
   </p:clrMapOvr>
-  <p:timing>
-    <p:tnLst>
-      <p:par>
-        <p:cTn id="1" dur="indefinite" restart="never" nodeType="tmRoot"/>
-      </p:par>
-    </p:tnLst>
-  </p:timing>
 </p:sld>
 </file>
 
@@ -33631,10 +33308,9 @@
           <a:lstStyle/>
           <a:p>
             <a:r>
-              <a:rPr lang="en-US" dirty="0" smtClean="0"/>
+              <a:rPr lang="en-US" dirty="0"/>
               <a:t>Image Reject Mixer Example</a:t>
             </a:r>
-            <a:endParaRPr lang="en-US" dirty="0"/>
           </a:p>
         </p:txBody>
       </p:sp>
@@ -33654,10 +33330,9 @@
           <a:lstStyle/>
           <a:p>
             <a:r>
-              <a:rPr lang="en-US" dirty="0" smtClean="0"/>
+              <a:rPr lang="en-US" dirty="0"/>
               <a:t>Mini-Circuits JCIR-25+</a:t>
             </a:r>
-            <a:endParaRPr lang="en-US" dirty="0"/>
           </a:p>
         </p:txBody>
       </p:sp>
@@ -33734,7 +33409,7 @@
               <a:buNone/>
               <a:tabLst/>
             </a:pPr>
-            <a:endParaRPr kumimoji="0" lang="en-US" sz="2400" b="0" i="0" u="none" strike="noStrike" cap="none" normalizeH="0" baseline="0" smtClean="0">
+            <a:endParaRPr kumimoji="0" lang="en-US" sz="2400" b="0" i="0" u="none" strike="noStrike" cap="none" normalizeH="0" baseline="0">
               <a:ln>
                 <a:noFill/>
               </a:ln>
@@ -33794,7 +33469,7 @@
           <a:lstStyle/>
           <a:p>
             <a:r>
-              <a:rPr lang="en-US" sz="1400" dirty="0" smtClean="0">
+              <a:rPr lang="en-US" sz="1400" dirty="0">
                 <a:solidFill>
                   <a:srgbClr val="C00000"/>
                 </a:solidFill>
@@ -33804,7 +33479,7 @@
               <a:t>The quadrature output of the 90° hybrid is terminated to 50 </a:t>
             </a:r>
             <a:r>
-              <a:rPr lang="el-GR" sz="1400" dirty="0" smtClean="0">
+              <a:rPr lang="el-GR" sz="1400" dirty="0">
                 <a:solidFill>
                   <a:srgbClr val="C00000"/>
                 </a:solidFill>
@@ -33813,7 +33488,7 @@
               </a:rPr>
               <a:t>Ω</a:t>
             </a:r>
-            <a:endParaRPr lang="en-US" sz="1400" dirty="0" smtClean="0">
+            <a:endParaRPr lang="en-US" sz="1400" dirty="0">
               <a:solidFill>
                 <a:srgbClr val="C00000"/>
               </a:solidFill>
@@ -33870,13 +33545,6 @@
   <p:clrMapOvr>
     <a:masterClrMapping/>
   </p:clrMapOvr>
-  <p:timing>
-    <p:tnLst>
-      <p:par>
-        <p:cTn id="1" dur="indefinite" restart="never" nodeType="tmRoot"/>
-      </p:par>
-    </p:tnLst>
-  </p:timing>
 </p:sld>
 </file>
 
@@ -33913,10 +33581,9 @@
           <a:lstStyle/>
           <a:p>
             <a:r>
-              <a:rPr lang="en-US" dirty="0" smtClean="0"/>
+              <a:rPr lang="en-US" dirty="0"/>
               <a:t>Amplitude Modulation</a:t>
             </a:r>
-            <a:endParaRPr lang="en-US" dirty="0"/>
           </a:p>
         </p:txBody>
       </p:sp>
@@ -33936,18 +33603,18 @@
           <a:lstStyle/>
           <a:p>
             <a:r>
-              <a:rPr lang="en-US" dirty="0" smtClean="0"/>
+              <a:rPr lang="en-US" dirty="0"/>
               <a:t>Simple to realize: need one mixer</a:t>
             </a:r>
           </a:p>
           <a:p>
             <a:r>
-              <a:rPr lang="en-US" dirty="0" smtClean="0"/>
+              <a:rPr lang="en-US" dirty="0"/>
               <a:t>Signal quality depends on amplitude noise and circuit linearity (because amplitude carries the information)</a:t>
             </a:r>
           </a:p>
           <a:p>
-            <a:endParaRPr lang="en-US" dirty="0" smtClean="0"/>
+            <a:endParaRPr lang="en-US" dirty="0"/>
           </a:p>
           <a:p>
             <a:endParaRPr lang="en-US" dirty="0"/>
@@ -33976,7 +33643,7 @@
           <a:graphicData uri="http://schemas.openxmlformats.org/presentationml/2006/ole">
             <mc:AlternateContent xmlns:mc="http://schemas.openxmlformats.org/markup-compatibility/2006">
               <mc:Choice xmlns:v="urn:schemas-microsoft-com:vml" Requires="v">
-                <p:oleObj spid="_x0000_s2088" name="Equation" r:id="rId4" imgW="4267080" imgH="939600" progId="Equation.DSMT4">
+                <p:oleObj spid="_x0000_s2090" name="Equation" r:id="rId4" imgW="4267080" imgH="939600" progId="Equation.DSMT4">
                   <p:embed/>
                 </p:oleObj>
               </mc:Choice>
@@ -34037,7 +33704,7 @@
           <a:graphicData uri="http://schemas.openxmlformats.org/presentationml/2006/ole">
             <mc:AlternateContent xmlns:mc="http://schemas.openxmlformats.org/markup-compatibility/2006">
               <mc:Choice xmlns:v="urn:schemas-microsoft-com:vml" Requires="v">
-                <p:oleObj spid="_x0000_s2089" name="Equation" r:id="rId6" imgW="1422360" imgH="253800" progId="Equation.DSMT4">
+                <p:oleObj spid="_x0000_s2091" name="Equation" r:id="rId6" imgW="1422360" imgH="253800" progId="Equation.DSMT4">
                   <p:embed/>
                 </p:oleObj>
               </mc:Choice>
@@ -34147,7 +33814,7 @@
           <a:lstStyle/>
           <a:p>
             <a:r>
-              <a:rPr lang="en-US" sz="800" dirty="0" smtClean="0">
+              <a:rPr lang="en-US" sz="800" dirty="0">
                 <a:solidFill>
                   <a:srgbClr val="000000"/>
                 </a:solidFill>
@@ -34157,7 +33824,7 @@
               <a:t>B. </a:t>
             </a:r>
             <a:r>
-              <a:rPr lang="en-US" sz="800" dirty="0" err="1" smtClean="0">
+              <a:rPr lang="en-US" sz="800" dirty="0" err="1">
                 <a:solidFill>
                   <a:srgbClr val="000000"/>
                 </a:solidFill>
@@ -34167,7 +33834,7 @@
               <a:t>Razavi</a:t>
             </a:r>
             <a:r>
-              <a:rPr lang="en-US" sz="800" dirty="0" smtClean="0">
+              <a:rPr lang="en-US" sz="800" dirty="0">
                 <a:solidFill>
                   <a:srgbClr val="000000"/>
                 </a:solidFill>
@@ -34189,14 +33856,6 @@
   <p:clrMapOvr>
     <a:masterClrMapping/>
   </p:clrMapOvr>
-  <mc:AlternateContent xmlns:mc="http://schemas.openxmlformats.org/markup-compatibility/2006" xmlns:p14="http://schemas.microsoft.com/office/powerpoint/2010/main">
-    <mc:Choice Requires="p14">
-      <p:transition spd="slow" p14:dur="2000"/>
-    </mc:Choice>
-    <mc:Fallback xmlns="">
-      <p:transition spd="slow"/>
-    </mc:Fallback>
-  </mc:AlternateContent>
   <p:timing>
     <p:tnLst>
       <p:par>
@@ -34338,10 +33997,9 @@
           <a:lstStyle/>
           <a:p>
             <a:r>
-              <a:rPr lang="en-US" dirty="0" smtClean="0"/>
+              <a:rPr lang="en-US" dirty="0"/>
               <a:t>Phase and Frequency Modulation</a:t>
             </a:r>
-            <a:endParaRPr lang="en-US" dirty="0"/>
           </a:p>
         </p:txBody>
       </p:sp>
@@ -34361,26 +34019,26 @@
           <a:lstStyle/>
           <a:p>
             <a:r>
-              <a:rPr lang="en-US" dirty="0" smtClean="0"/>
+              <a:rPr lang="en-US" dirty="0"/>
               <a:t>Mostly insensitive to non-linearity; can use a non-linear power amplifier (therefore system efficiency is higher)</a:t>
             </a:r>
           </a:p>
           <a:p>
             <a:pPr lvl="1"/>
             <a:r>
-              <a:rPr lang="en-US" dirty="0" smtClean="0"/>
+              <a:rPr lang="en-US" dirty="0"/>
               <a:t>Some phase and frequency modulation does incur amplitude variation</a:t>
             </a:r>
           </a:p>
           <a:p>
             <a:r>
-              <a:rPr lang="en-US" dirty="0" smtClean="0"/>
+              <a:rPr lang="en-US" dirty="0"/>
               <a:t>Typically occupies more bandwidth </a:t>
             </a:r>
           </a:p>
           <a:p>
             <a:r>
-              <a:rPr lang="en-US" dirty="0" smtClean="0"/>
+              <a:rPr lang="en-US" dirty="0"/>
               <a:t>Since frequency is the derivative of phase, frequency modulation can be considered a special case of phase modulation. It is for this reason that frequency and phase modulation are sometimes called angle modulation altogether </a:t>
             </a:r>
           </a:p>
@@ -34706,7 +34364,7 @@
                     </m:oMath>
                   </m:oMathPara>
                 </a14:m>
-                <a:endParaRPr lang="en-US" sz="2000" dirty="0" smtClean="0">
+                <a:endParaRPr lang="en-US" sz="2000" dirty="0">
                   <a:solidFill>
                     <a:schemeClr val="bg1"/>
                   </a:solidFill>
@@ -35105,7 +34763,7 @@
                     </m:oMath>
                   </m:oMathPara>
                 </a14:m>
-                <a:endParaRPr lang="en-US" sz="2000" dirty="0" smtClean="0">
+                <a:endParaRPr lang="en-US" sz="2000" dirty="0">
                   <a:solidFill>
                     <a:schemeClr val="bg1"/>
                   </a:solidFill>
@@ -35177,7 +34835,7 @@
           <a:lstStyle/>
           <a:p>
             <a:r>
-              <a:rPr lang="en-US" sz="800" dirty="0" smtClean="0">
+              <a:rPr lang="en-US" sz="800" dirty="0">
                 <a:solidFill>
                   <a:srgbClr val="000000"/>
                 </a:solidFill>
@@ -35187,7 +34845,7 @@
               <a:t>B. </a:t>
             </a:r>
             <a:r>
-              <a:rPr lang="en-US" sz="800" dirty="0" err="1" smtClean="0">
+              <a:rPr lang="en-US" sz="800" dirty="0" err="1">
                 <a:solidFill>
                   <a:srgbClr val="000000"/>
                 </a:solidFill>
@@ -35197,7 +34855,7 @@
               <a:t>Razavi</a:t>
             </a:r>
             <a:r>
-              <a:rPr lang="en-US" sz="800" dirty="0" smtClean="0">
+              <a:rPr lang="en-US" sz="800" dirty="0">
                 <a:solidFill>
                   <a:srgbClr val="000000"/>
                 </a:solidFill>
@@ -35219,13 +34877,6 @@
   <p:clrMapOvr>
     <a:masterClrMapping/>
   </p:clrMapOvr>
-  <p:timing>
-    <p:tnLst>
-      <p:par>
-        <p:cTn id="1" dur="indefinite" restart="never" nodeType="tmRoot"/>
-      </p:par>
-    </p:tnLst>
-  </p:timing>
 </p:sld>
 </file>
 
@@ -35262,10 +34913,9 @@
           <a:lstStyle/>
           <a:p>
             <a:r>
-              <a:rPr lang="en-US" dirty="0" smtClean="0"/>
+              <a:rPr lang="en-US" dirty="0"/>
               <a:t>Digital Modulation</a:t>
             </a:r>
-            <a:endParaRPr lang="en-US" dirty="0"/>
           </a:p>
         </p:txBody>
       </p:sp>
@@ -35289,11 +34939,11 @@
           <a:lstStyle/>
           <a:p>
             <a:r>
-              <a:rPr lang="en-US" dirty="0" smtClean="0"/>
+              <a:rPr lang="en-US" dirty="0"/>
               <a:t> Modulation of digital signals is also known as </a:t>
             </a:r>
             <a:r>
-              <a:rPr lang="en-US" dirty="0" smtClean="0">
+              <a:rPr lang="en-US" dirty="0">
                 <a:solidFill>
                   <a:srgbClr val="FF0000"/>
                 </a:solidFill>
@@ -35304,31 +34954,30 @@
           <a:p>
             <a:pPr lvl="1"/>
             <a:r>
-              <a:rPr lang="en-US" dirty="0" smtClean="0"/>
+              <a:rPr lang="en-US" dirty="0"/>
               <a:t>Amplitude Shift Keying (ASK)</a:t>
             </a:r>
           </a:p>
           <a:p>
             <a:pPr lvl="1"/>
             <a:r>
-              <a:rPr lang="en-US" dirty="0" smtClean="0"/>
+              <a:rPr lang="en-US" dirty="0"/>
               <a:t>Frequency Shift Keying (FSK)</a:t>
             </a:r>
           </a:p>
           <a:p>
             <a:pPr lvl="1"/>
             <a:r>
-              <a:rPr lang="en-US" dirty="0" smtClean="0"/>
+              <a:rPr lang="en-US" dirty="0"/>
               <a:t>Phase Shift Keying (PSK)</a:t>
             </a:r>
           </a:p>
           <a:p>
             <a:pPr lvl="1"/>
             <a:r>
-              <a:rPr lang="en-US" dirty="0" smtClean="0"/>
+              <a:rPr lang="en-US" dirty="0"/>
               <a:t>More advanced modulation schemes: QPSK, DQPSK, MFSK, MSK/GMSK, QAM, CPM, etc</a:t>
             </a:r>
-            <a:endParaRPr lang="en-US" dirty="0"/>
           </a:p>
         </p:txBody>
       </p:sp>
@@ -35450,7 +35099,7 @@
           <a:lstStyle/>
           <a:p>
             <a:r>
-              <a:rPr lang="en-US" b="1" dirty="0" smtClean="0">
+              <a:rPr lang="en-US" b="1" dirty="0">
                 <a:solidFill>
                   <a:srgbClr val="292929"/>
                 </a:solidFill>
@@ -35459,13 +35108,6 @@
               </a:rPr>
               <a:t>ASK</a:t>
             </a:r>
-            <a:endParaRPr lang="en-US" b="1" dirty="0">
-              <a:solidFill>
-                <a:srgbClr val="292929"/>
-              </a:solidFill>
-              <a:latin typeface="Kalinga" panose="020B0502040204020203" pitchFamily="34" charset="0"/>
-              <a:cs typeface="Kalinga" panose="020B0502040204020203" pitchFamily="34" charset="0"/>
-            </a:endParaRPr>
           </a:p>
         </p:txBody>
       </p:sp>
@@ -35491,7 +35133,7 @@
           <a:lstStyle/>
           <a:p>
             <a:r>
-              <a:rPr lang="en-US" b="1" dirty="0" smtClean="0">
+              <a:rPr lang="en-US" b="1" dirty="0">
                 <a:solidFill>
                   <a:srgbClr val="292929"/>
                 </a:solidFill>
@@ -35500,13 +35142,6 @@
               </a:rPr>
               <a:t>FSK</a:t>
             </a:r>
-            <a:endParaRPr lang="en-US" b="1" dirty="0">
-              <a:solidFill>
-                <a:srgbClr val="292929"/>
-              </a:solidFill>
-              <a:latin typeface="Kalinga" panose="020B0502040204020203" pitchFamily="34" charset="0"/>
-              <a:cs typeface="Kalinga" panose="020B0502040204020203" pitchFamily="34" charset="0"/>
-            </a:endParaRPr>
           </a:p>
         </p:txBody>
       </p:sp>
@@ -35532,7 +35167,7 @@
           <a:lstStyle/>
           <a:p>
             <a:r>
-              <a:rPr lang="en-US" b="1" dirty="0" smtClean="0">
+              <a:rPr lang="en-US" b="1" dirty="0">
                 <a:solidFill>
                   <a:srgbClr val="292929"/>
                 </a:solidFill>
@@ -35541,13 +35176,6 @@
               </a:rPr>
               <a:t>PSK</a:t>
             </a:r>
-            <a:endParaRPr lang="en-US" b="1" dirty="0">
-              <a:solidFill>
-                <a:srgbClr val="292929"/>
-              </a:solidFill>
-              <a:latin typeface="Kalinga" panose="020B0502040204020203" pitchFamily="34" charset="0"/>
-              <a:cs typeface="Kalinga" panose="020B0502040204020203" pitchFamily="34" charset="0"/>
-            </a:endParaRPr>
           </a:p>
         </p:txBody>
       </p:sp>
@@ -35574,7 +35202,7 @@
           <a:lstStyle/>
           <a:p>
             <a:r>
-              <a:rPr lang="en-US" sz="800" b="1" dirty="0" smtClean="0">
+              <a:rPr lang="en-US" sz="800" b="1" dirty="0">
                 <a:solidFill>
                   <a:schemeClr val="bg1"/>
                 </a:solidFill>
@@ -35583,7 +35211,7 @@
               <a:t>Read more</a:t>
             </a:r>
             <a:r>
-              <a:rPr lang="en-US" sz="800" dirty="0" smtClean="0">
+              <a:rPr lang="en-US" sz="800" dirty="0">
                 <a:solidFill>
                   <a:schemeClr val="bg1"/>
                 </a:solidFill>
@@ -35592,12 +35220,12 @@
               <a:t>: </a:t>
             </a:r>
             <a:r>
-              <a:rPr lang="en-US" sz="800" dirty="0" smtClean="0">
+              <a:rPr lang="en-US" sz="800" dirty="0">
                 <a:hlinkClick r:id="rId5"/>
               </a:rPr>
               <a:t>http://en.wikipedia.org/wiki/Digital_modulation#Digital_modulation_methods</a:t>
             </a:r>
-            <a:endParaRPr lang="en-US" sz="800" dirty="0" smtClean="0">
+            <a:endParaRPr lang="en-US" sz="800" dirty="0">
               <a:solidFill>
                 <a:schemeClr val="bg1"/>
               </a:solidFill>
@@ -36096,10 +35724,9 @@
           <a:lstStyle/>
           <a:p>
             <a:r>
-              <a:rPr lang="en-US" sz="3600" dirty="0" smtClean="0"/>
+              <a:rPr lang="en-US" sz="3600" dirty="0"/>
               <a:t>Quadrature Amplitude Modulation</a:t>
             </a:r>
-            <a:endParaRPr lang="en-US" sz="3600" dirty="0"/>
           </a:p>
         </p:txBody>
       </p:sp>
@@ -36123,23 +35750,23 @@
           <a:lstStyle/>
           <a:p>
             <a:r>
-              <a:rPr lang="en-US" dirty="0" smtClean="0"/>
+              <a:rPr lang="en-US" dirty="0"/>
               <a:t>Combines both amplitude and phase (angle) modulation</a:t>
             </a:r>
           </a:p>
           <a:p>
             <a:r>
-              <a:rPr lang="en-US" dirty="0" smtClean="0"/>
+              <a:rPr lang="en-US" dirty="0"/>
               <a:t>More efficient use of spectrum</a:t>
             </a:r>
           </a:p>
           <a:p>
             <a:r>
-              <a:rPr lang="en-US" dirty="0" smtClean="0"/>
+              <a:rPr lang="en-US" dirty="0"/>
               <a:t>Transmits a </a:t>
             </a:r>
             <a:r>
-              <a:rPr lang="en-US" dirty="0" smtClean="0">
+              <a:rPr lang="en-US" dirty="0">
                 <a:solidFill>
                   <a:srgbClr val="C00000"/>
                 </a:solidFill>
@@ -36147,24 +35774,23 @@
               <a:t>complex</a:t>
             </a:r>
             <a:r>
-              <a:rPr lang="en-US" dirty="0" smtClean="0"/>
+              <a:rPr lang="en-US" dirty="0"/>
               <a:t> signal -- a very general representation of modulation</a:t>
             </a:r>
           </a:p>
           <a:p>
             <a:pPr lvl="1"/>
             <a:r>
-              <a:rPr lang="en-US" dirty="0" smtClean="0"/>
+              <a:rPr lang="en-US" dirty="0"/>
               <a:t>A carrier signal has two components that can carry information: amplitude and phase</a:t>
             </a:r>
           </a:p>
           <a:p>
             <a:pPr lvl="1"/>
             <a:r>
-              <a:rPr lang="en-US" dirty="0" smtClean="0"/>
+              <a:rPr lang="en-US" dirty="0"/>
               <a:t>Therefore a sinusoidal signal is really “two-dimensional”. It can be represented in either 1) amplitude and phase, 2) real and imaginary parts</a:t>
             </a:r>
-            <a:endParaRPr lang="en-US" dirty="0"/>
           </a:p>
         </p:txBody>
       </p:sp>
@@ -36190,7 +35816,7 @@
           <a:graphicData uri="http://schemas.openxmlformats.org/presentationml/2006/ole">
             <mc:AlternateContent xmlns:mc="http://schemas.openxmlformats.org/markup-compatibility/2006">
               <mc:Choice xmlns:v="urn:schemas-microsoft-com:vml" Requires="v">
-                <p:oleObj spid="_x0000_s3090" name="Equation" r:id="rId3" imgW="3263760" imgH="787320" progId="">
+                <p:oleObj spid="_x0000_s3091" name="Equation" r:id="rId3" imgW="3263760" imgH="787320" progId="">
                   <p:embed/>
                 </p:oleObj>
               </mc:Choice>
@@ -36267,7 +35893,7 @@
           <a:lstStyle/>
           <a:p>
             <a:r>
-              <a:rPr lang="en-US" dirty="0" smtClean="0">
+              <a:rPr lang="en-US" dirty="0">
                 <a:solidFill>
                   <a:srgbClr val="C00000"/>
                 </a:solidFill>
@@ -36302,7 +35928,7 @@
           <a:lstStyle/>
           <a:p>
             <a:r>
-              <a:rPr lang="en-US" dirty="0" err="1" smtClean="0">
+              <a:rPr lang="en-US" dirty="0" err="1">
                 <a:solidFill>
                   <a:srgbClr val="C00000"/>
                 </a:solidFill>
@@ -36311,7 +35937,7 @@
               </a:rPr>
               <a:t>Quadrature</a:t>
             </a:r>
-            <a:endParaRPr lang="en-US" dirty="0" smtClean="0">
+            <a:endParaRPr lang="en-US" dirty="0">
               <a:solidFill>
                 <a:srgbClr val="C00000"/>
               </a:solidFill>
@@ -36459,7 +36085,7 @@
                 <a:buNone/>
                 <a:tabLst/>
               </a:pPr>
-              <a:endParaRPr kumimoji="0" lang="en-US" sz="2400" b="0" i="0" u="none" strike="noStrike" cap="none" normalizeH="0" baseline="0" smtClean="0">
+              <a:endParaRPr kumimoji="0" lang="en-US" sz="2400" b="0" i="0" u="none" strike="noStrike" cap="none" normalizeH="0" baseline="0">
                 <a:ln>
                   <a:noFill/>
                 </a:ln>
@@ -36534,7 +36160,7 @@
             <a:lstStyle/>
             <a:p>
               <a:r>
-                <a:rPr lang="en-US" sz="3000" b="1" i="1" dirty="0" smtClean="0">
+                <a:rPr lang="en-US" sz="3000" b="1" i="1" dirty="0">
                   <a:solidFill>
                     <a:srgbClr val="0070C0"/>
                   </a:solidFill>
@@ -36544,7 +36170,7 @@
                 <a:t>A</a:t>
               </a:r>
               <a:r>
-                <a:rPr lang="en-US" sz="3000" b="1" i="1" baseline="-25000" dirty="0" smtClean="0">
+                <a:rPr lang="en-US" sz="3000" b="1" i="1" baseline="-25000" dirty="0">
                   <a:solidFill>
                     <a:srgbClr val="0070C0"/>
                   </a:solidFill>
@@ -36579,7 +36205,7 @@
             <a:lstStyle/>
             <a:p>
               <a:r>
-                <a:rPr lang="el-GR" sz="3000" b="1" i="1" dirty="0" smtClean="0">
+                <a:rPr lang="el-GR" sz="3000" b="1" i="1" dirty="0">
                   <a:solidFill>
                     <a:srgbClr val="0070C0"/>
                   </a:solidFill>
@@ -36589,7 +36215,7 @@
                 <a:t>ϕ</a:t>
               </a:r>
               <a:r>
-                <a:rPr lang="en-US" sz="3000" b="1" i="1" baseline="-25000" dirty="0" smtClean="0">
+                <a:rPr lang="en-US" sz="3000" b="1" i="1" baseline="-25000" dirty="0">
                   <a:solidFill>
                     <a:srgbClr val="0070C0"/>
                   </a:solidFill>
@@ -36624,7 +36250,7 @@
             <a:lstStyle/>
             <a:p>
               <a:r>
-                <a:rPr lang="en-US" sz="2800" dirty="0" smtClean="0">
+                <a:rPr lang="en-US" sz="2800" dirty="0">
                   <a:solidFill>
                     <a:schemeClr val="bg2"/>
                   </a:solidFill>
@@ -36659,7 +36285,7 @@
             <a:lstStyle/>
             <a:p>
               <a:r>
-                <a:rPr lang="en-US" sz="2800" dirty="0" smtClean="0">
+                <a:rPr lang="en-US" sz="2800" dirty="0">
                   <a:solidFill>
                     <a:schemeClr val="bg2"/>
                   </a:solidFill>
@@ -36722,7 +36348,7 @@
               <a:buNone/>
               <a:tabLst/>
             </a:pPr>
-            <a:endParaRPr kumimoji="0" lang="en-US" sz="2400" b="0" i="0" u="none" strike="noStrike" cap="none" normalizeH="0" baseline="0" smtClean="0">
+            <a:endParaRPr kumimoji="0" lang="en-US" sz="2400" b="0" i="0" u="none" strike="noStrike" cap="none" normalizeH="0" baseline="0">
               <a:ln>
                 <a:noFill/>
               </a:ln>
@@ -36785,7 +36411,7 @@
               <a:buNone/>
               <a:tabLst/>
             </a:pPr>
-            <a:endParaRPr kumimoji="0" lang="en-US" sz="2400" b="0" i="0" u="none" strike="noStrike" cap="none" normalizeH="0" baseline="0" smtClean="0">
+            <a:endParaRPr kumimoji="0" lang="en-US" sz="2400" b="0" i="0" u="none" strike="noStrike" cap="none" normalizeH="0" baseline="0">
               <a:ln>
                 <a:noFill/>
               </a:ln>
@@ -37201,10 +36827,9 @@
           <a:lstStyle/>
           <a:p>
             <a:r>
-              <a:rPr lang="en-US" dirty="0" smtClean="0"/>
+              <a:rPr lang="en-US" dirty="0"/>
               <a:t>Constellation Diagram</a:t>
             </a:r>
-            <a:endParaRPr lang="en-US" dirty="0"/>
           </a:p>
         </p:txBody>
       </p:sp>
@@ -37224,10 +36849,9 @@
           <a:lstStyle/>
           <a:p>
             <a:r>
-              <a:rPr lang="en-US" dirty="0" smtClean="0"/>
+              <a:rPr lang="en-US" dirty="0"/>
               <a:t>Representation of the modulated signal on a complex plane according to its amplitude and phase modulation (or in-phase and quadrature modulation)</a:t>
             </a:r>
-            <a:endParaRPr lang="en-US" dirty="0"/>
           </a:p>
         </p:txBody>
       </p:sp>
@@ -37336,7 +36960,7 @@
           <a:lstStyle/>
           <a:p>
             <a:r>
-              <a:rPr lang="en-US" dirty="0" smtClean="0">
+              <a:rPr lang="en-US" dirty="0">
                 <a:solidFill>
                   <a:srgbClr val="000000"/>
                 </a:solidFill>
@@ -37371,7 +36995,7 @@
           <a:lstStyle/>
           <a:p>
             <a:r>
-              <a:rPr lang="en-US" dirty="0" smtClean="0">
+              <a:rPr lang="en-US" dirty="0">
                 <a:solidFill>
                   <a:srgbClr val="000000"/>
                 </a:solidFill>
@@ -37393,13 +37017,6 @@
   <p:clrMapOvr>
     <a:masterClrMapping/>
   </p:clrMapOvr>
-  <p:timing>
-    <p:tnLst>
-      <p:par>
-        <p:cTn id="1" dur="indefinite" restart="never" nodeType="tmRoot"/>
-      </p:par>
-    </p:tnLst>
-  </p:timing>
 </p:sld>
 </file>
 
@@ -37438,14 +37055,13 @@
           <a:lstStyle/>
           <a:p>
             <a:r>
-              <a:rPr lang="en-US" dirty="0" err="1" smtClean="0"/>
+              <a:rPr lang="en-US" dirty="0" err="1"/>
               <a:t>Quadrature</a:t>
             </a:r>
             <a:r>
-              <a:rPr lang="en-US" dirty="0" smtClean="0"/>
+              <a:rPr lang="en-US" dirty="0"/>
               <a:t> Modulation</a:t>
             </a:r>
-            <a:endParaRPr lang="en-US" dirty="0"/>
           </a:p>
         </p:txBody>
       </p:sp>
@@ -37515,7 +37131,7 @@
                 <a:buNone/>
                 <a:tabLst/>
               </a:pPr>
-              <a:endParaRPr kumimoji="0" lang="en-US" sz="900" b="1" i="0" u="none" strike="noStrike" cap="none" normalizeH="0" baseline="0" smtClean="0">
+              <a:endParaRPr kumimoji="0" lang="en-US" sz="900" b="1" i="0" u="none" strike="noStrike" cap="none" normalizeH="0" baseline="0">
                 <a:ln>
                   <a:noFill/>
                 </a:ln>
@@ -37713,7 +37329,7 @@
                 <a:buNone/>
                 <a:tabLst/>
               </a:pPr>
-              <a:endParaRPr kumimoji="0" lang="en-US" sz="900" b="1" i="0" u="none" strike="noStrike" cap="none" normalizeH="0" baseline="0" smtClean="0">
+              <a:endParaRPr kumimoji="0" lang="en-US" sz="900" b="1" i="0" u="none" strike="noStrike" cap="none" normalizeH="0" baseline="0">
                 <a:ln>
                   <a:noFill/>
                 </a:ln>
@@ -37898,7 +37514,7 @@
               <a:tabLst/>
             </a:pPr>
             <a:r>
-              <a:rPr kumimoji="0" lang="en-US" i="0" u="none" strike="noStrike" cap="none" normalizeH="0" baseline="0" dirty="0" smtClean="0">
+              <a:rPr kumimoji="0" lang="en-US" i="0" u="none" strike="noStrike" cap="none" normalizeH="0" baseline="0" dirty="0">
                 <a:ln>
                   <a:noFill/>
                 </a:ln>
@@ -37931,7 +37547,7 @@
               <a:tabLst/>
             </a:pPr>
             <a:r>
-              <a:rPr kumimoji="0" lang="en-US" i="0" u="none" strike="noStrike" cap="none" normalizeH="0" baseline="0" dirty="0" smtClean="0">
+              <a:rPr kumimoji="0" lang="en-US" i="0" u="none" strike="noStrike" cap="none" normalizeH="0" baseline="0" dirty="0">
                 <a:ln>
                   <a:noFill/>
                 </a:ln>
@@ -37972,7 +37588,7 @@
           <a:p>
             <a:pPr algn="ctr"/>
             <a:r>
-              <a:rPr lang="en-US" dirty="0" smtClean="0">
+              <a:rPr lang="en-US" dirty="0">
                 <a:solidFill>
                   <a:schemeClr val="bg1"/>
                 </a:solidFill>
@@ -37985,7 +37601,7 @@
           <a:p>
             <a:pPr algn="ctr"/>
             <a:r>
-              <a:rPr lang="en-US" dirty="0" smtClean="0">
+              <a:rPr lang="en-US" dirty="0">
                 <a:solidFill>
                   <a:schemeClr val="bg1"/>
                 </a:solidFill>
@@ -38385,7 +38001,7 @@
               <a:tabLst/>
             </a:pPr>
             <a:r>
-              <a:rPr kumimoji="0" lang="el-GR" sz="4500" b="1" i="0" u="none" strike="noStrike" cap="none" normalizeH="0" baseline="0" dirty="0" smtClean="0">
+              <a:rPr kumimoji="0" lang="el-GR" sz="4500" b="1" i="0" u="none" strike="noStrike" cap="none" normalizeH="0" baseline="0" dirty="0">
                 <a:ln>
                   <a:noFill/>
                 </a:ln>
@@ -38398,7 +38014,7 @@
               </a:rPr>
               <a:t>Σ</a:t>
             </a:r>
-            <a:endParaRPr kumimoji="0" lang="en-US" sz="4500" b="1" i="0" u="none" strike="noStrike" cap="none" normalizeH="0" baseline="0" dirty="0" smtClean="0">
+            <a:endParaRPr kumimoji="0" lang="en-US" sz="4500" b="1" i="0" u="none" strike="noStrike" cap="none" normalizeH="0" baseline="0" dirty="0">
               <a:ln>
                 <a:noFill/>
               </a:ln>
@@ -38545,7 +38161,7 @@
           <a:graphicData uri="http://schemas.openxmlformats.org/presentationml/2006/ole">
             <mc:AlternateContent xmlns:mc="http://schemas.openxmlformats.org/markup-compatibility/2006">
               <mc:Choice xmlns:v="urn:schemas-microsoft-com:vml" Requires="v">
-                <p:oleObj spid="_x0000_s4142" name="Equation" r:id="rId4" imgW="457200" imgH="228600" progId="">
+                <p:oleObj spid="_x0000_s4144" name="Equation" r:id="rId4" imgW="457200" imgH="228600" progId="">
                   <p:embed/>
                 </p:oleObj>
               </mc:Choice>
@@ -38621,7 +38237,7 @@
           <a:graphicData uri="http://schemas.openxmlformats.org/presentationml/2006/ole">
             <mc:AlternateContent xmlns:mc="http://schemas.openxmlformats.org/markup-compatibility/2006">
               <mc:Choice xmlns:v="urn:schemas-microsoft-com:vml" Requires="v">
-                <p:oleObj spid="_x0000_s4143" name="Equation" r:id="rId6" imgW="545760" imgH="228600" progId="">
+                <p:oleObj spid="_x0000_s4145" name="Equation" r:id="rId6" imgW="545760" imgH="228600" progId="">
                   <p:embed/>
                 </p:oleObj>
               </mc:Choice>
@@ -38698,7 +38314,7 @@
           <a:lstStyle/>
           <a:p>
             <a:r>
-              <a:rPr lang="en-US" sz="3000" b="1" i="1" spc="300" dirty="0" smtClean="0">
+              <a:rPr lang="en-US" sz="3000" b="1" i="1" spc="300" dirty="0">
                 <a:solidFill>
                   <a:srgbClr val="0000FF"/>
                 </a:solidFill>
@@ -38733,7 +38349,7 @@
           <a:lstStyle/>
           <a:p>
             <a:r>
-              <a:rPr lang="en-US" sz="3000" b="1" i="1" spc="300" dirty="0" smtClean="0">
+              <a:rPr lang="en-US" sz="3000" b="1" i="1" spc="300" dirty="0">
                 <a:solidFill>
                   <a:srgbClr val="0000FF"/>
                 </a:solidFill>
@@ -38789,13 +38405,6 @@
   <p:clrMapOvr>
     <a:masterClrMapping/>
   </p:clrMapOvr>
-  <p:timing>
-    <p:tnLst>
-      <p:par>
-        <p:cTn id="1" dur="indefinite" restart="never" nodeType="tmRoot"/>
-      </p:par>
-    </p:tnLst>
-  </p:timing>
 </p:sld>
 </file>
 
@@ -38834,14 +38443,13 @@
           <a:lstStyle/>
           <a:p>
             <a:r>
-              <a:rPr lang="en-US" dirty="0" err="1" smtClean="0"/>
+              <a:rPr lang="en-US" dirty="0" err="1"/>
               <a:t>Quadrature</a:t>
             </a:r>
             <a:r>
-              <a:rPr lang="en-US" dirty="0" smtClean="0"/>
+              <a:rPr lang="en-US" dirty="0"/>
               <a:t> Modulation</a:t>
             </a:r>
-            <a:endParaRPr lang="en-US" dirty="0"/>
           </a:p>
         </p:txBody>
       </p:sp>
@@ -38911,7 +38519,7 @@
                 <a:buNone/>
                 <a:tabLst/>
               </a:pPr>
-              <a:endParaRPr kumimoji="0" lang="en-US" sz="900" b="1" i="0" u="none" strike="noStrike" cap="none" normalizeH="0" baseline="0" smtClean="0">
+              <a:endParaRPr kumimoji="0" lang="en-US" sz="900" b="1" i="0" u="none" strike="noStrike" cap="none" normalizeH="0" baseline="0">
                 <a:ln>
                   <a:noFill/>
                 </a:ln>
@@ -39133,7 +38741,7 @@
               <a:tabLst/>
             </a:pPr>
             <a:r>
-              <a:rPr kumimoji="0" lang="en-US" i="0" u="none" strike="noStrike" cap="none" normalizeH="0" baseline="0" dirty="0" smtClean="0">
+              <a:rPr kumimoji="0" lang="en-US" i="0" u="none" strike="noStrike" cap="none" normalizeH="0" baseline="0" dirty="0">
                 <a:ln>
                   <a:noFill/>
                 </a:ln>
@@ -39166,7 +38774,7 @@
               <a:tabLst/>
             </a:pPr>
             <a:r>
-              <a:rPr kumimoji="0" lang="en-US" i="0" u="none" strike="noStrike" cap="none" normalizeH="0" baseline="0" dirty="0" smtClean="0">
+              <a:rPr kumimoji="0" lang="en-US" i="0" u="none" strike="noStrike" cap="none" normalizeH="0" baseline="0" dirty="0">
                 <a:ln>
                   <a:noFill/>
                 </a:ln>
@@ -39207,7 +38815,7 @@
           <a:p>
             <a:pPr algn="ctr"/>
             <a:r>
-              <a:rPr lang="en-US" dirty="0" smtClean="0">
+              <a:rPr lang="en-US" dirty="0">
                 <a:solidFill>
                   <a:srgbClr val="000000"/>
                 </a:solidFill>
@@ -39220,7 +38828,7 @@
           <a:p>
             <a:pPr algn="ctr"/>
             <a:r>
-              <a:rPr lang="en-US" dirty="0" smtClean="0">
+              <a:rPr lang="en-US" dirty="0">
                 <a:solidFill>
                   <a:srgbClr val="000000"/>
                 </a:solidFill>
@@ -39618,7 +39226,7 @@
               <a:tabLst/>
             </a:pPr>
             <a:r>
-              <a:rPr kumimoji="0" lang="el-GR" sz="4500" b="1" i="0" u="none" strike="noStrike" cap="none" normalizeH="0" baseline="0" dirty="0" smtClean="0">
+              <a:rPr kumimoji="0" lang="el-GR" sz="4500" b="1" i="0" u="none" strike="noStrike" cap="none" normalizeH="0" baseline="0" dirty="0">
                 <a:ln>
                   <a:noFill/>
                 </a:ln>
@@ -39631,7 +39239,7 @@
               </a:rPr>
               <a:t>Σ</a:t>
             </a:r>
-            <a:endParaRPr kumimoji="0" lang="en-US" sz="4500" b="1" i="0" u="none" strike="noStrike" cap="none" normalizeH="0" baseline="0" dirty="0" smtClean="0">
+            <a:endParaRPr kumimoji="0" lang="en-US" sz="4500" b="1" i="0" u="none" strike="noStrike" cap="none" normalizeH="0" baseline="0" dirty="0">
               <a:ln>
                 <a:noFill/>
               </a:ln>
@@ -39735,7 +39343,7 @@
           <a:graphicData uri="http://schemas.openxmlformats.org/presentationml/2006/ole">
             <mc:AlternateContent xmlns:mc="http://schemas.openxmlformats.org/markup-compatibility/2006">
               <mc:Choice xmlns:v="urn:schemas-microsoft-com:vml" Requires="v">
-                <p:oleObj spid="_x0000_s5172" name="Equation" r:id="rId4" imgW="457200" imgH="228600" progId="">
+                <p:oleObj spid="_x0000_s5174" name="Equation" r:id="rId4" imgW="457200" imgH="228600" progId="">
                   <p:embed/>
                 </p:oleObj>
               </mc:Choice>
@@ -39929,7 +39537,7 @@
                 <a:buNone/>
                 <a:tabLst/>
               </a:pPr>
-              <a:endParaRPr kumimoji="0" lang="en-US" sz="900" b="1" i="0" u="none" strike="noStrike" cap="none" normalizeH="0" baseline="0" smtClean="0">
+              <a:endParaRPr kumimoji="0" lang="en-US" sz="900" b="1" i="0" u="none" strike="noStrike" cap="none" normalizeH="0" baseline="0">
                 <a:ln>
                   <a:noFill/>
                 </a:ln>
@@ -40217,7 +39825,7 @@
                 <a:buNone/>
                 <a:tabLst/>
               </a:pPr>
-              <a:endParaRPr kumimoji="0" lang="en-US" sz="900" b="1" i="0" u="none" strike="noStrike" cap="none" normalizeH="0" baseline="0" smtClean="0">
+              <a:endParaRPr kumimoji="0" lang="en-US" sz="900" b="1" i="0" u="none" strike="noStrike" cap="none" normalizeH="0" baseline="0">
                 <a:ln>
                   <a:noFill/>
                 </a:ln>
@@ -40476,7 +40084,7 @@
               <a:tabLst/>
             </a:pPr>
             <a:r>
-              <a:rPr kumimoji="0" lang="en-US" sz="2400" b="1" i="0" u="none" strike="noStrike" cap="none" normalizeH="0" baseline="0" dirty="0" smtClean="0">
+              <a:rPr kumimoji="0" lang="en-US" sz="2400" b="1" i="0" u="none" strike="noStrike" cap="none" normalizeH="0" baseline="0" dirty="0">
                 <a:ln>
                   <a:noFill/>
                 </a:ln>
@@ -40491,7 +40099,7 @@
               <a:t>-90</a:t>
             </a:r>
             <a:r>
-              <a:rPr kumimoji="0" lang="en-US" sz="2400" b="1" i="0" u="none" strike="noStrike" cap="none" normalizeH="0" baseline="0" dirty="0" smtClean="0">
+              <a:rPr kumimoji="0" lang="en-US" sz="2400" b="1" i="0" u="none" strike="noStrike" cap="none" normalizeH="0" baseline="0" dirty="0">
                 <a:ln>
                   <a:noFill/>
                 </a:ln>
@@ -40505,7 +40113,7 @@
               </a:rPr>
               <a:t>°</a:t>
             </a:r>
-            <a:endParaRPr kumimoji="0" lang="en-US" sz="2400" b="1" i="0" u="none" strike="noStrike" cap="none" normalizeH="0" baseline="0" dirty="0" smtClean="0">
+            <a:endParaRPr kumimoji="0" lang="en-US" sz="2400" b="1" i="0" u="none" strike="noStrike" cap="none" normalizeH="0" baseline="0" dirty="0">
               <a:ln>
                 <a:noFill/>
               </a:ln>
@@ -40536,7 +40144,7 @@
           <a:graphicData uri="http://schemas.openxmlformats.org/presentationml/2006/ole">
             <mc:AlternateContent xmlns:mc="http://schemas.openxmlformats.org/markup-compatibility/2006">
               <mc:Choice xmlns:v="urn:schemas-microsoft-com:vml" Requires="v">
-                <p:oleObj spid="_x0000_s5173" name="Equation" r:id="rId6" imgW="545760" imgH="228600" progId="">
+                <p:oleObj spid="_x0000_s5175" name="Equation" r:id="rId6" imgW="545760" imgH="228600" progId="">
                   <p:embed/>
                 </p:oleObj>
               </mc:Choice>
@@ -40613,7 +40221,7 @@
           <a:lstStyle/>
           <a:p>
             <a:r>
-              <a:rPr lang="en-US" sz="3000" b="1" i="1" spc="300" dirty="0" smtClean="0">
+              <a:rPr lang="en-US" sz="3000" b="1" i="1" spc="300" dirty="0">
                 <a:solidFill>
                   <a:srgbClr val="0000FF"/>
                 </a:solidFill>
@@ -40648,7 +40256,7 @@
           <a:lstStyle/>
           <a:p>
             <a:r>
-              <a:rPr lang="en-US" sz="3000" b="1" i="1" spc="300" dirty="0" smtClean="0">
+              <a:rPr lang="en-US" sz="3000" b="1" i="1" spc="300" dirty="0">
                 <a:solidFill>
                   <a:srgbClr val="0000FF"/>
                 </a:solidFill>
@@ -40704,13 +40312,6 @@
   <p:clrMapOvr>
     <a:masterClrMapping/>
   </p:clrMapOvr>
-  <p:timing>
-    <p:tnLst>
-      <p:par>
-        <p:cTn id="1" dur="indefinite" restart="never" nodeType="tmRoot"/>
-      </p:par>
-    </p:tnLst>
-  </p:timing>
 </p:sld>
 </file>
 
